--- a/Vortrag - Eine konstruktive Methode zum Rendern von Marching Cubes Voxeln mit unterschiedlichen Füllmengen und Materialien.pptx
+++ b/Vortrag - Eine konstruktive Methode zum Rendern von Marching Cubes Voxeln mit unterschiedlichen Füllmengen und Materialien.pptx
@@ -5,22 +5,29 @@
     <p:sldMasterId id="2147483648" r:id="rId1"/>
   </p:sldMasterIdLst>
   <p:notesMasterIdLst>
-    <p:notesMasterId r:id="rId12"/>
+    <p:notesMasterId r:id="rId19"/>
   </p:notesMasterIdLst>
   <p:handoutMasterIdLst>
-    <p:handoutMasterId r:id="rId13"/>
+    <p:handoutMasterId r:id="rId20"/>
   </p:handoutMasterIdLst>
   <p:sldIdLst>
     <p:sldId id="256" r:id="rId2"/>
     <p:sldId id="259" r:id="rId3"/>
     <p:sldId id="260" r:id="rId4"/>
     <p:sldId id="261" r:id="rId5"/>
-    <p:sldId id="270" r:id="rId6"/>
-    <p:sldId id="269" r:id="rId7"/>
-    <p:sldId id="275" r:id="rId8"/>
-    <p:sldId id="279" r:id="rId9"/>
-    <p:sldId id="280" r:id="rId10"/>
-    <p:sldId id="281" r:id="rId11"/>
+    <p:sldId id="283" r:id="rId6"/>
+    <p:sldId id="284" r:id="rId7"/>
+    <p:sldId id="285" r:id="rId8"/>
+    <p:sldId id="286" r:id="rId9"/>
+    <p:sldId id="270" r:id="rId10"/>
+    <p:sldId id="291" r:id="rId11"/>
+    <p:sldId id="287" r:id="rId12"/>
+    <p:sldId id="288" r:id="rId13"/>
+    <p:sldId id="279" r:id="rId14"/>
+    <p:sldId id="289" r:id="rId15"/>
+    <p:sldId id="290" r:id="rId16"/>
+    <p:sldId id="280" r:id="rId17"/>
+    <p:sldId id="281" r:id="rId18"/>
   </p:sldIdLst>
   <p:sldSz cx="9144000" cy="6858000" type="screen4x3"/>
   <p:notesSz cx="6858000" cy="9144000"/>
@@ -205,7 +212,7 @@
             <a:fld id="{632E49BE-D5A6-4121-A26B-F12657AC0195}" type="datetimeFigureOut">
               <a:rPr lang="de-DE" smtClean="0"/>
               <a:pPr/>
-              <a:t>23.11.2018</a:t>
+              <a:t>26.11.2018</a:t>
             </a:fld>
             <a:endParaRPr lang="de-DE"/>
           </a:p>
@@ -281,7 +288,7 @@
     </p:spTree>
     <p:extLst>
       <p:ext uri="{BB962C8B-B14F-4D97-AF65-F5344CB8AC3E}">
-        <p14:creationId xmlns:p14="http://schemas.microsoft.com/office/powerpoint/2010/main" xmlns="" val="342982704"/>
+        <p14:creationId xmlns:p14="http://schemas.microsoft.com/office/powerpoint/2010/main" val="342982704"/>
       </p:ext>
     </p:extLst>
   </p:cSld>
@@ -373,7 +380,7 @@
             <a:fld id="{4BB935F9-976D-4DE2-ABB0-B8F170B79E2D}" type="datetimeFigureOut">
               <a:rPr lang="de-DE" smtClean="0"/>
               <a:pPr/>
-              <a:t>23.11.2018</a:t>
+              <a:t>26.11.2018</a:t>
             </a:fld>
             <a:endParaRPr lang="de-DE"/>
           </a:p>
@@ -542,7 +549,7 @@
     </p:spTree>
     <p:extLst>
       <p:ext uri="{BB962C8B-B14F-4D97-AF65-F5344CB8AC3E}">
-        <p14:creationId xmlns:p14="http://schemas.microsoft.com/office/powerpoint/2010/main" xmlns="" val="1837146413"/>
+        <p14:creationId xmlns:p14="http://schemas.microsoft.com/office/powerpoint/2010/main" val="1837146413"/>
       </p:ext>
     </p:extLst>
   </p:cSld>
@@ -718,7 +725,7 @@
     </p:spTree>
     <p:extLst>
       <p:ext uri="{BB962C8B-B14F-4D97-AF65-F5344CB8AC3E}">
-        <p14:creationId xmlns:p14="http://schemas.microsoft.com/office/powerpoint/2010/main" xmlns="" val="984583884"/>
+        <p14:creationId xmlns:p14="http://schemas.microsoft.com/office/powerpoint/2010/main" val="984583884"/>
       </p:ext>
     </p:extLst>
   </p:cSld>
@@ -998,7 +1005,7 @@
     </p:spTree>
     <p:extLst>
       <p:ext uri="{BB962C8B-B14F-4D97-AF65-F5344CB8AC3E}">
-        <p14:creationId xmlns:p14="http://schemas.microsoft.com/office/powerpoint/2010/main" xmlns="" val="458024460"/>
+        <p14:creationId xmlns:p14="http://schemas.microsoft.com/office/powerpoint/2010/main" val="458024460"/>
       </p:ext>
     </p:extLst>
   </p:cSld>
@@ -1210,10 +1217,6 @@
               </a:rPr>
               <a:t>Wissenschaftliches Projekt</a:t>
             </a:r>
-            <a:endParaRPr lang="de-DE" sz="1200" baseline="0" dirty="0" smtClean="0">
-              <a:latin typeface="Calibri" panose="020F0502020204030204" pitchFamily="34" charset="0"/>
-              <a:cs typeface="Calibri" panose="020F0502020204030204" pitchFamily="34" charset="0"/>
-            </a:endParaRPr>
           </a:p>
           <a:p>
             <a:endParaRPr lang="de-DE" sz="500" baseline="0" dirty="0" smtClean="0">
@@ -1287,7 +1290,7 @@
     </p:spTree>
     <p:extLst>
       <p:ext uri="{BB962C8B-B14F-4D97-AF65-F5344CB8AC3E}">
-        <p14:creationId xmlns:p14="http://schemas.microsoft.com/office/powerpoint/2010/main" xmlns="" val="1868085465"/>
+        <p14:creationId xmlns:p14="http://schemas.microsoft.com/office/powerpoint/2010/main" val="1868085465"/>
       </p:ext>
     </p:extLst>
   </p:cSld>
@@ -1509,10 +1512,6 @@
               </a:rPr>
               <a:t>Wissenschaftliches Projekt</a:t>
             </a:r>
-            <a:endParaRPr lang="de-DE" sz="1200" baseline="0" dirty="0" smtClean="0">
-              <a:latin typeface="Calibri" panose="020F0502020204030204" pitchFamily="34" charset="0"/>
-              <a:cs typeface="Calibri" panose="020F0502020204030204" pitchFamily="34" charset="0"/>
-            </a:endParaRPr>
           </a:p>
           <a:p>
             <a:endParaRPr lang="de-DE" sz="500" baseline="0" dirty="0" smtClean="0">
@@ -1586,7 +1585,7 @@
     </p:spTree>
     <p:extLst>
       <p:ext uri="{BB962C8B-B14F-4D97-AF65-F5344CB8AC3E}">
-        <p14:creationId xmlns:p14="http://schemas.microsoft.com/office/powerpoint/2010/main" xmlns="" val="310547943"/>
+        <p14:creationId xmlns:p14="http://schemas.microsoft.com/office/powerpoint/2010/main" val="310547943"/>
       </p:ext>
     </p:extLst>
   </p:cSld>
@@ -1832,10 +1831,6 @@
               </a:rPr>
               <a:t>Wissenschaftliches Projekt</a:t>
             </a:r>
-            <a:endParaRPr lang="de-DE" sz="1200" baseline="0" dirty="0" smtClean="0">
-              <a:latin typeface="Calibri" panose="020F0502020204030204" pitchFamily="34" charset="0"/>
-              <a:cs typeface="Calibri" panose="020F0502020204030204" pitchFamily="34" charset="0"/>
-            </a:endParaRPr>
           </a:p>
           <a:p>
             <a:endParaRPr lang="de-DE" sz="500" baseline="0" dirty="0" smtClean="0">
@@ -1909,7 +1904,7 @@
     </p:spTree>
     <p:extLst>
       <p:ext uri="{BB962C8B-B14F-4D97-AF65-F5344CB8AC3E}">
-        <p14:creationId xmlns:p14="http://schemas.microsoft.com/office/powerpoint/2010/main" xmlns="" val="3225723220"/>
+        <p14:creationId xmlns:p14="http://schemas.microsoft.com/office/powerpoint/2010/main" val="3225723220"/>
       </p:ext>
     </p:extLst>
   </p:cSld>
@@ -2193,10 +2188,6 @@
               </a:rPr>
               <a:t>Wissenschaftliches Projekt</a:t>
             </a:r>
-            <a:endParaRPr lang="de-DE" sz="1200" baseline="0" dirty="0" smtClean="0">
-              <a:latin typeface="Calibri" panose="020F0502020204030204" pitchFamily="34" charset="0"/>
-              <a:cs typeface="Calibri" panose="020F0502020204030204" pitchFamily="34" charset="0"/>
-            </a:endParaRPr>
           </a:p>
           <a:p>
             <a:endParaRPr lang="de-DE" sz="500" baseline="0" dirty="0" smtClean="0">
@@ -2270,7 +2261,7 @@
     </p:spTree>
     <p:extLst>
       <p:ext uri="{BB962C8B-B14F-4D97-AF65-F5344CB8AC3E}">
-        <p14:creationId xmlns:p14="http://schemas.microsoft.com/office/powerpoint/2010/main" xmlns="" val="829494751"/>
+        <p14:creationId xmlns:p14="http://schemas.microsoft.com/office/powerpoint/2010/main" val="829494751"/>
       </p:ext>
     </p:extLst>
   </p:cSld>
@@ -2600,10 +2591,6 @@
               </a:rPr>
               <a:t>Wissenschaftliches Projekt</a:t>
             </a:r>
-            <a:endParaRPr lang="de-DE" sz="1200" baseline="0" dirty="0" smtClean="0">
-              <a:latin typeface="Calibri" panose="020F0502020204030204" pitchFamily="34" charset="0"/>
-              <a:cs typeface="Calibri" panose="020F0502020204030204" pitchFamily="34" charset="0"/>
-            </a:endParaRPr>
           </a:p>
           <a:p>
             <a:endParaRPr lang="de-DE" sz="500" baseline="0" dirty="0" smtClean="0">
@@ -2677,7 +2664,7 @@
     </p:spTree>
     <p:extLst>
       <p:ext uri="{BB962C8B-B14F-4D97-AF65-F5344CB8AC3E}">
-        <p14:creationId xmlns:p14="http://schemas.microsoft.com/office/powerpoint/2010/main" xmlns="" val="745180177"/>
+        <p14:creationId xmlns:p14="http://schemas.microsoft.com/office/powerpoint/2010/main" val="745180177"/>
       </p:ext>
     </p:extLst>
   </p:cSld>
@@ -3141,10 +3128,6 @@
               </a:rPr>
               <a:t>Wissenschaftliches Projekt</a:t>
             </a:r>
-            <a:endParaRPr lang="de-DE" sz="1200" baseline="0" dirty="0" smtClean="0">
-              <a:latin typeface="Calibri" panose="020F0502020204030204" pitchFamily="34" charset="0"/>
-              <a:cs typeface="Calibri" panose="020F0502020204030204" pitchFamily="34" charset="0"/>
-            </a:endParaRPr>
           </a:p>
           <a:p>
             <a:endParaRPr lang="de-DE" sz="500" baseline="0" dirty="0" smtClean="0">
@@ -3218,7 +3201,7 @@
     </p:spTree>
     <p:extLst>
       <p:ext uri="{BB962C8B-B14F-4D97-AF65-F5344CB8AC3E}">
-        <p14:creationId xmlns:p14="http://schemas.microsoft.com/office/powerpoint/2010/main" xmlns="" val="363365226"/>
+        <p14:creationId xmlns:p14="http://schemas.microsoft.com/office/powerpoint/2010/main" val="363365226"/>
       </p:ext>
     </p:extLst>
   </p:cSld>
@@ -3378,10 +3361,6 @@
               </a:rPr>
               <a:t>Wissenschaftliches Projekt</a:t>
             </a:r>
-            <a:endParaRPr lang="de-DE" sz="1200" baseline="0" dirty="0" smtClean="0">
-              <a:latin typeface="Calibri" panose="020F0502020204030204" pitchFamily="34" charset="0"/>
-              <a:cs typeface="Calibri" panose="020F0502020204030204" pitchFamily="34" charset="0"/>
-            </a:endParaRPr>
           </a:p>
           <a:p>
             <a:endParaRPr lang="de-DE" sz="500" baseline="0" dirty="0" smtClean="0">
@@ -3455,7 +3434,7 @@
     </p:spTree>
     <p:extLst>
       <p:ext uri="{BB962C8B-B14F-4D97-AF65-F5344CB8AC3E}">
-        <p14:creationId xmlns:p14="http://schemas.microsoft.com/office/powerpoint/2010/main" xmlns="" val="2249552762"/>
+        <p14:creationId xmlns:p14="http://schemas.microsoft.com/office/powerpoint/2010/main" val="2249552762"/>
       </p:ext>
     </p:extLst>
   </p:cSld>
@@ -3592,10 +3571,6 @@
               </a:rPr>
               <a:t>Wissenschaftliches Projekt</a:t>
             </a:r>
-            <a:endParaRPr lang="de-DE" sz="1200" baseline="0" dirty="0" smtClean="0">
-              <a:latin typeface="Calibri" panose="020F0502020204030204" pitchFamily="34" charset="0"/>
-              <a:cs typeface="Calibri" panose="020F0502020204030204" pitchFamily="34" charset="0"/>
-            </a:endParaRPr>
           </a:p>
           <a:p>
             <a:endParaRPr lang="de-DE" sz="500" baseline="0" dirty="0" smtClean="0">
@@ -3669,7 +3644,7 @@
     </p:spTree>
     <p:extLst>
       <p:ext uri="{BB962C8B-B14F-4D97-AF65-F5344CB8AC3E}">
-        <p14:creationId xmlns:p14="http://schemas.microsoft.com/office/powerpoint/2010/main" xmlns="" val="3930731349"/>
+        <p14:creationId xmlns:p14="http://schemas.microsoft.com/office/powerpoint/2010/main" val="3930731349"/>
       </p:ext>
     </p:extLst>
   </p:cSld>
@@ -3988,10 +3963,6 @@
               </a:rPr>
               <a:t>Wissenschaftliches Projekt</a:t>
             </a:r>
-            <a:endParaRPr lang="de-DE" sz="1200" baseline="0" dirty="0" smtClean="0">
-              <a:latin typeface="Calibri" panose="020F0502020204030204" pitchFamily="34" charset="0"/>
-              <a:cs typeface="Calibri" panose="020F0502020204030204" pitchFamily="34" charset="0"/>
-            </a:endParaRPr>
           </a:p>
           <a:p>
             <a:endParaRPr lang="de-DE" sz="500" baseline="0" dirty="0" smtClean="0">
@@ -4065,7 +4036,7 @@
     </p:spTree>
     <p:extLst>
       <p:ext uri="{BB962C8B-B14F-4D97-AF65-F5344CB8AC3E}">
-        <p14:creationId xmlns:p14="http://schemas.microsoft.com/office/powerpoint/2010/main" xmlns="" val="988438104"/>
+        <p14:creationId xmlns:p14="http://schemas.microsoft.com/office/powerpoint/2010/main" val="988438104"/>
       </p:ext>
     </p:extLst>
   </p:cSld>
@@ -4360,10 +4331,6 @@
               </a:rPr>
               <a:t>Wissenschaftliches Projekt</a:t>
             </a:r>
-            <a:endParaRPr lang="de-DE" sz="1200" baseline="0" dirty="0" smtClean="0">
-              <a:latin typeface="Calibri" panose="020F0502020204030204" pitchFamily="34" charset="0"/>
-              <a:cs typeface="Calibri" panose="020F0502020204030204" pitchFamily="34" charset="0"/>
-            </a:endParaRPr>
           </a:p>
           <a:p>
             <a:endParaRPr lang="de-DE" sz="500" baseline="0" dirty="0" smtClean="0">
@@ -4437,7 +4404,7 @@
     </p:spTree>
     <p:extLst>
       <p:ext uri="{BB962C8B-B14F-4D97-AF65-F5344CB8AC3E}">
-        <p14:creationId xmlns:p14="http://schemas.microsoft.com/office/powerpoint/2010/main" xmlns="" val="2316752074"/>
+        <p14:creationId xmlns:p14="http://schemas.microsoft.com/office/powerpoint/2010/main" val="2316752074"/>
       </p:ext>
     </p:extLst>
   </p:cSld>
@@ -4832,7 +4799,7 @@
           <a:blip r:embed="rId13" cstate="print">
             <a:extLst>
               <a:ext uri="{28A0092B-C50C-407E-A947-70E740481C1C}">
-                <a14:useLocalDpi xmlns:a14="http://schemas.microsoft.com/office/drawing/2010/main" xmlns="" val="0"/>
+                <a14:useLocalDpi xmlns:a14="http://schemas.microsoft.com/office/drawing/2010/main" val="0"/>
               </a:ext>
             </a:extLst>
           </a:blip>
@@ -4852,7 +4819,7 @@
           <a:noFill/>
           <a:extLst>
             <a:ext uri="{909E8E84-426E-40DD-AFC4-6F175D3DCCD1}">
-              <a14:hiddenFill xmlns:a14="http://schemas.microsoft.com/office/drawing/2010/main" xmlns="">
+              <a14:hiddenFill xmlns:a14="http://schemas.microsoft.com/office/drawing/2010/main">
                 <a:solidFill>
                   <a:srgbClr val="FFFFFF"/>
                 </a:solidFill>
@@ -4864,7 +4831,7 @@
     </p:spTree>
     <p:extLst>
       <p:ext uri="{BB962C8B-B14F-4D97-AF65-F5344CB8AC3E}">
-        <p14:creationId xmlns:p14="http://schemas.microsoft.com/office/powerpoint/2010/main" xmlns="" val="3056105572"/>
+        <p14:creationId xmlns:p14="http://schemas.microsoft.com/office/powerpoint/2010/main" val="3056105572"/>
       </p:ext>
     </p:extLst>
   </p:cSld>
@@ -5179,11 +5146,7 @@
           <a:p>
             <a:r>
               <a:rPr lang="de-DE" sz="3200" dirty="0" smtClean="0"/>
-              <a:t>Eine konstruktive Methode zum Rendern </a:t>
-            </a:r>
-            <a:r>
-              <a:rPr lang="de-DE" sz="3200" dirty="0" smtClean="0"/>
-              <a:t>von </a:t>
+              <a:t>Eine konstruktive Methode zum Rendern von </a:t>
             </a:r>
             <a:r>
               <a:rPr lang="de-DE" sz="3200" dirty="0" err="1" smtClean="0"/>
@@ -5191,11 +5154,7 @@
             </a:r>
             <a:r>
               <a:rPr lang="de-DE" sz="3200" dirty="0" smtClean="0"/>
-              <a:t> </a:t>
-            </a:r>
-            <a:r>
-              <a:rPr lang="de-DE" sz="3200" dirty="0" smtClean="0"/>
-              <a:t>Cubes </a:t>
+              <a:t> Cubes </a:t>
             </a:r>
             <a:r>
               <a:rPr lang="de-DE" sz="3200" dirty="0" err="1" smtClean="0"/>
@@ -5203,26 +5162,14 @@
             </a:r>
             <a:r>
               <a:rPr lang="de-DE" sz="3200" dirty="0" smtClean="0"/>
-              <a:t> </a:t>
-            </a:r>
-            <a:r>
-              <a:rPr lang="de-DE" sz="3200" dirty="0" smtClean="0"/>
-              <a:t>mit unterschiedlichen</a:t>
-            </a:r>
-            <a:r>
-              <a:rPr lang="de-DE" sz="3200" dirty="0" smtClean="0"/>
-              <a:t/>
+              <a:t> mit unterschiedlichen</a:t>
             </a:r>
             <a:br>
               <a:rPr lang="de-DE" sz="3200" dirty="0" smtClean="0"/>
             </a:br>
             <a:r>
               <a:rPr lang="de-DE" sz="3200" dirty="0" smtClean="0"/>
-              <a:t>Füllmengen </a:t>
-            </a:r>
-            <a:r>
-              <a:rPr lang="de-DE" sz="3200" dirty="0" smtClean="0"/>
-              <a:t>und Materialien</a:t>
+              <a:t>Füllmengen und Materialien</a:t>
             </a:r>
             <a:endParaRPr lang="de-DE" sz="3200" dirty="0">
               <a:latin typeface="Calibri" panose="020F0502020204030204" pitchFamily="34" charset="0"/>
@@ -5255,11 +5202,7 @@
           <a:p>
             <a:r>
               <a:rPr lang="de-DE" dirty="0" smtClean="0"/>
-              <a:t>Wissenschaftliches Projekt </a:t>
-            </a:r>
-            <a:r>
-              <a:rPr lang="de-DE" dirty="0" smtClean="0"/>
-              <a:t>von</a:t>
+              <a:t>Wissenschaftliches Projekt von</a:t>
             </a:r>
           </a:p>
           <a:p>
@@ -5274,7 +5217,7 @@
     </p:spTree>
     <p:extLst>
       <p:ext uri="{BB962C8B-B14F-4D97-AF65-F5344CB8AC3E}">
-        <p14:creationId xmlns:p14="http://schemas.microsoft.com/office/powerpoint/2010/main" xmlns="" val="3521295267"/>
+        <p14:creationId xmlns:p14="http://schemas.microsoft.com/office/powerpoint/2010/main" val="3521295267"/>
       </p:ext>
     </p:extLst>
   </p:cSld>
@@ -5318,14 +5261,19 @@
             <p:ph type="title"/>
           </p:nvPr>
         </p:nvSpPr>
-        <p:spPr/>
+        <p:spPr>
+          <a:xfrm>
+            <a:off x="323528" y="1052736"/>
+            <a:ext cx="8301608" cy="720080"/>
+          </a:xfrm>
+        </p:spPr>
         <p:txBody>
           <a:bodyPr/>
           <a:lstStyle/>
           <a:p>
             <a:r>
               <a:rPr lang="de-DE" dirty="0" smtClean="0"/>
-              <a:t>Bildquellen</a:t>
+              <a:t>Zielsetzung</a:t>
             </a:r>
             <a:endParaRPr lang="de-DE" dirty="0"/>
           </a:p>
@@ -5341,221 +5289,68 @@
             <p:ph idx="1"/>
           </p:nvPr>
         </p:nvSpPr>
-        <p:spPr/>
+        <p:spPr>
+          <a:xfrm>
+            <a:off x="464681" y="2348880"/>
+            <a:ext cx="8229600" cy="3489251"/>
+          </a:xfrm>
+        </p:spPr>
         <p:txBody>
           <a:bodyPr>
-            <a:normAutofit fontScale="47500" lnSpcReduction="20000"/>
+            <a:normAutofit/>
           </a:bodyPr>
           <a:lstStyle/>
           <a:p>
-            <a:pPr marL="514350" indent="-514350">
-              <a:buFont typeface="+mj-lt"/>
-              <a:buAutoNum type="arabicPeriod"/>
+            <a:pPr>
+              <a:lnSpc>
+                <a:spcPct val="120000"/>
+              </a:lnSpc>
             </a:pPr>
             <a:r>
-              <a:rPr lang="de-DE" dirty="0">
-                <a:hlinkClick r:id="rId2"/>
-              </a:rPr>
-              <a:t>http://</a:t>
-            </a:r>
-            <a:r>
-              <a:rPr lang="de-DE" dirty="0" smtClean="0">
-                <a:hlinkClick r:id="rId2"/>
-              </a:rPr>
-              <a:t>thingiverse-production-new.s3.amazonaws.com/renders/f7/26/35/60/a9/stanford_bunny_7mm_repaired_sized_preview_featured.jpg</a:t>
-            </a:r>
-            <a:endParaRPr lang="de-DE" dirty="0" smtClean="0"/>
-          </a:p>
-          <a:p>
-            <a:pPr marL="514350" indent="-514350">
-              <a:buFont typeface="+mj-lt"/>
-              <a:buAutoNum type="arabicPeriod"/>
+              <a:rPr lang="de-DE" sz="1600" dirty="0"/>
+              <a:t>Da durch die Skalierung der Marching Cubes unterschiedlich große Flächen in den Meshes entstehen, wird Solid Texturing verwendet, um unterschiedliche Detailgrade zu vermeiden.</a:t>
+            </a:r>
+          </a:p>
+          <a:p>
+            <a:pPr>
+              <a:lnSpc>
+                <a:spcPct val="120000"/>
+              </a:lnSpc>
             </a:pPr>
             <a:r>
-              <a:rPr lang="de-DE" dirty="0" smtClean="0">
-                <a:hlinkClick r:id="rId3"/>
-              </a:rPr>
-              <a:t>http</a:t>
-            </a:r>
-            <a:r>
-              <a:rPr lang="de-DE" dirty="0">
-                <a:hlinkClick r:id="rId3"/>
-              </a:rPr>
-              <a:t>://</a:t>
-            </a:r>
-            <a:r>
-              <a:rPr lang="de-DE" dirty="0" smtClean="0">
-                <a:hlinkClick r:id="rId3"/>
-              </a:rPr>
-              <a:t>www.sycode.com/products/point_cloud_ac/help/tutorial/tutorial2_points.gif</a:t>
-            </a:r>
-            <a:endParaRPr lang="de-DE" dirty="0" smtClean="0"/>
-          </a:p>
-          <a:p>
-            <a:pPr marL="514350" indent="-514350">
-              <a:buFont typeface="+mj-lt"/>
-              <a:buAutoNum type="arabicPeriod"/>
+              <a:rPr lang="de-DE" sz="1600" dirty="0"/>
+              <a:t>Es werden fließende Übergänge zwischen den Texturen der verschiedenen Materialien gerendert. Dabei werden ebenfalls nur die Daten der acht Voxel verwendet, die zum Finden der </a:t>
+            </a:r>
+            <a:r>
+              <a:rPr lang="en-US" sz="1600" dirty="0"/>
+              <a:t>Marching Cubes </a:t>
+            </a:r>
+            <a:r>
+              <a:rPr lang="en-US" sz="1600" dirty="0" err="1"/>
+              <a:t>Variante</a:t>
+            </a:r>
+            <a:r>
+              <a:rPr lang="en-US" sz="1600" dirty="0"/>
+              <a:t> in der Lookup-Table </a:t>
+            </a:r>
+            <a:r>
+              <a:rPr lang="de-DE" sz="1600" dirty="0"/>
+              <a:t>benötigt werden.</a:t>
+            </a:r>
+          </a:p>
+          <a:p>
+            <a:pPr>
+              <a:lnSpc>
+                <a:spcPct val="120000"/>
+              </a:lnSpc>
             </a:pPr>
             <a:r>
-              <a:rPr lang="de-DE" dirty="0">
-                <a:hlinkClick r:id="rId4"/>
-              </a:rPr>
-              <a:t>http://</a:t>
-            </a:r>
-            <a:r>
-              <a:rPr lang="de-DE" dirty="0" smtClean="0">
-                <a:hlinkClick r:id="rId4"/>
-              </a:rPr>
-              <a:t>d29qn7q9z0j1p6.cloudfront.net/content/roypta/366/1878/3155/F1.medium.gif</a:t>
-            </a:r>
-          </a:p>
-          <a:p>
-            <a:pPr marL="514350" indent="-514350">
-              <a:buFont typeface="+mj-lt"/>
-              <a:buAutoNum type="arabicPeriod"/>
-            </a:pPr>
-            <a:r>
-              <a:rPr lang="de-DE" dirty="0" smtClean="0">
-                <a:hlinkClick r:id="rId4"/>
-              </a:rPr>
-              <a:t>https</a:t>
-            </a:r>
-            <a:r>
-              <a:rPr lang="de-DE" dirty="0">
-                <a:hlinkClick r:id="rId4"/>
-              </a:rPr>
-              <a:t>://</a:t>
-            </a:r>
-            <a:r>
-              <a:rPr lang="de-DE" dirty="0" smtClean="0">
-                <a:hlinkClick r:id="rId4"/>
-              </a:rPr>
-              <a:t>www.youtube.com/watch?v=51E_G7NCXVM</a:t>
-            </a:r>
-            <a:endParaRPr lang="de-DE" dirty="0" smtClean="0"/>
-          </a:p>
-          <a:p>
-            <a:pPr marL="514350" indent="-514350">
-              <a:buFont typeface="+mj-lt"/>
-              <a:buAutoNum type="arabicPeriod"/>
-            </a:pPr>
-            <a:r>
-              <a:rPr lang="de-DE" dirty="0">
-                <a:hlinkClick r:id="rId5"/>
-              </a:rPr>
-              <a:t>https://</a:t>
-            </a:r>
-            <a:r>
-              <a:rPr lang="de-DE" dirty="0" smtClean="0">
-                <a:hlinkClick r:id="rId5"/>
-              </a:rPr>
-              <a:t>www.youtube.com/watch?v=6ZUdsRdokO4</a:t>
-            </a:r>
-            <a:endParaRPr lang="de-DE" dirty="0" smtClean="0"/>
-          </a:p>
-          <a:p>
-            <a:pPr marL="514350" indent="-514350">
-              <a:buFont typeface="+mj-lt"/>
-              <a:buAutoNum type="arabicPeriod"/>
-            </a:pPr>
-            <a:r>
-              <a:rPr lang="de-DE" dirty="0">
-                <a:hlinkClick r:id="rId6"/>
-              </a:rPr>
-              <a:t>http://1.bp.blogspot.com/-</a:t>
-            </a:r>
-            <a:r>
-              <a:rPr lang="de-DE" dirty="0" smtClean="0">
-                <a:hlinkClick r:id="rId6"/>
-              </a:rPr>
-              <a:t>MPQU-iZaAWE/U3PV7DgIYuI/AAAAAAAAAJs/3nCm8f9KE4w/s1600/doesItBlend.jpg</a:t>
-            </a:r>
-            <a:endParaRPr lang="de-DE" dirty="0" smtClean="0"/>
-          </a:p>
-          <a:p>
-            <a:pPr marL="514350" indent="-514350">
-              <a:buFont typeface="+mj-lt"/>
-              <a:buAutoNum type="arabicPeriod"/>
-            </a:pPr>
-            <a:r>
-              <a:rPr lang="de-DE" dirty="0">
-                <a:hlinkClick r:id="rId7"/>
-              </a:rPr>
-              <a:t>http://www.cs.unc.edu/~</a:t>
-            </a:r>
-            <a:r>
-              <a:rPr lang="de-DE" dirty="0" smtClean="0">
-                <a:hlinkClick r:id="rId7"/>
-              </a:rPr>
-              <a:t>marc/tutorial/img801.png</a:t>
-            </a:r>
-            <a:endParaRPr lang="de-DE" dirty="0" smtClean="0"/>
-          </a:p>
-          <a:p>
-            <a:pPr marL="514350" indent="-514350">
-              <a:buFont typeface="+mj-lt"/>
-              <a:buAutoNum type="arabicPeriod"/>
-            </a:pPr>
-            <a:r>
-              <a:rPr lang="de-DE" dirty="0">
-                <a:hlinkClick r:id="rId8"/>
-              </a:rPr>
-              <a:t>https://web.cs.wpi.edu/~</a:t>
-            </a:r>
-            <a:r>
-              <a:rPr lang="de-DE" dirty="0" smtClean="0">
-                <a:hlinkClick r:id="rId8"/>
-              </a:rPr>
-              <a:t>matt/courses/cs563/talks/meta_images/cross.gif</a:t>
-            </a:r>
-            <a:endParaRPr lang="de-DE" dirty="0" smtClean="0"/>
-          </a:p>
-          <a:p>
-            <a:pPr marL="514350" indent="-514350">
-              <a:buFont typeface="+mj-lt"/>
-              <a:buAutoNum type="arabicPeriod"/>
-            </a:pPr>
-            <a:r>
-              <a:rPr lang="de-DE" dirty="0">
-                <a:hlinkClick r:id="rId9"/>
-              </a:rPr>
-              <a:t>http://</a:t>
-            </a:r>
-            <a:r>
-              <a:rPr lang="de-DE" dirty="0" smtClean="0">
-                <a:hlinkClick r:id="rId9"/>
-              </a:rPr>
-              <a:t>www.noobody.org/BBP/VoxelRendering_6.png</a:t>
-            </a:r>
-            <a:endParaRPr lang="de-DE" dirty="0" smtClean="0"/>
-          </a:p>
-          <a:p>
-            <a:pPr marL="514350" indent="-514350">
-              <a:buFont typeface="+mj-lt"/>
-              <a:buAutoNum type="arabicPeriod"/>
-            </a:pPr>
-            <a:endParaRPr lang="de-DE" dirty="0" smtClean="0"/>
-          </a:p>
-          <a:p>
-            <a:pPr marL="514350" indent="-514350">
-              <a:buFont typeface="+mj-lt"/>
-              <a:buAutoNum type="arabicPeriod"/>
-            </a:pPr>
-            <a:endParaRPr lang="de-DE" dirty="0" smtClean="0"/>
-          </a:p>
-          <a:p>
-            <a:pPr marL="514350" indent="-514350">
-              <a:buFont typeface="+mj-lt"/>
-              <a:buAutoNum type="arabicPeriod"/>
-            </a:pPr>
-            <a:endParaRPr lang="de-DE" dirty="0" smtClean="0"/>
-          </a:p>
-          <a:p>
-            <a:pPr marL="514350" indent="-514350">
-              <a:buFont typeface="+mj-lt"/>
-              <a:buAutoNum type="arabicPeriod"/>
-            </a:pPr>
-            <a:endParaRPr lang="de-DE" dirty="0" smtClean="0"/>
+              <a:rPr lang="de-DE" sz="1600" dirty="0"/>
+              <a:t> Die Füllmenge eines Voxels beeinflusst auch, wie das Material des Voxels im Verhältnis  zu den Materialien der Nachbarn in den Texturübergängen gemischt wird.</a:t>
+            </a:r>
+          </a:p>
+          <a:p>
+            <a:endParaRPr lang="de-DE" dirty="0"/>
           </a:p>
         </p:txBody>
       </p:sp>
@@ -5632,7 +5427,4163 @@
     </p:spTree>
     <p:extLst>
       <p:ext uri="{BB962C8B-B14F-4D97-AF65-F5344CB8AC3E}">
-        <p14:creationId xmlns:p14="http://schemas.microsoft.com/office/powerpoint/2010/main" xmlns="" val="1419995839"/>
+        <p14:creationId xmlns:p14="http://schemas.microsoft.com/office/powerpoint/2010/main" val="247328089"/>
+      </p:ext>
+    </p:extLst>
+  </p:cSld>
+  <p:clrMapOvr>
+    <a:masterClrMapping/>
+  </p:clrMapOvr>
+  <p:timing>
+    <p:tnLst>
+      <p:par>
+        <p:cTn id="1" dur="indefinite" restart="never" nodeType="tmRoot"/>
+      </p:par>
+    </p:tnLst>
+  </p:timing>
+</p:sld>
+</file>
+
+<file path=ppt/slides/slide11.xml><?xml version="1.0" encoding="utf-8"?>
+<p:sld xmlns:a="http://schemas.openxmlformats.org/drawingml/2006/main" xmlns:r="http://schemas.openxmlformats.org/officeDocument/2006/relationships" xmlns:p="http://schemas.openxmlformats.org/presentationml/2006/main">
+  <p:cSld>
+    <p:spTree>
+      <p:nvGrpSpPr>
+        <p:cNvPr id="1" name=""/>
+        <p:cNvGrpSpPr/>
+        <p:nvPr/>
+      </p:nvGrpSpPr>
+      <p:grpSpPr>
+        <a:xfrm>
+          <a:off x="0" y="0"/>
+          <a:ext cx="0" cy="0"/>
+          <a:chOff x="0" y="0"/>
+          <a:chExt cx="0" cy="0"/>
+        </a:xfrm>
+      </p:grpSpPr>
+      <p:sp>
+        <p:nvSpPr>
+          <p:cNvPr id="2" name="Titel 1"/>
+          <p:cNvSpPr>
+            <a:spLocks noGrp="1"/>
+          </p:cNvSpPr>
+          <p:nvPr>
+            <p:ph type="title"/>
+          </p:nvPr>
+        </p:nvSpPr>
+        <p:spPr>
+          <a:xfrm>
+            <a:off x="323528" y="1052736"/>
+            <a:ext cx="8301608" cy="720080"/>
+          </a:xfrm>
+        </p:spPr>
+        <p:txBody>
+          <a:bodyPr/>
+          <a:lstStyle/>
+          <a:p>
+            <a:r>
+              <a:rPr lang="de-DE" dirty="0" smtClean="0"/>
+              <a:t>Umsetzung der </a:t>
+            </a:r>
+            <a:r>
+              <a:rPr lang="de-DE" dirty="0" smtClean="0"/>
+              <a:t>Oberflächengenerierung</a:t>
+            </a:r>
+            <a:endParaRPr lang="de-DE" dirty="0"/>
+          </a:p>
+        </p:txBody>
+      </p:sp>
+      <mc:AlternateContent xmlns:mc="http://schemas.openxmlformats.org/markup-compatibility/2006">
+        <mc:Choice xmlns:a14="http://schemas.microsoft.com/office/drawing/2010/main" Requires="a14">
+          <p:sp>
+            <p:nvSpPr>
+              <p:cNvPr id="3" name="Inhaltsplatzhalter 2"/>
+              <p:cNvSpPr>
+                <a:spLocks noGrp="1"/>
+              </p:cNvSpPr>
+              <p:nvPr>
+                <p:ph idx="1"/>
+              </p:nvPr>
+            </p:nvSpPr>
+            <p:spPr>
+              <a:xfrm>
+                <a:off x="446856" y="1883965"/>
+                <a:ext cx="8229600" cy="3993307"/>
+              </a:xfrm>
+            </p:spPr>
+            <p:txBody>
+              <a:bodyPr>
+                <a:normAutofit lnSpcReduction="10000"/>
+              </a:bodyPr>
+              <a:lstStyle/>
+              <a:p>
+                <a:pPr marL="0" indent="0">
+                  <a:buNone/>
+                </a:pPr>
+                <a:r>
+                  <a:rPr lang="de-DE" sz="2000" dirty="0" smtClean="0"/>
+                  <a:t>Schwellwertformel:</a:t>
+                </a:r>
+              </a:p>
+              <a:p>
+                <a:pPr marL="0" indent="0">
+                  <a:buNone/>
+                </a:pPr>
+                <a14:m>
+                  <m:oMath xmlns:m="http://schemas.openxmlformats.org/officeDocument/2006/math">
+                    <m:r>
+                      <a:rPr lang="de-DE" sz="2000" b="0" i="1" smtClean="0">
+                        <a:latin typeface="Cambria Math"/>
+                      </a:rPr>
+                      <m:t>𝑠</m:t>
+                    </m:r>
+                    <m:r>
+                      <a:rPr lang="de-DE" sz="2000" b="0" i="1" smtClean="0">
+                        <a:latin typeface="Cambria Math"/>
+                      </a:rPr>
+                      <m:t>= </m:t>
+                    </m:r>
+                    <m:f>
+                      <m:fPr>
+                        <m:ctrlPr>
+                          <a:rPr lang="de-DE" sz="2000" b="0" i="1" smtClean="0">
+                            <a:latin typeface="Cambria Math"/>
+                          </a:rPr>
+                        </m:ctrlPr>
+                      </m:fPr>
+                      <m:num>
+                        <m:r>
+                          <a:rPr lang="de-DE" sz="2000" b="0" i="1" smtClean="0">
+                            <a:latin typeface="Cambria Math"/>
+                          </a:rPr>
+                          <m:t>1</m:t>
+                        </m:r>
+                      </m:num>
+                      <m:den>
+                        <m:sSup>
+                          <m:sSupPr>
+                            <m:ctrlPr>
+                              <a:rPr lang="de-DE" sz="2000" b="0" i="1" smtClean="0">
+                                <a:latin typeface="Cambria Math"/>
+                              </a:rPr>
+                            </m:ctrlPr>
+                          </m:sSupPr>
+                          <m:e>
+                            <m:r>
+                              <a:rPr lang="de-DE" sz="2000" b="0" i="1" smtClean="0">
+                                <a:latin typeface="Cambria Math"/>
+                              </a:rPr>
+                              <m:t>𝑙</m:t>
+                            </m:r>
+                          </m:e>
+                          <m:sup>
+                            <m:r>
+                              <a:rPr lang="de-DE" sz="2000" b="0" i="1" smtClean="0">
+                                <a:latin typeface="Cambria Math"/>
+                              </a:rPr>
+                              <m:t>2</m:t>
+                            </m:r>
+                          </m:sup>
+                        </m:sSup>
+                      </m:den>
+                    </m:f>
+                  </m:oMath>
+                </a14:m>
+                <a:r>
+                  <a:rPr lang="de-DE" sz="2000" dirty="0" smtClean="0"/>
+                  <a:t> </a:t>
+                </a:r>
+                <a:endParaRPr lang="de-DE" sz="1600" dirty="0" smtClean="0"/>
+              </a:p>
+              <a:p>
+                <a:pPr marL="0" indent="0">
+                  <a:buNone/>
+                </a:pPr>
+                <a14:m>
+                  <m:oMath xmlns:m="http://schemas.openxmlformats.org/officeDocument/2006/math">
+                    <m:r>
+                      <a:rPr lang="de-DE" sz="1050" b="0" i="1" dirty="0" smtClean="0">
+                        <a:latin typeface="Cambria Math"/>
+                      </a:rPr>
+                      <m:t>𝑠</m:t>
+                    </m:r>
+                    <m:r>
+                      <a:rPr lang="de-DE" sz="1050" i="1" dirty="0">
+                        <a:latin typeface="Cambria Math"/>
+                      </a:rPr>
+                      <m:t>=</m:t>
+                    </m:r>
+                  </m:oMath>
+                </a14:m>
+                <a:r>
+                  <a:rPr lang="de-DE" sz="1050" dirty="0" smtClean="0"/>
+                  <a:t>Schwellwert, </a:t>
+                </a:r>
+                <a14:m>
+                  <m:oMath xmlns:m="http://schemas.openxmlformats.org/officeDocument/2006/math">
+                    <m:r>
+                      <a:rPr lang="de-DE" sz="1050" b="0" i="1" dirty="0" smtClean="0">
+                        <a:latin typeface="Cambria Math"/>
+                      </a:rPr>
+                      <m:t>𝑙</m:t>
+                    </m:r>
+                    <m:r>
+                      <a:rPr lang="de-DE" sz="1050" i="1" dirty="0">
+                        <a:latin typeface="Cambria Math"/>
+                      </a:rPr>
+                      <m:t>=</m:t>
+                    </m:r>
+                    <m:r>
+                      <a:rPr lang="de-DE" sz="1050" b="0" i="1" dirty="0" smtClean="0">
+                        <a:latin typeface="Cambria Math"/>
+                      </a:rPr>
+                      <m:t>𝐴𝑛𝑧𝑎h𝑙</m:t>
+                    </m:r>
+                    <m:r>
+                      <a:rPr lang="de-DE" sz="1050" b="0" i="1" dirty="0" smtClean="0">
+                        <a:latin typeface="Cambria Math"/>
+                      </a:rPr>
+                      <m:t> </m:t>
+                    </m:r>
+                    <m:r>
+                      <a:rPr lang="de-DE" sz="1050" b="0" i="1" dirty="0" smtClean="0">
+                        <a:latin typeface="Cambria Math"/>
+                      </a:rPr>
+                      <m:t>𝑑𝑒𝑟</m:t>
+                    </m:r>
+                    <m:r>
+                      <a:rPr lang="de-DE" sz="1050" b="0" i="1" dirty="0" smtClean="0">
+                        <a:latin typeface="Cambria Math"/>
+                      </a:rPr>
+                      <m:t> </m:t>
+                    </m:r>
+                    <m:r>
+                      <a:rPr lang="de-DE" sz="1050" b="0" i="1" dirty="0" smtClean="0">
+                        <a:latin typeface="Cambria Math"/>
+                      </a:rPr>
+                      <m:t>𝑆𝑒𝑐h𝑠</m:t>
+                    </m:r>
+                    <m:r>
+                      <a:rPr lang="de-DE" sz="1050" b="0" i="1" dirty="0" smtClean="0">
+                        <a:latin typeface="Cambria Math"/>
+                      </a:rPr>
+                      <m:t> </m:t>
+                    </m:r>
+                    <m:r>
+                      <a:rPr lang="de-DE" sz="1050" b="0" i="1" dirty="0" smtClean="0">
+                        <a:latin typeface="Cambria Math"/>
+                      </a:rPr>
+                      <m:t>𝑑𝑖𝑟𝑒𝑘𝑡𝑒𝑛</m:t>
+                    </m:r>
+                    <m:r>
+                      <a:rPr lang="de-DE" sz="1050" b="0" i="1" dirty="0" smtClean="0">
+                        <a:latin typeface="Cambria Math"/>
+                      </a:rPr>
+                      <m:t> </m:t>
+                    </m:r>
+                    <m:r>
+                      <a:rPr lang="de-DE" sz="1050" b="0" i="1" dirty="0" smtClean="0">
+                        <a:latin typeface="Cambria Math"/>
+                      </a:rPr>
+                      <m:t>𝑁𝑎𝑐h𝑏𝑎𝑟𝑛</m:t>
+                    </m:r>
+                    <m:r>
+                      <a:rPr lang="de-DE" sz="1050" b="0" i="1" dirty="0" smtClean="0">
+                        <a:latin typeface="Cambria Math"/>
+                      </a:rPr>
+                      <m:t>, </m:t>
+                    </m:r>
+                    <m:r>
+                      <a:rPr lang="de-DE" sz="1050" b="0" i="1" dirty="0" smtClean="0">
+                        <a:latin typeface="Cambria Math"/>
+                      </a:rPr>
+                      <m:t>𝑑𝑖𝑒</m:t>
+                    </m:r>
+                    <m:r>
+                      <a:rPr lang="de-DE" sz="1050" b="0" i="1" dirty="0" smtClean="0">
+                        <a:latin typeface="Cambria Math"/>
+                      </a:rPr>
+                      <m:t> </m:t>
+                    </m:r>
+                    <m:r>
+                      <a:rPr lang="de-DE" sz="1050" b="0" i="1" dirty="0" smtClean="0">
+                        <a:latin typeface="Cambria Math"/>
+                      </a:rPr>
+                      <m:t>𝑛𝑖𝑐h𝑡</m:t>
+                    </m:r>
+                    <m:r>
+                      <a:rPr lang="de-DE" sz="1050" b="0" i="1" dirty="0" smtClean="0">
+                        <a:latin typeface="Cambria Math"/>
+                      </a:rPr>
+                      <m:t> </m:t>
+                    </m:r>
+                    <m:r>
+                      <a:rPr lang="de-DE" sz="1050" b="0" i="1" dirty="0" smtClean="0">
+                        <a:latin typeface="Cambria Math"/>
+                      </a:rPr>
+                      <m:t>𝑔𝑒𝑓</m:t>
+                    </m:r>
+                    <m:r>
+                      <a:rPr lang="de-DE" sz="1050" b="0" i="1" dirty="0" smtClean="0">
+                        <a:latin typeface="Cambria Math"/>
+                      </a:rPr>
+                      <m:t>ü</m:t>
+                    </m:r>
+                    <m:r>
+                      <a:rPr lang="de-DE" sz="1050" b="0" i="1" dirty="0" smtClean="0">
+                        <a:latin typeface="Cambria Math"/>
+                      </a:rPr>
+                      <m:t>𝑙𝑙𝑡</m:t>
+                    </m:r>
+                    <m:r>
+                      <a:rPr lang="de-DE" sz="1050" b="0" i="1" dirty="0" smtClean="0">
+                        <a:latin typeface="Cambria Math"/>
+                      </a:rPr>
+                      <m:t> </m:t>
+                    </m:r>
+                    <m:r>
+                      <a:rPr lang="de-DE" sz="1050" b="0" i="1" dirty="0" smtClean="0">
+                        <a:latin typeface="Cambria Math"/>
+                      </a:rPr>
+                      <m:t>𝑠𝑖𝑛𝑑</m:t>
+                    </m:r>
+                  </m:oMath>
+                </a14:m>
+                <a:endParaRPr lang="de-DE" sz="1000" dirty="0"/>
+              </a:p>
+              <a:p>
+                <a:pPr marL="0" indent="0">
+                  <a:buNone/>
+                </a:pPr>
+                <a:r>
+                  <a:rPr lang="de-DE" sz="2000" dirty="0" smtClean="0"/>
+                  <a:t>Grundausdehnung:</a:t>
+                </a:r>
+              </a:p>
+              <a:p>
+                <a:pPr marL="0" indent="0">
+                  <a:buNone/>
+                </a:pPr>
+                <a14:m>
+                  <m:oMath xmlns:m="http://schemas.openxmlformats.org/officeDocument/2006/math">
+                    <m:sSub>
+                      <m:sSubPr>
+                        <m:ctrlPr>
+                          <a:rPr lang="de-DE" sz="2000" b="0" i="1" smtClean="0">
+                            <a:latin typeface="Cambria Math"/>
+                          </a:rPr>
+                        </m:ctrlPr>
+                      </m:sSubPr>
+                      <m:e>
+                        <m:r>
+                          <a:rPr lang="de-DE" sz="2000" b="0" i="1" smtClean="0">
+                            <a:latin typeface="Cambria Math"/>
+                          </a:rPr>
+                          <m:t>𝑎</m:t>
+                        </m:r>
+                      </m:e>
+                      <m:sub>
+                        <m:r>
+                          <a:rPr lang="de-DE" sz="2000" b="0" i="1" smtClean="0">
+                            <a:latin typeface="Cambria Math"/>
+                          </a:rPr>
+                          <m:t>𝑔</m:t>
+                        </m:r>
+                      </m:sub>
+                    </m:sSub>
+                    <m:r>
+                      <a:rPr lang="de-DE" sz="2000" i="1">
+                        <a:latin typeface="Cambria Math"/>
+                      </a:rPr>
+                      <m:t>= </m:t>
+                    </m:r>
+                    <m:f>
+                      <m:fPr>
+                        <m:ctrlPr>
+                          <a:rPr lang="de-DE" sz="2000" i="1">
+                            <a:latin typeface="Cambria Math"/>
+                          </a:rPr>
+                        </m:ctrlPr>
+                      </m:fPr>
+                      <m:num>
+                        <m:sSub>
+                          <m:sSubPr>
+                            <m:ctrlPr>
+                              <a:rPr lang="de-DE" sz="2000" i="1" smtClean="0">
+                                <a:latin typeface="Cambria Math"/>
+                              </a:rPr>
+                            </m:ctrlPr>
+                          </m:sSubPr>
+                          <m:e>
+                            <m:r>
+                              <a:rPr lang="de-DE" sz="2000" b="0" i="1" smtClean="0">
+                                <a:latin typeface="Cambria Math"/>
+                              </a:rPr>
+                              <m:t>𝑓</m:t>
+                            </m:r>
+                          </m:e>
+                          <m:sub>
+                            <m:r>
+                              <a:rPr lang="de-DE" sz="2000" b="0" i="1" smtClean="0">
+                                <a:latin typeface="Cambria Math"/>
+                              </a:rPr>
+                              <m:t>𝑔</m:t>
+                            </m:r>
+                          </m:sub>
+                        </m:sSub>
+                        <m:r>
+                          <a:rPr lang="de-DE" sz="2000" b="0" i="1" smtClean="0">
+                            <a:latin typeface="Cambria Math"/>
+                          </a:rPr>
+                          <m:t>−</m:t>
+                        </m:r>
+                        <m:sSub>
+                          <m:sSubPr>
+                            <m:ctrlPr>
+                              <a:rPr lang="de-DE" sz="2000" b="0" i="1" smtClean="0">
+                                <a:latin typeface="Cambria Math"/>
+                              </a:rPr>
+                            </m:ctrlPr>
+                          </m:sSubPr>
+                          <m:e>
+                            <m:r>
+                              <a:rPr lang="de-DE" sz="2000" b="0" i="1" smtClean="0">
+                                <a:latin typeface="Cambria Math"/>
+                              </a:rPr>
+                              <m:t>𝑠</m:t>
+                            </m:r>
+                          </m:e>
+                          <m:sub>
+                            <m:r>
+                              <a:rPr lang="de-DE" sz="2000" b="0" i="1" smtClean="0">
+                                <a:latin typeface="Cambria Math"/>
+                              </a:rPr>
+                              <m:t>𝑔</m:t>
+                            </m:r>
+                          </m:sub>
+                        </m:sSub>
+                      </m:num>
+                      <m:den>
+                        <m:r>
+                          <a:rPr lang="de-DE" sz="2000" b="0" i="1" smtClean="0">
+                            <a:latin typeface="Cambria Math"/>
+                          </a:rPr>
+                          <m:t>1−</m:t>
+                        </m:r>
+                        <m:sSub>
+                          <m:sSubPr>
+                            <m:ctrlPr>
+                              <a:rPr lang="de-DE" sz="2000" b="0" i="1" smtClean="0">
+                                <a:latin typeface="Cambria Math"/>
+                              </a:rPr>
+                            </m:ctrlPr>
+                          </m:sSubPr>
+                          <m:e>
+                            <m:r>
+                              <a:rPr lang="de-DE" sz="2000" b="0" i="1" smtClean="0">
+                                <a:latin typeface="Cambria Math"/>
+                              </a:rPr>
+                              <m:t>𝑠</m:t>
+                            </m:r>
+                          </m:e>
+                          <m:sub>
+                            <m:r>
+                              <a:rPr lang="de-DE" sz="2000" b="0" i="1" smtClean="0">
+                                <a:latin typeface="Cambria Math"/>
+                              </a:rPr>
+                              <m:t>𝑔</m:t>
+                            </m:r>
+                          </m:sub>
+                        </m:sSub>
+                      </m:den>
+                    </m:f>
+                    <m:r>
+                      <a:rPr lang="de-DE" sz="2000" b="0" i="0" smtClean="0">
+                        <a:latin typeface="Cambria Math"/>
+                      </a:rPr>
+                      <m:t>∗</m:t>
+                    </m:r>
+                    <m:r>
+                      <m:rPr>
+                        <m:sty m:val="p"/>
+                      </m:rPr>
+                      <a:rPr lang="de-DE" sz="2000" b="0" i="0" smtClean="0">
+                        <a:latin typeface="Cambria Math"/>
+                      </a:rPr>
+                      <m:t>scale</m:t>
+                    </m:r>
+                  </m:oMath>
+                </a14:m>
+                <a:r>
+                  <a:rPr lang="de-DE" sz="2000" dirty="0"/>
+                  <a:t> </a:t>
+                </a:r>
+                <a:endParaRPr lang="de-DE" sz="2000" dirty="0" smtClean="0"/>
+              </a:p>
+              <a:p>
+                <a:pPr marL="0" indent="0">
+                  <a:buNone/>
+                </a:pPr>
+                <a14:m>
+                  <m:oMath xmlns:m="http://schemas.openxmlformats.org/officeDocument/2006/math">
+                    <m:sSub>
+                      <m:sSubPr>
+                        <m:ctrlPr>
+                          <a:rPr lang="de-DE" sz="1100" i="1" dirty="0" smtClean="0">
+                            <a:latin typeface="Cambria Math"/>
+                          </a:rPr>
+                        </m:ctrlPr>
+                      </m:sSubPr>
+                      <m:e>
+                        <m:r>
+                          <a:rPr lang="de-DE" sz="1100" b="0" i="1" dirty="0" smtClean="0">
+                            <a:latin typeface="Cambria Math"/>
+                          </a:rPr>
+                          <m:t>𝑎</m:t>
+                        </m:r>
+                      </m:e>
+                      <m:sub>
+                        <m:r>
+                          <a:rPr lang="de-DE" sz="1100" b="0" i="1" dirty="0" smtClean="0">
+                            <a:latin typeface="Cambria Math"/>
+                          </a:rPr>
+                          <m:t>𝑔</m:t>
+                        </m:r>
+                      </m:sub>
+                    </m:sSub>
+                    <m:r>
+                      <a:rPr lang="de-DE" sz="1100" b="0" i="1" dirty="0" smtClean="0">
+                        <a:latin typeface="Cambria Math"/>
+                      </a:rPr>
+                      <m:t>=</m:t>
+                    </m:r>
+                    <m:r>
+                      <a:rPr lang="de-DE" sz="1100" b="0" i="1" dirty="0" smtClean="0">
+                        <a:latin typeface="Cambria Math"/>
+                      </a:rPr>
+                      <m:t>𝐺𝑟𝑢𝑛𝑑𝑎𝑢𝑠𝑑𝑒h𝑛𝑢𝑛𝑔</m:t>
+                    </m:r>
+                  </m:oMath>
+                </a14:m>
+                <a:r>
+                  <a:rPr lang="de-DE" sz="1100" dirty="0"/>
+                  <a:t>, </a:t>
+                </a:r>
+                <a14:m>
+                  <m:oMath xmlns:m="http://schemas.openxmlformats.org/officeDocument/2006/math">
+                    <m:sSub>
+                      <m:sSubPr>
+                        <m:ctrlPr>
+                          <a:rPr lang="de-DE" sz="1100" i="1" dirty="0">
+                            <a:latin typeface="Cambria Math"/>
+                          </a:rPr>
+                        </m:ctrlPr>
+                      </m:sSubPr>
+                      <m:e>
+                        <m:r>
+                          <a:rPr lang="de-DE" sz="1100" b="0" i="1" dirty="0" smtClean="0">
+                            <a:latin typeface="Cambria Math"/>
+                          </a:rPr>
+                          <m:t>𝑠</m:t>
+                        </m:r>
+                      </m:e>
+                      <m:sub>
+                        <m:r>
+                          <a:rPr lang="de-DE" sz="1100" i="1" dirty="0">
+                            <a:latin typeface="Cambria Math"/>
+                          </a:rPr>
+                          <m:t>𝑔</m:t>
+                        </m:r>
+                      </m:sub>
+                    </m:sSub>
+                    <m:r>
+                      <a:rPr lang="de-DE" sz="1100" i="1" dirty="0">
+                        <a:latin typeface="Cambria Math"/>
+                      </a:rPr>
+                      <m:t>=</m:t>
+                    </m:r>
+                    <m:r>
+                      <a:rPr lang="de-DE" sz="1100" b="0" i="1" dirty="0" smtClean="0">
+                        <a:latin typeface="Cambria Math"/>
+                      </a:rPr>
+                      <m:t>𝐹</m:t>
+                    </m:r>
+                    <m:r>
+                      <a:rPr lang="de-DE" sz="1100" b="0" i="1" dirty="0" smtClean="0">
+                        <a:latin typeface="Cambria Math"/>
+                      </a:rPr>
+                      <m:t>ü</m:t>
+                    </m:r>
+                    <m:r>
+                      <a:rPr lang="de-DE" sz="1100" b="0" i="1" dirty="0" smtClean="0">
+                        <a:latin typeface="Cambria Math"/>
+                      </a:rPr>
+                      <m:t>𝑙𝑙𝑚𝑒𝑛𝑔𝑒</m:t>
+                    </m:r>
+                    <m:r>
+                      <a:rPr lang="de-DE" sz="1100" b="0" i="1" dirty="0" smtClean="0">
+                        <a:latin typeface="Cambria Math"/>
+                      </a:rPr>
+                      <m:t> </m:t>
+                    </m:r>
+                    <m:r>
+                      <a:rPr lang="de-DE" sz="1100" b="0" i="1" dirty="0" smtClean="0">
+                        <a:latin typeface="Cambria Math"/>
+                      </a:rPr>
+                      <m:t>𝑑𝑒𝑠</m:t>
+                    </m:r>
+                    <m:r>
+                      <a:rPr lang="de-DE" sz="1100" b="0" i="1" dirty="0" smtClean="0">
+                        <a:latin typeface="Cambria Math"/>
+                      </a:rPr>
+                      <m:t> </m:t>
+                    </m:r>
+                    <m:r>
+                      <a:rPr lang="de-DE" sz="1100" b="0" i="1" dirty="0" smtClean="0">
+                        <a:latin typeface="Cambria Math"/>
+                      </a:rPr>
+                      <m:t>𝐺𝑒𝑓</m:t>
+                    </m:r>
+                    <m:r>
+                      <a:rPr lang="de-DE" sz="1100" b="0" i="1" dirty="0" smtClean="0">
+                        <a:latin typeface="Cambria Math"/>
+                      </a:rPr>
+                      <m:t>ü</m:t>
+                    </m:r>
+                    <m:r>
+                      <a:rPr lang="de-DE" sz="1100" b="0" i="1" dirty="0" smtClean="0">
+                        <a:latin typeface="Cambria Math"/>
+                      </a:rPr>
+                      <m:t>𝑙𝑙𝑡𝑒𝑛</m:t>
+                    </m:r>
+                    <m:r>
+                      <a:rPr lang="de-DE" sz="1100" b="0" i="1" dirty="0" smtClean="0">
+                        <a:latin typeface="Cambria Math"/>
+                      </a:rPr>
+                      <m:t> </m:t>
+                    </m:r>
+                    <m:r>
+                      <a:rPr lang="de-DE" sz="1100" b="0" i="1" dirty="0" smtClean="0">
+                        <a:latin typeface="Cambria Math"/>
+                      </a:rPr>
+                      <m:t>𝑉𝑜𝑥𝑒𝑙𝑠</m:t>
+                    </m:r>
+                  </m:oMath>
+                </a14:m>
+                <a:r>
+                  <a:rPr lang="de-DE" sz="1100" dirty="0"/>
+                  <a:t>,</a:t>
+                </a:r>
+                <a14:m>
+                  <m:oMath xmlns:m="http://schemas.openxmlformats.org/officeDocument/2006/math">
+                    <m:sSub>
+                      <m:sSubPr>
+                        <m:ctrlPr>
+                          <a:rPr lang="de-DE" sz="1100" i="1" dirty="0">
+                            <a:latin typeface="Cambria Math"/>
+                          </a:rPr>
+                        </m:ctrlPr>
+                      </m:sSubPr>
+                      <m:e>
+                        <m:r>
+                          <a:rPr lang="de-DE" sz="1100" b="0" i="1" dirty="0" smtClean="0">
+                            <a:latin typeface="Cambria Math"/>
+                          </a:rPr>
+                          <m:t> </m:t>
+                        </m:r>
+                        <m:r>
+                          <a:rPr lang="de-DE" sz="1100" b="0" i="1" dirty="0" smtClean="0">
+                            <a:latin typeface="Cambria Math"/>
+                          </a:rPr>
+                          <m:t>𝑠</m:t>
+                        </m:r>
+                      </m:e>
+                      <m:sub>
+                        <m:r>
+                          <a:rPr lang="de-DE" sz="1100" i="1" dirty="0">
+                            <a:latin typeface="Cambria Math"/>
+                          </a:rPr>
+                          <m:t>𝑔</m:t>
+                        </m:r>
+                      </m:sub>
+                    </m:sSub>
+                    <m:r>
+                      <a:rPr lang="de-DE" sz="1100" i="1" dirty="0">
+                        <a:latin typeface="Cambria Math"/>
+                      </a:rPr>
+                      <m:t>=</m:t>
+                    </m:r>
+                    <m:r>
+                      <a:rPr lang="de-DE" sz="1100" b="0" i="1" dirty="0" smtClean="0">
+                        <a:latin typeface="Cambria Math"/>
+                      </a:rPr>
+                      <m:t>𝑆𝑐h𝑤𝑒𝑙𝑙𝑤𝑒𝑟𝑡</m:t>
+                    </m:r>
+                    <m:r>
+                      <a:rPr lang="de-DE" sz="1100" b="0" i="1" dirty="0" smtClean="0">
+                        <a:latin typeface="Cambria Math"/>
+                      </a:rPr>
+                      <m:t> </m:t>
+                    </m:r>
+                    <m:r>
+                      <a:rPr lang="de-DE" sz="1100" b="0" i="1" dirty="0" smtClean="0">
+                        <a:latin typeface="Cambria Math"/>
+                      </a:rPr>
+                      <m:t>𝑑𝑒𝑠</m:t>
+                    </m:r>
+                    <m:r>
+                      <a:rPr lang="de-DE" sz="1100" b="0" i="1" dirty="0" smtClean="0">
+                        <a:latin typeface="Cambria Math"/>
+                      </a:rPr>
+                      <m:t> </m:t>
+                    </m:r>
+                    <m:r>
+                      <a:rPr lang="de-DE" sz="1100" b="0" i="1" dirty="0" smtClean="0">
+                        <a:latin typeface="Cambria Math"/>
+                      </a:rPr>
+                      <m:t>𝑔𝑒𝑓</m:t>
+                    </m:r>
+                    <m:r>
+                      <a:rPr lang="de-DE" sz="1100" b="0" i="1" dirty="0" smtClean="0">
+                        <a:latin typeface="Cambria Math"/>
+                      </a:rPr>
+                      <m:t>ü</m:t>
+                    </m:r>
+                    <m:r>
+                      <a:rPr lang="de-DE" sz="1100" b="0" i="1" dirty="0" smtClean="0">
+                        <a:latin typeface="Cambria Math"/>
+                      </a:rPr>
+                      <m:t>𝑙𝑙𝑡𝑒𝑛</m:t>
+                    </m:r>
+                    <m:r>
+                      <a:rPr lang="de-DE" sz="1100" b="0" i="1" dirty="0" smtClean="0">
+                        <a:latin typeface="Cambria Math"/>
+                      </a:rPr>
+                      <m:t> </m:t>
+                    </m:r>
+                    <m:r>
+                      <a:rPr lang="de-DE" sz="1100" b="0" i="1" dirty="0" smtClean="0">
+                        <a:latin typeface="Cambria Math"/>
+                      </a:rPr>
+                      <m:t>𝑉𝑜𝑥𝑒𝑙𝑠</m:t>
+                    </m:r>
+                    <m:r>
+                      <a:rPr lang="de-DE" sz="1100" b="0" i="0" dirty="0" smtClean="0">
+                        <a:latin typeface="Cambria Math"/>
+                      </a:rPr>
+                      <m:t>, </m:t>
+                    </m:r>
+                  </m:oMath>
+                </a14:m>
+                <a:r>
+                  <a:rPr lang="de-DE" sz="1100" b="0" i="0" dirty="0" smtClean="0">
+                    <a:latin typeface="Cambria Math"/>
+                  </a:rPr>
+                  <a:t/>
+                </a:r>
+                <a:br>
+                  <a:rPr lang="de-DE" sz="1100" b="0" i="0" dirty="0" smtClean="0">
+                    <a:latin typeface="Cambria Math"/>
+                  </a:rPr>
+                </a:br>
+                <a14:m>
+                  <m:oMath xmlns:m="http://schemas.openxmlformats.org/officeDocument/2006/math">
+                    <m:r>
+                      <m:rPr>
+                        <m:sty m:val="p"/>
+                      </m:rPr>
+                      <a:rPr lang="de-DE" sz="1100" b="0" i="0" dirty="0" smtClean="0">
+                        <a:latin typeface="Cambria Math"/>
+                      </a:rPr>
+                      <m:t>scale</m:t>
+                    </m:r>
+                    <m:r>
+                      <a:rPr lang="de-DE" sz="1100" b="0" i="0" dirty="0" smtClean="0">
+                        <a:latin typeface="Cambria Math"/>
+                      </a:rPr>
+                      <m:t>=</m:t>
+                    </m:r>
+                    <m:r>
+                      <m:rPr>
+                        <m:sty m:val="p"/>
+                      </m:rPr>
+                      <a:rPr lang="de-DE" sz="1100" b="0" i="0" dirty="0" smtClean="0">
+                        <a:latin typeface="Cambria Math"/>
+                      </a:rPr>
+                      <m:t>z</m:t>
+                    </m:r>
+                    <m:r>
+                      <a:rPr lang="de-DE" sz="1100" b="0" i="0" dirty="0" smtClean="0">
+                        <a:latin typeface="Cambria Math"/>
+                      </a:rPr>
+                      <m:t>.</m:t>
+                    </m:r>
+                    <m:r>
+                      <m:rPr>
+                        <m:sty m:val="p"/>
+                      </m:rPr>
+                      <a:rPr lang="de-DE" sz="1100" b="0" i="0" dirty="0" smtClean="0">
+                        <a:latin typeface="Cambria Math"/>
+                      </a:rPr>
+                      <m:t>B</m:t>
+                    </m:r>
+                    <m:r>
+                      <a:rPr lang="de-DE" sz="1100" b="0" i="0" dirty="0" smtClean="0">
+                        <a:latin typeface="Cambria Math"/>
+                      </a:rPr>
+                      <m:t>.: </m:t>
+                    </m:r>
+                    <m:f>
+                      <m:fPr>
+                        <m:ctrlPr>
+                          <a:rPr lang="de-DE" sz="1100" b="0" i="1" dirty="0" smtClean="0">
+                            <a:latin typeface="Cambria Math"/>
+                          </a:rPr>
+                        </m:ctrlPr>
+                      </m:fPr>
+                      <m:num>
+                        <m:rad>
+                          <m:radPr>
+                            <m:ctrlPr>
+                              <a:rPr lang="de-DE" sz="1100" b="0" i="1" dirty="0" smtClean="0">
+                                <a:latin typeface="Cambria Math"/>
+                              </a:rPr>
+                            </m:ctrlPr>
+                          </m:radPr>
+                          <m:deg>
+                            <m:r>
+                              <m:rPr>
+                                <m:brk m:alnAt="7"/>
+                              </m:rPr>
+                              <a:rPr lang="de-DE" sz="1100" b="0" i="1" dirty="0" smtClean="0">
+                                <a:latin typeface="Cambria Math"/>
+                              </a:rPr>
+                              <m:t>3</m:t>
+                            </m:r>
+                          </m:deg>
+                          <m:e>
+                            <m:f>
+                              <m:fPr>
+                                <m:ctrlPr>
+                                  <a:rPr lang="de-DE" sz="1100" b="0" i="1" dirty="0" smtClean="0">
+                                    <a:latin typeface="Cambria Math"/>
+                                  </a:rPr>
+                                </m:ctrlPr>
+                              </m:fPr>
+                              <m:num>
+                                <m:r>
+                                  <a:rPr lang="de-DE" sz="1100" b="0" i="1" dirty="0" smtClean="0">
+                                    <a:latin typeface="Cambria Math"/>
+                                  </a:rPr>
+                                  <m:t>3</m:t>
+                                </m:r>
+                              </m:num>
+                              <m:den>
+                                <m:rad>
+                                  <m:radPr>
+                                    <m:degHide m:val="on"/>
+                                    <m:ctrlPr>
+                                      <a:rPr lang="de-DE" sz="1100" b="0" i="1" dirty="0" smtClean="0">
+                                        <a:latin typeface="Cambria Math"/>
+                                      </a:rPr>
+                                    </m:ctrlPr>
+                                  </m:radPr>
+                                  <m:deg/>
+                                  <m:e>
+                                    <m:r>
+                                      <a:rPr lang="de-DE" sz="1100" b="0" i="1" dirty="0" smtClean="0">
+                                        <a:latin typeface="Cambria Math"/>
+                                      </a:rPr>
+                                      <m:t>2</m:t>
+                                    </m:r>
+                                  </m:e>
+                                </m:rad>
+                              </m:den>
+                            </m:f>
+                          </m:e>
+                        </m:rad>
+                      </m:num>
+                      <m:den>
+                        <m:rad>
+                          <m:radPr>
+                            <m:degHide m:val="on"/>
+                            <m:ctrlPr>
+                              <a:rPr lang="de-DE" sz="1100" b="0" i="1" dirty="0" smtClean="0">
+                                <a:latin typeface="Cambria Math"/>
+                              </a:rPr>
+                            </m:ctrlPr>
+                          </m:radPr>
+                          <m:deg/>
+                          <m:e>
+                            <m:r>
+                              <a:rPr lang="de-DE" sz="1100" b="0" i="1" dirty="0" smtClean="0">
+                                <a:latin typeface="Cambria Math"/>
+                              </a:rPr>
+                              <m:t>2</m:t>
+                            </m:r>
+                          </m:e>
+                        </m:rad>
+                      </m:den>
+                    </m:f>
+                  </m:oMath>
+                </a14:m>
+                <a:r>
+                  <a:rPr lang="de-DE" sz="1100" dirty="0" smtClean="0"/>
+                  <a:t> (Hälfte der Diagonale im </a:t>
+                </a:r>
+                <a:r>
+                  <a:rPr lang="de-DE" sz="1100" dirty="0" err="1" smtClean="0"/>
+                  <a:t>Octaeder</a:t>
+                </a:r>
+                <a:r>
+                  <a:rPr lang="de-DE" sz="1100" dirty="0" smtClean="0"/>
+                  <a:t> mit Volumen 1)</a:t>
+                </a:r>
+              </a:p>
+              <a:p>
+                <a:pPr marL="0" indent="0">
+                  <a:buNone/>
+                </a:pPr>
+                <a:r>
+                  <a:rPr lang="de-DE" sz="2000" dirty="0" smtClean="0"/>
+                  <a:t>Gesamtausdehnung:</a:t>
+                </a:r>
+              </a:p>
+              <a:p>
+                <a:pPr marL="0" indent="0">
+                  <a:buNone/>
+                </a:pPr>
+                <a14:m>
+                  <m:oMath xmlns:m="http://schemas.openxmlformats.org/officeDocument/2006/math">
+                    <m:r>
+                      <a:rPr lang="de-DE" sz="2000" b="0" i="1" smtClean="0">
+                        <a:latin typeface="Cambria Math"/>
+                      </a:rPr>
+                      <m:t>𝑎</m:t>
+                    </m:r>
+                    <m:r>
+                      <a:rPr lang="de-DE" sz="2000" i="1">
+                        <a:latin typeface="Cambria Math"/>
+                      </a:rPr>
+                      <m:t>= </m:t>
+                    </m:r>
+                    <m:sSub>
+                      <m:sSubPr>
+                        <m:ctrlPr>
+                          <a:rPr lang="de-DE" sz="2000" i="1" smtClean="0">
+                            <a:latin typeface="Cambria Math"/>
+                          </a:rPr>
+                        </m:ctrlPr>
+                      </m:sSubPr>
+                      <m:e>
+                        <m:r>
+                          <a:rPr lang="de-DE" sz="2000" b="0" i="1" smtClean="0">
+                            <a:latin typeface="Cambria Math"/>
+                          </a:rPr>
+                          <m:t>𝑎</m:t>
+                        </m:r>
+                      </m:e>
+                      <m:sub>
+                        <m:r>
+                          <a:rPr lang="de-DE" sz="2000" b="0" i="1" smtClean="0">
+                            <a:latin typeface="Cambria Math"/>
+                          </a:rPr>
+                          <m:t>𝑔</m:t>
+                        </m:r>
+                      </m:sub>
+                    </m:sSub>
+                    <m:r>
+                      <a:rPr lang="de-DE" sz="2000" b="0" i="1" smtClean="0">
+                        <a:latin typeface="Cambria Math"/>
+                      </a:rPr>
+                      <m:t>+</m:t>
+                    </m:r>
+                    <m:r>
+                      <a:rPr lang="de-DE" sz="2000" b="0" i="0" smtClean="0">
+                        <a:latin typeface="Cambria Math"/>
+                      </a:rPr>
+                      <m:t>(1−</m:t>
+                    </m:r>
+                    <m:sSub>
+                      <m:sSubPr>
+                        <m:ctrlPr>
+                          <a:rPr lang="de-DE" sz="2000" b="0" i="1" smtClean="0">
+                            <a:latin typeface="Cambria Math"/>
+                          </a:rPr>
+                        </m:ctrlPr>
+                      </m:sSubPr>
+                      <m:e>
+                        <m:r>
+                          <a:rPr lang="de-DE" sz="2000" b="0" i="1" smtClean="0">
+                            <a:latin typeface="Cambria Math"/>
+                          </a:rPr>
+                          <m:t>𝑎</m:t>
+                        </m:r>
+                      </m:e>
+                      <m:sub>
+                        <m:r>
+                          <a:rPr lang="de-DE" sz="2000" b="0" i="1" smtClean="0">
+                            <a:latin typeface="Cambria Math"/>
+                          </a:rPr>
+                          <m:t>𝑔</m:t>
+                        </m:r>
+                      </m:sub>
+                    </m:sSub>
+                    <m:r>
+                      <a:rPr lang="de-DE" sz="2000" b="0" i="1" smtClean="0">
+                        <a:latin typeface="Cambria Math"/>
+                      </a:rPr>
+                      <m:t>)</m:t>
+                    </m:r>
+                    <m:r>
+                      <a:rPr lang="de-DE" sz="2000">
+                        <a:latin typeface="Cambria Math"/>
+                      </a:rPr>
+                      <m:t>∗</m:t>
+                    </m:r>
+                    <m:f>
+                      <m:fPr>
+                        <m:ctrlPr>
+                          <a:rPr lang="de-DE" sz="2000" i="1" smtClean="0">
+                            <a:latin typeface="Cambria Math"/>
+                          </a:rPr>
+                        </m:ctrlPr>
+                      </m:fPr>
+                      <m:num>
+                        <m:sSub>
+                          <m:sSubPr>
+                            <m:ctrlPr>
+                              <a:rPr lang="de-DE" sz="2000" i="1" smtClean="0">
+                                <a:latin typeface="Cambria Math"/>
+                              </a:rPr>
+                            </m:ctrlPr>
+                          </m:sSubPr>
+                          <m:e>
+                            <m:r>
+                              <a:rPr lang="de-DE" sz="2000" b="0" i="1" smtClean="0">
+                                <a:latin typeface="Cambria Math"/>
+                              </a:rPr>
+                              <m:t>𝑓</m:t>
+                            </m:r>
+                          </m:e>
+                          <m:sub>
+                            <m:r>
+                              <a:rPr lang="de-DE" sz="2000" b="0" i="1" smtClean="0">
+                                <a:latin typeface="Cambria Math"/>
+                              </a:rPr>
+                              <m:t>𝑛</m:t>
+                            </m:r>
+                          </m:sub>
+                        </m:sSub>
+                      </m:num>
+                      <m:den>
+                        <m:sSub>
+                          <m:sSubPr>
+                            <m:ctrlPr>
+                              <a:rPr lang="de-DE" sz="2000" i="1" smtClean="0">
+                                <a:latin typeface="Cambria Math"/>
+                              </a:rPr>
+                            </m:ctrlPr>
+                          </m:sSubPr>
+                          <m:e>
+                            <m:r>
+                              <a:rPr lang="de-DE" sz="2000" b="0" i="1" smtClean="0">
+                                <a:latin typeface="Cambria Math"/>
+                              </a:rPr>
+                              <m:t>𝑠</m:t>
+                            </m:r>
+                          </m:e>
+                          <m:sub>
+                            <m:r>
+                              <a:rPr lang="de-DE" sz="2000" b="0" i="1" smtClean="0">
+                                <a:latin typeface="Cambria Math"/>
+                              </a:rPr>
+                              <m:t>𝑛</m:t>
+                            </m:r>
+                          </m:sub>
+                        </m:sSub>
+                      </m:den>
+                    </m:f>
+                  </m:oMath>
+                </a14:m>
+                <a:r>
+                  <a:rPr lang="de-DE" sz="2000" dirty="0" smtClean="0"/>
+                  <a:t> </a:t>
+                </a:r>
+                <a:endParaRPr lang="de-DE" sz="2000" dirty="0"/>
+              </a:p>
+              <a:p>
+                <a:pPr marL="0" indent="0">
+                  <a:buNone/>
+                </a:pPr>
+                <a14:m>
+                  <m:oMath xmlns:m="http://schemas.openxmlformats.org/officeDocument/2006/math">
+                    <m:sSub>
+                      <m:sSubPr>
+                        <m:ctrlPr>
+                          <a:rPr lang="de-DE" sz="1100" i="1" dirty="0">
+                            <a:latin typeface="Cambria Math"/>
+                          </a:rPr>
+                        </m:ctrlPr>
+                      </m:sSubPr>
+                      <m:e>
+                        <m:r>
+                          <a:rPr lang="de-DE" sz="1100" b="0" i="1" dirty="0" smtClean="0">
+                            <a:latin typeface="Cambria Math"/>
+                          </a:rPr>
+                          <m:t>𝑎</m:t>
+                        </m:r>
+                        <m:r>
+                          <a:rPr lang="de-DE" sz="1100" i="1" dirty="0">
+                            <a:latin typeface="Cambria Math"/>
+                          </a:rPr>
+                          <m:t>=</m:t>
+                        </m:r>
+                        <m:r>
+                          <m:rPr>
+                            <m:nor/>
+                          </m:rPr>
+                          <a:rPr lang="de-DE" sz="1100" b="0" i="0" dirty="0" smtClean="0">
+                            <a:latin typeface="Cambria Math"/>
+                          </a:rPr>
+                          <m:t>Gesamtausdehnung</m:t>
+                        </m:r>
+                        <m:r>
+                          <m:rPr>
+                            <m:nor/>
+                          </m:rPr>
+                          <a:rPr lang="de-DE" sz="1100" dirty="0"/>
+                          <m:t>,</m:t>
+                        </m:r>
+                        <m:r>
+                          <a:rPr lang="de-DE" sz="1100" b="0" i="1" dirty="0" smtClean="0">
+                            <a:latin typeface="Cambria Math"/>
+                          </a:rPr>
+                          <m:t>   </m:t>
+                        </m:r>
+                        <m:r>
+                          <a:rPr lang="de-DE" sz="1100" i="1" dirty="0">
+                            <a:latin typeface="Cambria Math"/>
+                          </a:rPr>
+                          <m:t>𝑎</m:t>
+                        </m:r>
+                      </m:e>
+                      <m:sub>
+                        <m:r>
+                          <a:rPr lang="de-DE" sz="1100" i="1" dirty="0">
+                            <a:latin typeface="Cambria Math"/>
+                          </a:rPr>
+                          <m:t>𝑔</m:t>
+                        </m:r>
+                      </m:sub>
+                    </m:sSub>
+                    <m:r>
+                      <a:rPr lang="de-DE" sz="1100" i="1" dirty="0">
+                        <a:latin typeface="Cambria Math"/>
+                      </a:rPr>
+                      <m:t>=</m:t>
+                    </m:r>
+                    <m:r>
+                      <a:rPr lang="de-DE" sz="1100" i="1" dirty="0">
+                        <a:latin typeface="Cambria Math"/>
+                      </a:rPr>
+                      <m:t>𝐺𝑟𝑢𝑛𝑑𝑎𝑢𝑠𝑑𝑒h𝑛𝑢𝑛𝑔</m:t>
+                    </m:r>
+                  </m:oMath>
+                </a14:m>
+                <a:r>
+                  <a:rPr lang="de-DE" sz="1100" dirty="0"/>
+                  <a:t>, </a:t>
+                </a:r>
+                <a14:m>
+                  <m:oMath xmlns:m="http://schemas.openxmlformats.org/officeDocument/2006/math">
+                    <m:sSub>
+                      <m:sSubPr>
+                        <m:ctrlPr>
+                          <a:rPr lang="de-DE" sz="1100" i="1" dirty="0">
+                            <a:latin typeface="Cambria Math"/>
+                          </a:rPr>
+                        </m:ctrlPr>
+                      </m:sSubPr>
+                      <m:e>
+                        <m:r>
+                          <a:rPr lang="de-DE" sz="1100" i="1" dirty="0">
+                            <a:latin typeface="Cambria Math"/>
+                          </a:rPr>
+                          <m:t>𝑠</m:t>
+                        </m:r>
+                      </m:e>
+                      <m:sub>
+                        <m:r>
+                          <a:rPr lang="de-DE" sz="1100" b="0" i="1" dirty="0" smtClean="0">
+                            <a:latin typeface="Cambria Math"/>
+                          </a:rPr>
+                          <m:t>𝑛</m:t>
+                        </m:r>
+                      </m:sub>
+                    </m:sSub>
+                    <m:r>
+                      <a:rPr lang="de-DE" sz="1100" i="1" dirty="0">
+                        <a:latin typeface="Cambria Math"/>
+                      </a:rPr>
+                      <m:t>=</m:t>
+                    </m:r>
+                    <m:r>
+                      <a:rPr lang="de-DE" sz="1100" i="1" dirty="0">
+                        <a:latin typeface="Cambria Math"/>
+                      </a:rPr>
+                      <m:t>𝐹</m:t>
+                    </m:r>
+                    <m:r>
+                      <a:rPr lang="de-DE" sz="1100" i="1" dirty="0">
+                        <a:latin typeface="Cambria Math"/>
+                      </a:rPr>
+                      <m:t>ü</m:t>
+                    </m:r>
+                    <m:r>
+                      <a:rPr lang="de-DE" sz="1100" i="1" dirty="0">
+                        <a:latin typeface="Cambria Math"/>
+                      </a:rPr>
+                      <m:t>𝑙𝑙𝑚𝑒𝑛𝑔𝑒</m:t>
+                    </m:r>
+                    <m:r>
+                      <a:rPr lang="de-DE" sz="1100" i="1" dirty="0">
+                        <a:latin typeface="Cambria Math"/>
+                      </a:rPr>
+                      <m:t> </m:t>
+                    </m:r>
+                    <m:r>
+                      <a:rPr lang="de-DE" sz="1100" i="1" dirty="0">
+                        <a:latin typeface="Cambria Math"/>
+                      </a:rPr>
+                      <m:t>𝑑𝑒𝑠</m:t>
+                    </m:r>
+                    <m:r>
+                      <a:rPr lang="de-DE" sz="1100" b="0" i="1" dirty="0" smtClean="0">
+                        <a:latin typeface="Cambria Math"/>
+                      </a:rPr>
+                      <m:t> </m:t>
+                    </m:r>
+                    <m:r>
+                      <a:rPr lang="de-DE" sz="1100" b="0" i="1" dirty="0" smtClean="0">
+                        <a:latin typeface="Cambria Math"/>
+                      </a:rPr>
+                      <m:t>𝑛𝑖𝑐h𝑡</m:t>
+                    </m:r>
+                    <m:r>
+                      <a:rPr lang="de-DE" sz="1100" i="1" dirty="0">
+                        <a:latin typeface="Cambria Math"/>
+                      </a:rPr>
+                      <m:t> </m:t>
+                    </m:r>
+                    <m:r>
+                      <a:rPr lang="de-DE" sz="1100" i="1" dirty="0">
+                        <a:latin typeface="Cambria Math"/>
+                      </a:rPr>
+                      <m:t>𝐺𝑒𝑓</m:t>
+                    </m:r>
+                    <m:r>
+                      <a:rPr lang="de-DE" sz="1100" i="1" dirty="0">
+                        <a:latin typeface="Cambria Math"/>
+                      </a:rPr>
+                      <m:t>ü</m:t>
+                    </m:r>
+                    <m:r>
+                      <a:rPr lang="de-DE" sz="1100" i="1" dirty="0">
+                        <a:latin typeface="Cambria Math"/>
+                      </a:rPr>
+                      <m:t>𝑙𝑙𝑡𝑒𝑛</m:t>
+                    </m:r>
+                    <m:r>
+                      <a:rPr lang="de-DE" sz="1100" i="1" dirty="0">
+                        <a:latin typeface="Cambria Math"/>
+                      </a:rPr>
+                      <m:t> </m:t>
+                    </m:r>
+                    <m:r>
+                      <a:rPr lang="de-DE" sz="1100" i="1" dirty="0">
+                        <a:latin typeface="Cambria Math"/>
+                      </a:rPr>
+                      <m:t>𝑉𝑜𝑥𝑒𝑙𝑠</m:t>
+                    </m:r>
+                  </m:oMath>
+                </a14:m>
+                <a:r>
+                  <a:rPr lang="de-DE" sz="1100" dirty="0"/>
+                  <a:t>,</a:t>
+                </a:r>
+                <a14:m>
+                  <m:oMath xmlns:m="http://schemas.openxmlformats.org/officeDocument/2006/math">
+                    <m:sSub>
+                      <m:sSubPr>
+                        <m:ctrlPr>
+                          <a:rPr lang="de-DE" sz="1100" i="1" dirty="0">
+                            <a:latin typeface="Cambria Math"/>
+                          </a:rPr>
+                        </m:ctrlPr>
+                      </m:sSubPr>
+                      <m:e>
+                        <m:r>
+                          <a:rPr lang="de-DE" sz="1100" i="1" dirty="0">
+                            <a:latin typeface="Cambria Math"/>
+                          </a:rPr>
+                          <m:t> </m:t>
+                        </m:r>
+                        <m:r>
+                          <a:rPr lang="de-DE" sz="1100" i="1" dirty="0">
+                            <a:latin typeface="Cambria Math"/>
+                          </a:rPr>
+                          <m:t>𝑠</m:t>
+                        </m:r>
+                      </m:e>
+                      <m:sub>
+                        <m:r>
+                          <a:rPr lang="de-DE" sz="1100" b="0" i="1" dirty="0" smtClean="0">
+                            <a:latin typeface="Cambria Math"/>
+                          </a:rPr>
+                          <m:t>𝑛</m:t>
+                        </m:r>
+                      </m:sub>
+                    </m:sSub>
+                    <m:r>
+                      <a:rPr lang="de-DE" sz="1100" i="1" dirty="0">
+                        <a:latin typeface="Cambria Math"/>
+                      </a:rPr>
+                      <m:t>=</m:t>
+                    </m:r>
+                    <m:r>
+                      <a:rPr lang="de-DE" sz="1100" i="1" dirty="0">
+                        <a:latin typeface="Cambria Math"/>
+                      </a:rPr>
+                      <m:t>𝑆𝑐h𝑤𝑒𝑙𝑙𝑤𝑒𝑟𝑡</m:t>
+                    </m:r>
+                    <m:r>
+                      <a:rPr lang="de-DE" sz="1100" i="1" dirty="0">
+                        <a:latin typeface="Cambria Math"/>
+                      </a:rPr>
+                      <m:t> </m:t>
+                    </m:r>
+                    <m:r>
+                      <a:rPr lang="de-DE" sz="1100" i="1" dirty="0">
+                        <a:latin typeface="Cambria Math"/>
+                      </a:rPr>
+                      <m:t>𝑑𝑒𝑠</m:t>
+                    </m:r>
+                    <m:r>
+                      <a:rPr lang="de-DE" sz="1100" i="1" dirty="0">
+                        <a:latin typeface="Cambria Math"/>
+                      </a:rPr>
+                      <m:t> </m:t>
+                    </m:r>
+                    <m:r>
+                      <a:rPr lang="de-DE" sz="1100" b="0" i="1" dirty="0" smtClean="0">
+                        <a:latin typeface="Cambria Math"/>
+                      </a:rPr>
+                      <m:t>𝑛𝑖𝑐h𝑡</m:t>
+                    </m:r>
+                    <m:r>
+                      <a:rPr lang="de-DE" sz="1100" b="0" i="1" dirty="0" smtClean="0">
+                        <a:latin typeface="Cambria Math"/>
+                      </a:rPr>
+                      <m:t> </m:t>
+                    </m:r>
+                    <m:r>
+                      <a:rPr lang="de-DE" sz="1100" i="1" dirty="0">
+                        <a:latin typeface="Cambria Math"/>
+                      </a:rPr>
+                      <m:t>𝑔𝑒𝑓</m:t>
+                    </m:r>
+                    <m:r>
+                      <a:rPr lang="de-DE" sz="1100" i="1" dirty="0">
+                        <a:latin typeface="Cambria Math"/>
+                      </a:rPr>
+                      <m:t>ü</m:t>
+                    </m:r>
+                    <m:r>
+                      <a:rPr lang="de-DE" sz="1100" i="1" dirty="0">
+                        <a:latin typeface="Cambria Math"/>
+                      </a:rPr>
+                      <m:t>𝑙𝑙𝑡𝑒𝑛</m:t>
+                    </m:r>
+                    <m:r>
+                      <a:rPr lang="de-DE" sz="1100" i="1" dirty="0">
+                        <a:latin typeface="Cambria Math"/>
+                      </a:rPr>
+                      <m:t> </m:t>
+                    </m:r>
+                    <m:r>
+                      <a:rPr lang="de-DE" sz="1100" i="1" dirty="0">
+                        <a:latin typeface="Cambria Math"/>
+                      </a:rPr>
+                      <m:t>𝑉𝑜𝑥𝑒𝑙𝑠</m:t>
+                    </m:r>
+                  </m:oMath>
+                </a14:m>
+                <a:endParaRPr lang="de-DE" sz="1100" dirty="0"/>
+              </a:p>
+              <a:p>
+                <a:pPr marL="0" indent="0">
+                  <a:buNone/>
+                </a:pPr>
+                <a:endParaRPr lang="de-DE" sz="2000" dirty="0" smtClean="0"/>
+              </a:p>
+            </p:txBody>
+          </p:sp>
+        </mc:Choice>
+        <mc:Fallback>
+          <p:sp>
+            <p:nvSpPr>
+              <p:cNvPr id="3" name="Inhaltsplatzhalter 2"/>
+              <p:cNvSpPr>
+                <a:spLocks noGrp="1" noRot="1" noChangeAspect="1" noMove="1" noResize="1" noEditPoints="1" noAdjustHandles="1" noChangeArrowheads="1" noChangeShapeType="1" noTextEdit="1"/>
+              </p:cNvSpPr>
+              <p:nvPr>
+                <p:ph idx="1"/>
+              </p:nvPr>
+            </p:nvSpPr>
+            <p:spPr>
+              <a:xfrm>
+                <a:off x="446856" y="1883965"/>
+                <a:ext cx="8229600" cy="3993307"/>
+              </a:xfrm>
+              <a:blipFill rotWithShape="1">
+                <a:blip r:embed="rId2"/>
+                <a:stretch>
+                  <a:fillRect l="-741" t="-1527"/>
+                </a:stretch>
+              </a:blipFill>
+            </p:spPr>
+            <p:txBody>
+              <a:bodyPr/>
+              <a:lstStyle/>
+              <a:p>
+                <a:r>
+                  <a:rPr lang="de-DE">
+                    <a:noFill/>
+                  </a:rPr>
+                  <a:t> </a:t>
+                </a:r>
+              </a:p>
+            </p:txBody>
+          </p:sp>
+        </mc:Fallback>
+      </mc:AlternateContent>
+      <p:sp>
+        <p:nvSpPr>
+          <p:cNvPr id="4" name="Datumsplatzhalter 3"/>
+          <p:cNvSpPr>
+            <a:spLocks noGrp="1"/>
+          </p:cNvSpPr>
+          <p:nvPr>
+            <p:ph type="dt" sz="half" idx="10"/>
+          </p:nvPr>
+        </p:nvSpPr>
+        <p:spPr/>
+        <p:txBody>
+          <a:bodyPr/>
+          <a:lstStyle/>
+          <a:p>
+            <a:r>
+              <a:rPr lang="de-DE" dirty="0" smtClean="0"/>
+              <a:t>27.11.2018</a:t>
+            </a:r>
+            <a:endParaRPr lang="de-DE" dirty="0"/>
+          </a:p>
+        </p:txBody>
+      </p:sp>
+      <p:sp>
+        <p:nvSpPr>
+          <p:cNvPr id="5" name="Fußzeilenplatzhalter 4"/>
+          <p:cNvSpPr>
+            <a:spLocks noGrp="1"/>
+          </p:cNvSpPr>
+          <p:nvPr>
+            <p:ph type="ftr" sz="quarter" idx="11"/>
+          </p:nvPr>
+        </p:nvSpPr>
+        <p:spPr/>
+        <p:txBody>
+          <a:bodyPr/>
+          <a:lstStyle/>
+          <a:p>
+            <a:r>
+              <a:rPr lang="de-DE" smtClean="0"/>
+              <a:t>Matthias Mettenleiter</a:t>
+            </a:r>
+            <a:endParaRPr lang="de-DE"/>
+          </a:p>
+        </p:txBody>
+      </p:sp>
+      <p:sp>
+        <p:nvSpPr>
+          <p:cNvPr id="6" name="Foliennummernplatzhalter 5"/>
+          <p:cNvSpPr>
+            <a:spLocks noGrp="1"/>
+          </p:cNvSpPr>
+          <p:nvPr>
+            <p:ph type="sldNum" sz="quarter" idx="12"/>
+          </p:nvPr>
+        </p:nvSpPr>
+        <p:spPr/>
+        <p:txBody>
+          <a:bodyPr/>
+          <a:lstStyle/>
+          <a:p>
+            <a:fld id="{B19EDA2B-D1ED-49F1-A641-C679BE89B1F0}" type="slidenum">
+              <a:rPr lang="de-DE" smtClean="0"/>
+              <a:pPr/>
+              <a:t>11</a:t>
+            </a:fld>
+            <a:endParaRPr lang="de-DE"/>
+          </a:p>
+        </p:txBody>
+      </p:sp>
+    </p:spTree>
+    <p:extLst>
+      <p:ext uri="{BB962C8B-B14F-4D97-AF65-F5344CB8AC3E}">
+        <p14:creationId xmlns:p14="http://schemas.microsoft.com/office/powerpoint/2010/main" val="362737430"/>
+      </p:ext>
+    </p:extLst>
+  </p:cSld>
+  <p:clrMapOvr>
+    <a:masterClrMapping/>
+  </p:clrMapOvr>
+  <p:timing>
+    <p:tnLst>
+      <p:par>
+        <p:cTn id="1" dur="indefinite" restart="never" nodeType="tmRoot"/>
+      </p:par>
+    </p:tnLst>
+  </p:timing>
+</p:sld>
+</file>
+
+<file path=ppt/slides/slide12.xml><?xml version="1.0" encoding="utf-8"?>
+<p:sld xmlns:a="http://schemas.openxmlformats.org/drawingml/2006/main" xmlns:r="http://schemas.openxmlformats.org/officeDocument/2006/relationships" xmlns:p="http://schemas.openxmlformats.org/presentationml/2006/main">
+  <p:cSld>
+    <p:spTree>
+      <p:nvGrpSpPr>
+        <p:cNvPr id="1" name=""/>
+        <p:cNvGrpSpPr/>
+        <p:nvPr/>
+      </p:nvGrpSpPr>
+      <p:grpSpPr>
+        <a:xfrm>
+          <a:off x="0" y="0"/>
+          <a:ext cx="0" cy="0"/>
+          <a:chOff x="0" y="0"/>
+          <a:chExt cx="0" cy="0"/>
+        </a:xfrm>
+      </p:grpSpPr>
+      <p:sp>
+        <p:nvSpPr>
+          <p:cNvPr id="2" name="Titel 1"/>
+          <p:cNvSpPr>
+            <a:spLocks noGrp="1"/>
+          </p:cNvSpPr>
+          <p:nvPr>
+            <p:ph type="title"/>
+          </p:nvPr>
+        </p:nvSpPr>
+        <p:spPr>
+          <a:xfrm>
+            <a:off x="323528" y="1052736"/>
+            <a:ext cx="8301608" cy="720080"/>
+          </a:xfrm>
+        </p:spPr>
+        <p:txBody>
+          <a:bodyPr/>
+          <a:lstStyle/>
+          <a:p>
+            <a:r>
+              <a:rPr lang="de-DE" dirty="0" smtClean="0"/>
+              <a:t>Umsetzung der </a:t>
+            </a:r>
+            <a:r>
+              <a:rPr lang="de-DE" dirty="0" smtClean="0"/>
+              <a:t>Texturierung</a:t>
+            </a:r>
+            <a:endParaRPr lang="de-DE" dirty="0"/>
+          </a:p>
+        </p:txBody>
+      </p:sp>
+      <mc:AlternateContent xmlns:mc="http://schemas.openxmlformats.org/markup-compatibility/2006">
+        <mc:Choice xmlns:a14="http://schemas.microsoft.com/office/drawing/2010/main" Requires="a14">
+          <p:sp>
+            <p:nvSpPr>
+              <p:cNvPr id="3" name="Inhaltsplatzhalter 2"/>
+              <p:cNvSpPr>
+                <a:spLocks noGrp="1"/>
+              </p:cNvSpPr>
+              <p:nvPr>
+                <p:ph idx="1"/>
+              </p:nvPr>
+            </p:nvSpPr>
+            <p:spPr>
+              <a:xfrm>
+                <a:off x="446856" y="1883965"/>
+                <a:ext cx="8229600" cy="3993307"/>
+              </a:xfrm>
+            </p:spPr>
+            <p:txBody>
+              <a:bodyPr>
+                <a:normAutofit/>
+              </a:bodyPr>
+              <a:lstStyle/>
+              <a:p>
+                <a:pPr marL="0" indent="0">
+                  <a:buNone/>
+                </a:pPr>
+                <a:r>
+                  <a:rPr lang="de-DE" sz="2000" dirty="0" smtClean="0"/>
+                  <a:t>Abstand zum Voxel im </a:t>
+                </a:r>
+                <a:r>
+                  <a:rPr lang="de-DE" sz="2000" dirty="0" err="1" smtClean="0"/>
+                  <a:t>Achtertupel</a:t>
+                </a:r>
+                <a:r>
+                  <a:rPr lang="de-DE" sz="2000" dirty="0" smtClean="0"/>
+                  <a:t>:</a:t>
+                </a:r>
+              </a:p>
+              <a:p>
+                <a:pPr marL="0" indent="0">
+                  <a:buNone/>
+                </a:pPr>
+                <a14:m>
+                  <m:oMath xmlns:m="http://schemas.openxmlformats.org/officeDocument/2006/math">
+                    <m:sSub>
+                      <m:sSubPr>
+                        <m:ctrlPr>
+                          <a:rPr lang="de-DE" sz="2000" b="0" i="1" smtClean="0">
+                            <a:latin typeface="Cambria Math"/>
+                          </a:rPr>
+                        </m:ctrlPr>
+                      </m:sSubPr>
+                      <m:e>
+                        <m:r>
+                          <a:rPr lang="de-DE" sz="2000" b="0" i="1" smtClean="0">
+                            <a:latin typeface="Cambria Math"/>
+                          </a:rPr>
+                          <m:t>𝑎</m:t>
+                        </m:r>
+                      </m:e>
+                      <m:sub>
+                        <m:r>
+                          <a:rPr lang="de-DE" sz="2000" b="0" i="1" smtClean="0">
+                            <a:latin typeface="Cambria Math"/>
+                          </a:rPr>
+                          <m:t>𝑖</m:t>
+                        </m:r>
+                      </m:sub>
+                    </m:sSub>
+                    <m:r>
+                      <a:rPr lang="de-DE" sz="2000" b="0" i="1" smtClean="0">
+                        <a:latin typeface="Cambria Math"/>
+                      </a:rPr>
+                      <m:t>=</m:t>
+                    </m:r>
+                    <m:r>
+                      <a:rPr lang="de-DE" sz="2000" b="0" i="1" smtClean="0">
+                        <a:latin typeface="Cambria Math"/>
+                      </a:rPr>
+                      <m:t>𝑑𝑖𝑓</m:t>
+                    </m:r>
+                    <m:d>
+                      <m:dPr>
+                        <m:ctrlPr>
+                          <a:rPr lang="de-DE" sz="2000" b="0" i="1" smtClean="0">
+                            <a:latin typeface="Cambria Math"/>
+                          </a:rPr>
+                        </m:ctrlPr>
+                      </m:dPr>
+                      <m:e>
+                        <m:sSub>
+                          <m:sSubPr>
+                            <m:ctrlPr>
+                              <a:rPr lang="de-DE" sz="2000" b="0" i="1" smtClean="0">
+                                <a:latin typeface="Cambria Math"/>
+                              </a:rPr>
+                            </m:ctrlPr>
+                          </m:sSubPr>
+                          <m:e>
+                            <m:r>
+                              <a:rPr lang="de-DE" sz="2000" b="0" i="1" smtClean="0">
+                                <a:latin typeface="Cambria Math"/>
+                              </a:rPr>
+                              <m:t>𝑥</m:t>
+                            </m:r>
+                          </m:e>
+                          <m:sub>
+                            <m:r>
+                              <a:rPr lang="de-DE" sz="2000" b="0" i="1" smtClean="0">
+                                <a:latin typeface="Cambria Math"/>
+                              </a:rPr>
+                              <m:t>𝑖</m:t>
+                            </m:r>
+                          </m:sub>
+                        </m:sSub>
+                        <m:r>
+                          <a:rPr lang="de-DE" sz="2000" b="0" i="0" smtClean="0">
+                            <a:latin typeface="Cambria Math"/>
+                          </a:rPr>
+                          <m:t>,</m:t>
+                        </m:r>
+                        <m:r>
+                          <m:rPr>
+                            <m:sty m:val="p"/>
+                          </m:rPr>
+                          <a:rPr lang="de-DE" sz="2000" b="0" i="0" smtClean="0">
+                            <a:latin typeface="Cambria Math"/>
+                          </a:rPr>
+                          <m:t>x</m:t>
+                        </m:r>
+                      </m:e>
+                    </m:d>
+                    <m:r>
+                      <a:rPr lang="de-DE" sz="2000" b="0" i="0" smtClean="0">
+                        <a:latin typeface="Cambria Math"/>
+                      </a:rPr>
+                      <m:t>∗</m:t>
+                    </m:r>
+                    <m:r>
+                      <m:rPr>
+                        <m:sty m:val="p"/>
+                      </m:rPr>
+                      <a:rPr lang="de-DE" sz="2000" b="0" i="0" smtClean="0">
+                        <a:latin typeface="Cambria Math"/>
+                      </a:rPr>
+                      <m:t>dif</m:t>
+                    </m:r>
+                    <m:d>
+                      <m:dPr>
+                        <m:ctrlPr>
+                          <a:rPr lang="de-DE" sz="2000" b="0" i="0" smtClean="0">
+                            <a:latin typeface="Cambria Math"/>
+                          </a:rPr>
+                        </m:ctrlPr>
+                      </m:dPr>
+                      <m:e>
+                        <m:r>
+                          <m:rPr>
+                            <m:sty m:val="p"/>
+                          </m:rPr>
+                          <a:rPr lang="de-DE" sz="2000" b="0" i="0" smtClean="0">
+                            <a:latin typeface="Cambria Math"/>
+                          </a:rPr>
+                          <m:t>yi</m:t>
+                        </m:r>
+                        <m:r>
+                          <a:rPr lang="de-DE" sz="2000" b="0" i="0" smtClean="0">
+                            <a:latin typeface="Cambria Math"/>
+                          </a:rPr>
+                          <m:t>,</m:t>
+                        </m:r>
+                        <m:r>
+                          <m:rPr>
+                            <m:sty m:val="p"/>
+                          </m:rPr>
+                          <a:rPr lang="de-DE" sz="2000" b="0" i="0" smtClean="0">
+                            <a:latin typeface="Cambria Math"/>
+                          </a:rPr>
+                          <m:t>y</m:t>
+                        </m:r>
+                      </m:e>
+                    </m:d>
+                    <m:r>
+                      <a:rPr lang="de-DE" sz="2000" b="0" i="0" smtClean="0">
+                        <a:latin typeface="Cambria Math"/>
+                      </a:rPr>
+                      <m:t>∗</m:t>
+                    </m:r>
+                    <m:r>
+                      <m:rPr>
+                        <m:sty m:val="p"/>
+                      </m:rPr>
+                      <a:rPr lang="de-DE" sz="2000" b="0" i="0" smtClean="0">
+                        <a:latin typeface="Cambria Math"/>
+                      </a:rPr>
+                      <m:t>dif</m:t>
+                    </m:r>
+                    <m:r>
+                      <a:rPr lang="de-DE" sz="2000" b="0" i="0" smtClean="0">
+                        <a:latin typeface="Cambria Math"/>
+                      </a:rPr>
+                      <m:t>(</m:t>
+                    </m:r>
+                    <m:r>
+                      <m:rPr>
+                        <m:sty m:val="p"/>
+                      </m:rPr>
+                      <a:rPr lang="de-DE" sz="2000" b="0" i="0" smtClean="0">
+                        <a:latin typeface="Cambria Math"/>
+                      </a:rPr>
+                      <m:t>zi</m:t>
+                    </m:r>
+                    <m:r>
+                      <a:rPr lang="de-DE" sz="2000" b="0" i="0" smtClean="0">
+                        <a:latin typeface="Cambria Math"/>
+                      </a:rPr>
+                      <m:t>,</m:t>
+                    </m:r>
+                    <m:r>
+                      <m:rPr>
+                        <m:sty m:val="p"/>
+                      </m:rPr>
+                      <a:rPr lang="de-DE" sz="2000" b="0" i="0" smtClean="0">
+                        <a:latin typeface="Cambria Math"/>
+                      </a:rPr>
+                      <m:t>z</m:t>
+                    </m:r>
+                    <m:r>
+                      <a:rPr lang="de-DE" sz="2000" b="0" i="0" smtClean="0">
+                        <a:latin typeface="Cambria Math"/>
+                      </a:rPr>
+                      <m:t>)</m:t>
+                    </m:r>
+                  </m:oMath>
+                </a14:m>
+                <a:r>
+                  <a:rPr lang="de-DE" sz="1600" dirty="0" smtClean="0"/>
+                  <a:t> </a:t>
+                </a:r>
+              </a:p>
+              <a:p>
+                <a:pPr marL="0" indent="0">
+                  <a:buNone/>
+                </a:pPr>
+                <a14:m>
+                  <m:oMath xmlns:m="http://schemas.openxmlformats.org/officeDocument/2006/math">
+                    <m:sSub>
+                      <m:sSubPr>
+                        <m:ctrlPr>
+                          <a:rPr lang="de-DE" sz="1050" b="0" i="1" dirty="0" smtClean="0">
+                            <a:latin typeface="Cambria Math"/>
+                          </a:rPr>
+                        </m:ctrlPr>
+                      </m:sSubPr>
+                      <m:e>
+                        <m:r>
+                          <a:rPr lang="de-DE" sz="1050" b="0" i="1" dirty="0" smtClean="0">
+                            <a:latin typeface="Cambria Math"/>
+                          </a:rPr>
+                          <m:t>𝑎</m:t>
+                        </m:r>
+                      </m:e>
+                      <m:sub>
+                        <m:r>
+                          <a:rPr lang="de-DE" sz="1050" b="0" i="1" dirty="0" smtClean="0">
+                            <a:latin typeface="Cambria Math"/>
+                          </a:rPr>
+                          <m:t>𝑖</m:t>
+                        </m:r>
+                      </m:sub>
+                    </m:sSub>
+                    <m:r>
+                      <a:rPr lang="de-DE" sz="1050" i="1" dirty="0">
+                        <a:latin typeface="Cambria Math"/>
+                      </a:rPr>
+                      <m:t>=</m:t>
+                    </m:r>
+                  </m:oMath>
+                </a14:m>
+                <a:r>
+                  <a:rPr lang="de-DE" sz="1050" dirty="0" smtClean="0"/>
+                  <a:t>Abstand vom i-</a:t>
+                </a:r>
+                <a:r>
+                  <a:rPr lang="de-DE" sz="1050" dirty="0" err="1" smtClean="0"/>
+                  <a:t>ten</a:t>
+                </a:r>
+                <a:r>
+                  <a:rPr lang="de-DE" sz="1050" dirty="0" smtClean="0"/>
+                  <a:t> Voxel, </a:t>
+                </a:r>
+                <a14:m>
+                  <m:oMath xmlns:m="http://schemas.openxmlformats.org/officeDocument/2006/math">
+                    <m:d>
+                      <m:dPr>
+                        <m:ctrlPr>
+                          <a:rPr lang="de-DE" sz="1050" b="0" i="1" dirty="0" smtClean="0">
+                            <a:latin typeface="Cambria Math"/>
+                          </a:rPr>
+                        </m:ctrlPr>
+                      </m:dPr>
+                      <m:e>
+                        <m:r>
+                          <a:rPr lang="de-DE" sz="1050" b="0" i="1" dirty="0" smtClean="0">
+                            <a:latin typeface="Cambria Math"/>
+                          </a:rPr>
+                          <m:t>𝑥</m:t>
+                        </m:r>
+                        <m:r>
+                          <a:rPr lang="de-DE" sz="1050" b="0" i="1" dirty="0" smtClean="0">
+                            <a:latin typeface="Cambria Math"/>
+                          </a:rPr>
+                          <m:t>,</m:t>
+                        </m:r>
+                        <m:r>
+                          <a:rPr lang="de-DE" sz="1050" b="0" i="1" dirty="0" smtClean="0">
+                            <a:latin typeface="Cambria Math"/>
+                          </a:rPr>
+                          <m:t>𝑦</m:t>
+                        </m:r>
+                        <m:r>
+                          <a:rPr lang="de-DE" sz="1050" b="0" i="1" dirty="0" smtClean="0">
+                            <a:latin typeface="Cambria Math"/>
+                          </a:rPr>
+                          <m:t>,</m:t>
+                        </m:r>
+                        <m:r>
+                          <a:rPr lang="de-DE" sz="1050" b="0" i="1" dirty="0" smtClean="0">
+                            <a:latin typeface="Cambria Math"/>
+                          </a:rPr>
+                          <m:t>𝑧</m:t>
+                        </m:r>
+                      </m:e>
+                    </m:d>
+                    <m:r>
+                      <a:rPr lang="de-DE" sz="1050" i="1" dirty="0">
+                        <a:latin typeface="Cambria Math"/>
+                      </a:rPr>
+                      <m:t>=</m:t>
+                    </m:r>
+                    <m:r>
+                      <a:rPr lang="de-DE" sz="1050" b="0" i="1" dirty="0" smtClean="0">
+                        <a:latin typeface="Cambria Math"/>
+                      </a:rPr>
+                      <m:t>𝑃𝑜𝑠𝑖𝑡𝑖𝑜𝑛</m:t>
+                    </m:r>
+                    <m:r>
+                      <a:rPr lang="de-DE" sz="1050" b="0" i="1" dirty="0" smtClean="0">
+                        <a:latin typeface="Cambria Math"/>
+                      </a:rPr>
+                      <m:t> </m:t>
+                    </m:r>
+                    <m:r>
+                      <a:rPr lang="de-DE" sz="1050" b="0" i="1" dirty="0" smtClean="0">
+                        <a:latin typeface="Cambria Math"/>
+                      </a:rPr>
+                      <m:t>𝑖𝑛𝑛𝑛𝑒𝑟h𝑎𝑙𝑏</m:t>
+                    </m:r>
+                    <m:r>
+                      <a:rPr lang="de-DE" sz="1050" b="0" i="1" dirty="0" smtClean="0">
+                        <a:latin typeface="Cambria Math"/>
+                      </a:rPr>
+                      <m:t> </m:t>
+                    </m:r>
+                    <m:r>
+                      <a:rPr lang="de-DE" sz="1050" b="0" i="1" dirty="0" smtClean="0">
+                        <a:latin typeface="Cambria Math"/>
+                      </a:rPr>
+                      <m:t>𝑑𝑒𝑠</m:t>
+                    </m:r>
+                    <m:r>
+                      <a:rPr lang="de-DE" sz="1050" b="0" i="1" dirty="0" smtClean="0">
+                        <a:latin typeface="Cambria Math"/>
+                      </a:rPr>
+                      <m:t> </m:t>
+                    </m:r>
+                    <m:r>
+                      <a:rPr lang="de-DE" sz="1050" b="0" i="1" dirty="0" smtClean="0">
+                        <a:latin typeface="Cambria Math"/>
+                      </a:rPr>
+                      <m:t>𝑇𝑢𝑝𝑒𝑙𝑠</m:t>
+                    </m:r>
+                  </m:oMath>
+                </a14:m>
+                <a:r>
+                  <a:rPr lang="de-DE" sz="1000" dirty="0"/>
+                  <a:t>, </a:t>
+                </a:r>
+                <a14:m>
+                  <m:oMath xmlns:m="http://schemas.openxmlformats.org/officeDocument/2006/math">
+                    <m:d>
+                      <m:dPr>
+                        <m:ctrlPr>
+                          <a:rPr lang="de-DE" sz="1000" i="1" dirty="0">
+                            <a:latin typeface="Cambria Math"/>
+                          </a:rPr>
+                        </m:ctrlPr>
+                      </m:dPr>
+                      <m:e>
+                        <m:sSub>
+                          <m:sSubPr>
+                            <m:ctrlPr>
+                              <a:rPr lang="de-DE" sz="1000" i="1" dirty="0" smtClean="0">
+                                <a:latin typeface="Cambria Math"/>
+                              </a:rPr>
+                            </m:ctrlPr>
+                          </m:sSubPr>
+                          <m:e>
+                            <m:r>
+                              <a:rPr lang="de-DE" sz="1000" b="0" i="1" dirty="0" smtClean="0">
+                                <a:latin typeface="Cambria Math"/>
+                              </a:rPr>
+                              <m:t>𝑥</m:t>
+                            </m:r>
+                          </m:e>
+                          <m:sub>
+                            <m:r>
+                              <a:rPr lang="de-DE" sz="1000" b="0" i="1" dirty="0" smtClean="0">
+                                <a:latin typeface="Cambria Math"/>
+                              </a:rPr>
+                              <m:t>𝑖</m:t>
+                            </m:r>
+                          </m:sub>
+                        </m:sSub>
+                        <m:r>
+                          <a:rPr lang="de-DE" sz="1000" i="1" dirty="0">
+                            <a:latin typeface="Cambria Math"/>
+                          </a:rPr>
+                          <m:t>,</m:t>
+                        </m:r>
+                        <m:sSub>
+                          <m:sSubPr>
+                            <m:ctrlPr>
+                              <a:rPr lang="de-DE" sz="1000" i="1" dirty="0" smtClean="0">
+                                <a:latin typeface="Cambria Math"/>
+                              </a:rPr>
+                            </m:ctrlPr>
+                          </m:sSubPr>
+                          <m:e>
+                            <m:r>
+                              <a:rPr lang="de-DE" sz="1000" b="0" i="1" dirty="0" smtClean="0">
+                                <a:latin typeface="Cambria Math"/>
+                              </a:rPr>
+                              <m:t>𝑦</m:t>
+                            </m:r>
+                          </m:e>
+                          <m:sub>
+                            <m:r>
+                              <a:rPr lang="de-DE" sz="1000" b="0" i="1" dirty="0" smtClean="0">
+                                <a:latin typeface="Cambria Math"/>
+                              </a:rPr>
+                              <m:t>𝑖</m:t>
+                            </m:r>
+                          </m:sub>
+                        </m:sSub>
+                        <m:r>
+                          <a:rPr lang="de-DE" sz="1000" i="1" dirty="0">
+                            <a:latin typeface="Cambria Math"/>
+                          </a:rPr>
+                          <m:t>,</m:t>
+                        </m:r>
+                        <m:sSub>
+                          <m:sSubPr>
+                            <m:ctrlPr>
+                              <a:rPr lang="de-DE" sz="1000" i="1" dirty="0" smtClean="0">
+                                <a:latin typeface="Cambria Math"/>
+                              </a:rPr>
+                            </m:ctrlPr>
+                          </m:sSubPr>
+                          <m:e>
+                            <m:r>
+                              <a:rPr lang="de-DE" sz="1000" b="0" i="1" dirty="0" smtClean="0">
+                                <a:latin typeface="Cambria Math"/>
+                              </a:rPr>
+                              <m:t>𝑧</m:t>
+                            </m:r>
+                          </m:e>
+                          <m:sub>
+                            <m:r>
+                              <a:rPr lang="de-DE" sz="1000" b="0" i="1" dirty="0" smtClean="0">
+                                <a:latin typeface="Cambria Math"/>
+                              </a:rPr>
+                              <m:t>𝑖</m:t>
+                            </m:r>
+                          </m:sub>
+                        </m:sSub>
+                      </m:e>
+                    </m:d>
+                    <m:r>
+                      <a:rPr lang="de-DE" sz="1000" i="1" dirty="0">
+                        <a:latin typeface="Cambria Math"/>
+                      </a:rPr>
+                      <m:t>=</m:t>
+                    </m:r>
+                    <m:r>
+                      <a:rPr lang="de-DE" sz="1000" i="1" dirty="0">
+                        <a:latin typeface="Cambria Math"/>
+                      </a:rPr>
+                      <m:t>𝑃𝑜𝑠𝑖𝑡𝑖𝑜𝑛</m:t>
+                    </m:r>
+                    <m:r>
+                      <a:rPr lang="de-DE" sz="1000" i="1" dirty="0">
+                        <a:latin typeface="Cambria Math"/>
+                      </a:rPr>
+                      <m:t> </m:t>
+                    </m:r>
+                    <m:r>
+                      <a:rPr lang="de-DE" sz="1000" b="0" i="1" dirty="0" smtClean="0">
+                        <a:latin typeface="Cambria Math"/>
+                      </a:rPr>
+                      <m:t>𝑑𝑒𝑠</m:t>
+                    </m:r>
+                    <m:r>
+                      <a:rPr lang="de-DE" sz="1000" b="0" i="1" dirty="0" smtClean="0">
+                        <a:latin typeface="Cambria Math"/>
+                      </a:rPr>
+                      <m:t> </m:t>
+                    </m:r>
+                    <m:r>
+                      <a:rPr lang="de-DE" sz="1000" b="0" i="1" dirty="0" smtClean="0">
+                        <a:latin typeface="Cambria Math"/>
+                      </a:rPr>
+                      <m:t>𝑖</m:t>
+                    </m:r>
+                    <m:r>
+                      <a:rPr lang="de-DE" sz="1000" b="0" i="1" dirty="0" smtClean="0">
+                        <a:latin typeface="Cambria Math"/>
+                      </a:rPr>
+                      <m:t>−</m:t>
+                    </m:r>
+                    <m:r>
+                      <a:rPr lang="de-DE" sz="1000" b="0" i="1" dirty="0" smtClean="0">
+                        <a:latin typeface="Cambria Math"/>
+                      </a:rPr>
+                      <m:t>𝑡𝑒𝑛</m:t>
+                    </m:r>
+                    <m:r>
+                      <a:rPr lang="de-DE" sz="1000" b="0" i="1" dirty="0" smtClean="0">
+                        <a:latin typeface="Cambria Math"/>
+                      </a:rPr>
+                      <m:t> </m:t>
+                    </m:r>
+                    <m:r>
+                      <a:rPr lang="de-DE" sz="1000" b="0" i="1" dirty="0" smtClean="0">
+                        <a:latin typeface="Cambria Math"/>
+                      </a:rPr>
+                      <m:t>𝑉𝑜𝑥𝑒𝑙𝑠</m:t>
+                    </m:r>
+                    <m:r>
+                      <a:rPr lang="de-DE" sz="1000" b="0" i="1" dirty="0" smtClean="0">
+                        <a:latin typeface="Cambria Math"/>
+                      </a:rPr>
+                      <m:t> </m:t>
+                    </m:r>
+                    <m:r>
+                      <a:rPr lang="de-DE" sz="1000" i="1" dirty="0">
+                        <a:latin typeface="Cambria Math"/>
+                      </a:rPr>
+                      <m:t>𝑖𝑛𝑛𝑛𝑒𝑟h𝑎𝑙𝑏</m:t>
+                    </m:r>
+                    <m:r>
+                      <a:rPr lang="de-DE" sz="1000" i="1" dirty="0">
+                        <a:latin typeface="Cambria Math"/>
+                      </a:rPr>
+                      <m:t> </m:t>
+                    </m:r>
+                    <m:r>
+                      <a:rPr lang="de-DE" sz="1000" i="1" dirty="0">
+                        <a:latin typeface="Cambria Math"/>
+                      </a:rPr>
+                      <m:t>𝑑𝑒𝑠</m:t>
+                    </m:r>
+                    <m:r>
+                      <a:rPr lang="de-DE" sz="1000" i="1" dirty="0">
+                        <a:latin typeface="Cambria Math"/>
+                      </a:rPr>
+                      <m:t> </m:t>
+                    </m:r>
+                    <m:r>
+                      <a:rPr lang="de-DE" sz="1000" i="1" dirty="0">
+                        <a:latin typeface="Cambria Math"/>
+                      </a:rPr>
+                      <m:t>𝑇𝑢𝑝𝑒𝑙𝑠</m:t>
+                    </m:r>
+                  </m:oMath>
+                </a14:m>
+                <a:r>
+                  <a:rPr lang="de-DE" sz="900" dirty="0"/>
+                  <a:t>, </a:t>
+                </a:r>
+                <a:r>
+                  <a:rPr lang="de-DE" sz="900" dirty="0" smtClean="0"/>
+                  <a:t>dif</a:t>
+                </a:r>
+                <a14:m>
+                  <m:oMath xmlns:m="http://schemas.openxmlformats.org/officeDocument/2006/math">
+                    <m:d>
+                      <m:dPr>
+                        <m:ctrlPr>
+                          <a:rPr lang="de-DE" sz="900" i="1" dirty="0">
+                            <a:latin typeface="Cambria Math"/>
+                          </a:rPr>
+                        </m:ctrlPr>
+                      </m:dPr>
+                      <m:e>
+                        <m:r>
+                          <a:rPr lang="de-DE" sz="900" b="0" i="1" dirty="0" smtClean="0">
+                            <a:latin typeface="Cambria Math"/>
+                          </a:rPr>
+                          <m:t>𝑎</m:t>
+                        </m:r>
+                        <m:r>
+                          <a:rPr lang="de-DE" sz="900" b="0" i="1" dirty="0" smtClean="0">
+                            <a:latin typeface="Cambria Math"/>
+                          </a:rPr>
+                          <m:t>,</m:t>
+                        </m:r>
+                        <m:r>
+                          <a:rPr lang="de-DE" sz="900" b="0" i="1" dirty="0" smtClean="0">
+                            <a:latin typeface="Cambria Math"/>
+                          </a:rPr>
+                          <m:t>𝑏</m:t>
+                        </m:r>
+                      </m:e>
+                    </m:d>
+                    <m:r>
+                      <a:rPr lang="de-DE" sz="900" i="1" dirty="0">
+                        <a:latin typeface="Cambria Math"/>
+                      </a:rPr>
+                      <m:t>=</m:t>
+                    </m:r>
+                    <m:r>
+                      <a:rPr lang="de-DE" sz="900" b="0" i="1" dirty="0" smtClean="0">
+                        <a:latin typeface="Cambria Math"/>
+                      </a:rPr>
+                      <m:t>𝐷𝑖𝑓𝑓𝑒𝑟𝑒𝑛𝑧</m:t>
+                    </m:r>
+                    <m:r>
+                      <a:rPr lang="de-DE" sz="900" b="0" i="1" dirty="0" smtClean="0">
+                        <a:latin typeface="Cambria Math"/>
+                      </a:rPr>
+                      <m:t> </m:t>
+                    </m:r>
+                    <m:r>
+                      <a:rPr lang="de-DE" sz="900" b="0" i="1" dirty="0" smtClean="0">
+                        <a:latin typeface="Cambria Math"/>
+                      </a:rPr>
+                      <m:t>𝑧𝑤𝑖𝑠𝑐h𝑒𝑛</m:t>
+                    </m:r>
+                    <m:r>
+                      <a:rPr lang="de-DE" sz="900" b="0" i="1" dirty="0" smtClean="0">
+                        <a:latin typeface="Cambria Math"/>
+                      </a:rPr>
+                      <m:t> </m:t>
+                    </m:r>
+                    <m:r>
+                      <a:rPr lang="de-DE" sz="900" b="0" i="1" dirty="0" smtClean="0">
+                        <a:latin typeface="Cambria Math"/>
+                      </a:rPr>
+                      <m:t>𝑎</m:t>
+                    </m:r>
+                    <m:r>
+                      <a:rPr lang="de-DE" sz="900" b="0" i="1" dirty="0" smtClean="0">
+                        <a:latin typeface="Cambria Math"/>
+                      </a:rPr>
+                      <m:t> </m:t>
+                    </m:r>
+                    <m:r>
+                      <a:rPr lang="de-DE" sz="900" b="0" i="1" dirty="0" smtClean="0">
+                        <a:latin typeface="Cambria Math"/>
+                      </a:rPr>
+                      <m:t>𝑢𝑛𝑑</m:t>
+                    </m:r>
+                    <m:r>
+                      <a:rPr lang="de-DE" sz="900" b="0" i="1" dirty="0" smtClean="0">
+                        <a:latin typeface="Cambria Math"/>
+                      </a:rPr>
+                      <m:t> </m:t>
+                    </m:r>
+                    <m:r>
+                      <a:rPr lang="de-DE" sz="900" b="0" i="1" dirty="0" smtClean="0">
+                        <a:latin typeface="Cambria Math"/>
+                      </a:rPr>
+                      <m:t>𝑏</m:t>
+                    </m:r>
+                  </m:oMath>
+                </a14:m>
+                <a:endParaRPr lang="de-DE" sz="900" dirty="0"/>
+              </a:p>
+              <a:p>
+                <a:pPr marL="0" indent="0">
+                  <a:buNone/>
+                </a:pPr>
+                <a:endParaRPr lang="de-DE" sz="2000" dirty="0" smtClean="0"/>
+              </a:p>
+              <a:p>
+                <a:pPr marL="0" indent="0">
+                  <a:buNone/>
+                </a:pPr>
+                <a:r>
+                  <a:rPr lang="de-DE" sz="2000" dirty="0" smtClean="0"/>
+                  <a:t>Materialmischung zwischen den 8 Voxeln im Tupel (von 0-7 nummeriert):</a:t>
+                </a:r>
+              </a:p>
+              <a:p>
+                <a:pPr marL="0" indent="0">
+                  <a:buNone/>
+                </a:pPr>
+                <a14:m>
+                  <m:oMath xmlns:m="http://schemas.openxmlformats.org/officeDocument/2006/math">
+                    <m:r>
+                      <a:rPr lang="de-DE" sz="2000" b="0" i="1" smtClean="0">
+                        <a:latin typeface="Cambria Math"/>
+                      </a:rPr>
+                      <m:t>𝑚</m:t>
+                    </m:r>
+                    <m:r>
+                      <a:rPr lang="de-DE" sz="2000" i="1">
+                        <a:latin typeface="Cambria Math"/>
+                      </a:rPr>
+                      <m:t>= </m:t>
+                    </m:r>
+                    <m:f>
+                      <m:fPr>
+                        <m:ctrlPr>
+                          <a:rPr lang="de-DE" sz="2000" i="1" smtClean="0">
+                            <a:latin typeface="Cambria Math"/>
+                          </a:rPr>
+                        </m:ctrlPr>
+                      </m:fPr>
+                      <m:num>
+                        <m:nary>
+                          <m:naryPr>
+                            <m:chr m:val="∑"/>
+                            <m:ctrlPr>
+                              <a:rPr lang="de-DE" sz="2000" i="1" smtClean="0">
+                                <a:latin typeface="Cambria Math"/>
+                              </a:rPr>
+                            </m:ctrlPr>
+                          </m:naryPr>
+                          <m:sub>
+                            <m:r>
+                              <m:rPr>
+                                <m:brk m:alnAt="23"/>
+                              </m:rPr>
+                              <a:rPr lang="de-DE" sz="2000" b="0" i="1" smtClean="0">
+                                <a:latin typeface="Cambria Math"/>
+                              </a:rPr>
+                              <m:t>𝑖</m:t>
+                            </m:r>
+                            <m:r>
+                              <a:rPr lang="de-DE" sz="2000" b="0" i="1" smtClean="0">
+                                <a:latin typeface="Cambria Math"/>
+                              </a:rPr>
+                              <m:t>=0</m:t>
+                            </m:r>
+                          </m:sub>
+                          <m:sup>
+                            <m:r>
+                              <a:rPr lang="de-DE" sz="2000" b="0" i="1" smtClean="0">
+                                <a:latin typeface="Cambria Math"/>
+                              </a:rPr>
+                              <m:t>7</m:t>
+                            </m:r>
+                          </m:sup>
+                          <m:e>
+                            <m:sSub>
+                              <m:sSubPr>
+                                <m:ctrlPr>
+                                  <a:rPr lang="de-DE" sz="2000" i="1" smtClean="0">
+                                    <a:latin typeface="Cambria Math"/>
+                                  </a:rPr>
+                                </m:ctrlPr>
+                              </m:sSubPr>
+                              <m:e>
+                                <m:r>
+                                  <a:rPr lang="de-DE" sz="2000" b="0" i="1" smtClean="0">
+                                    <a:latin typeface="Cambria Math"/>
+                                  </a:rPr>
+                                  <m:t>𝑚</m:t>
+                                </m:r>
+                              </m:e>
+                              <m:sub>
+                                <m:r>
+                                  <a:rPr lang="de-DE" sz="2000" b="0" i="1" smtClean="0">
+                                    <a:latin typeface="Cambria Math"/>
+                                  </a:rPr>
+                                  <m:t>𝑖</m:t>
+                                </m:r>
+                              </m:sub>
+                            </m:sSub>
+                            <m:r>
+                              <a:rPr lang="de-DE" sz="2000" b="0" i="1" smtClean="0">
+                                <a:latin typeface="Cambria Math"/>
+                              </a:rPr>
+                              <m:t>∗</m:t>
+                            </m:r>
+                            <m:sSub>
+                              <m:sSubPr>
+                                <m:ctrlPr>
+                                  <a:rPr lang="de-DE" sz="2000" b="0" i="1" smtClean="0">
+                                    <a:latin typeface="Cambria Math"/>
+                                  </a:rPr>
+                                </m:ctrlPr>
+                              </m:sSubPr>
+                              <m:e>
+                                <m:r>
+                                  <a:rPr lang="de-DE" sz="2000" b="0" i="1" smtClean="0">
+                                    <a:latin typeface="Cambria Math"/>
+                                  </a:rPr>
+                                  <m:t>𝑎</m:t>
+                                </m:r>
+                              </m:e>
+                              <m:sub>
+                                <m:r>
+                                  <a:rPr lang="de-DE" sz="2000" b="0" i="1" smtClean="0">
+                                    <a:latin typeface="Cambria Math"/>
+                                  </a:rPr>
+                                  <m:t>𝑖</m:t>
+                                </m:r>
+                              </m:sub>
+                            </m:sSub>
+                            <m:r>
+                              <a:rPr lang="de-DE" sz="2000" b="0" i="1" smtClean="0">
+                                <a:latin typeface="Cambria Math"/>
+                              </a:rPr>
+                              <m:t>∗</m:t>
+                            </m:r>
+                            <m:sSub>
+                              <m:sSubPr>
+                                <m:ctrlPr>
+                                  <a:rPr lang="de-DE" sz="2000" b="0" i="1" smtClean="0">
+                                    <a:latin typeface="Cambria Math"/>
+                                  </a:rPr>
+                                </m:ctrlPr>
+                              </m:sSubPr>
+                              <m:e>
+                                <m:r>
+                                  <a:rPr lang="de-DE" sz="2000" b="0" i="1" smtClean="0">
+                                    <a:latin typeface="Cambria Math"/>
+                                  </a:rPr>
+                                  <m:t>𝑓</m:t>
+                                </m:r>
+                              </m:e>
+                              <m:sub>
+                                <m:r>
+                                  <a:rPr lang="de-DE" sz="2000" b="0" i="1" smtClean="0">
+                                    <a:latin typeface="Cambria Math"/>
+                                  </a:rPr>
+                                  <m:t>𝑖</m:t>
+                                </m:r>
+                              </m:sub>
+                            </m:sSub>
+                          </m:e>
+                        </m:nary>
+                      </m:num>
+                      <m:den>
+                        <m:nary>
+                          <m:naryPr>
+                            <m:chr m:val="∑"/>
+                            <m:ctrlPr>
+                              <a:rPr lang="de-DE" sz="2000" i="1" smtClean="0">
+                                <a:latin typeface="Cambria Math"/>
+                              </a:rPr>
+                            </m:ctrlPr>
+                          </m:naryPr>
+                          <m:sub>
+                            <m:r>
+                              <m:rPr>
+                                <m:brk m:alnAt="23"/>
+                              </m:rPr>
+                              <a:rPr lang="de-DE" sz="2000" b="0" i="1" smtClean="0">
+                                <a:latin typeface="Cambria Math"/>
+                              </a:rPr>
+                              <m:t>𝑖</m:t>
+                            </m:r>
+                            <m:r>
+                              <a:rPr lang="de-DE" sz="2000" b="0" i="1" smtClean="0">
+                                <a:latin typeface="Cambria Math"/>
+                              </a:rPr>
+                              <m:t>=0</m:t>
+                            </m:r>
+                          </m:sub>
+                          <m:sup>
+                            <m:r>
+                              <a:rPr lang="de-DE" sz="2000" b="0" i="1" smtClean="0">
+                                <a:latin typeface="Cambria Math"/>
+                              </a:rPr>
+                              <m:t>7</m:t>
+                            </m:r>
+                          </m:sup>
+                          <m:e>
+                            <m:sSub>
+                              <m:sSubPr>
+                                <m:ctrlPr>
+                                  <a:rPr lang="de-DE" sz="2000" i="1">
+                                    <a:latin typeface="Cambria Math"/>
+                                  </a:rPr>
+                                </m:ctrlPr>
+                              </m:sSubPr>
+                              <m:e>
+                                <m:r>
+                                  <a:rPr lang="de-DE" sz="2000" i="1">
+                                    <a:latin typeface="Cambria Math"/>
+                                  </a:rPr>
+                                  <m:t>𝑎</m:t>
+                                </m:r>
+                              </m:e>
+                              <m:sub>
+                                <m:r>
+                                  <a:rPr lang="de-DE" sz="2000" i="1">
+                                    <a:latin typeface="Cambria Math"/>
+                                  </a:rPr>
+                                  <m:t>𝑖</m:t>
+                                </m:r>
+                              </m:sub>
+                            </m:sSub>
+                            <m:r>
+                              <a:rPr lang="de-DE" sz="2000" i="1">
+                                <a:latin typeface="Cambria Math"/>
+                              </a:rPr>
+                              <m:t>∗</m:t>
+                            </m:r>
+                            <m:sSub>
+                              <m:sSubPr>
+                                <m:ctrlPr>
+                                  <a:rPr lang="de-DE" sz="2000" i="1">
+                                    <a:latin typeface="Cambria Math"/>
+                                  </a:rPr>
+                                </m:ctrlPr>
+                              </m:sSubPr>
+                              <m:e>
+                                <m:r>
+                                  <a:rPr lang="de-DE" sz="2000" i="1">
+                                    <a:latin typeface="Cambria Math"/>
+                                  </a:rPr>
+                                  <m:t>𝑓</m:t>
+                                </m:r>
+                              </m:e>
+                              <m:sub>
+                                <m:r>
+                                  <a:rPr lang="de-DE" sz="2000" i="1">
+                                    <a:latin typeface="Cambria Math"/>
+                                  </a:rPr>
+                                  <m:t>𝑖</m:t>
+                                </m:r>
+                              </m:sub>
+                            </m:sSub>
+                          </m:e>
+                        </m:nary>
+                      </m:den>
+                    </m:f>
+                  </m:oMath>
+                </a14:m>
+                <a:r>
+                  <a:rPr lang="de-DE" sz="2000" dirty="0" smtClean="0"/>
+                  <a:t> </a:t>
+                </a:r>
+              </a:p>
+              <a:p>
+                <a:pPr marL="0" indent="0">
+                  <a:buNone/>
+                </a:pPr>
+                <a14:m>
+                  <m:oMath xmlns:m="http://schemas.openxmlformats.org/officeDocument/2006/math">
+                    <m:r>
+                      <a:rPr lang="de-DE" sz="1100" i="1" dirty="0" smtClean="0">
+                        <a:latin typeface="Cambria Math"/>
+                      </a:rPr>
+                      <m:t>𝑚</m:t>
+                    </m:r>
+                    <m:r>
+                      <a:rPr lang="de-DE" sz="1100" b="0" i="1" dirty="0" smtClean="0">
+                        <a:latin typeface="Cambria Math"/>
+                      </a:rPr>
+                      <m:t>=</m:t>
+                    </m:r>
+                    <m:r>
+                      <a:rPr lang="de-DE" sz="1100" b="0" i="1" dirty="0" smtClean="0">
+                        <a:latin typeface="Cambria Math"/>
+                      </a:rPr>
+                      <m:t>𝑀𝑎𝑡𝑒𝑟𝑖𝑎𝑙𝑚𝑖𝑠𝑐h𝑢𝑛𝑔</m:t>
+                    </m:r>
+                  </m:oMath>
+                </a14:m>
+                <a:r>
+                  <a:rPr lang="de-DE" sz="1100" dirty="0"/>
+                  <a:t>, </a:t>
+                </a:r>
+                <a14:m>
+                  <m:oMath xmlns:m="http://schemas.openxmlformats.org/officeDocument/2006/math">
+                    <m:sSub>
+                      <m:sSubPr>
+                        <m:ctrlPr>
+                          <a:rPr lang="de-DE" sz="1100" i="1" dirty="0">
+                            <a:latin typeface="Cambria Math"/>
+                          </a:rPr>
+                        </m:ctrlPr>
+                      </m:sSubPr>
+                      <m:e>
+                        <m:r>
+                          <a:rPr lang="de-DE" sz="1100" b="0" i="1" dirty="0" smtClean="0">
+                            <a:latin typeface="Cambria Math"/>
+                          </a:rPr>
+                          <m:t>𝑚</m:t>
+                        </m:r>
+                      </m:e>
+                      <m:sub>
+                        <m:r>
+                          <a:rPr lang="de-DE" sz="1100" b="0" i="1" dirty="0" smtClean="0">
+                            <a:latin typeface="Cambria Math"/>
+                          </a:rPr>
+                          <m:t>𝑖</m:t>
+                        </m:r>
+                      </m:sub>
+                    </m:sSub>
+                    <m:r>
+                      <a:rPr lang="de-DE" sz="1100" i="1" dirty="0">
+                        <a:latin typeface="Cambria Math"/>
+                      </a:rPr>
+                      <m:t>=</m:t>
+                    </m:r>
+                    <m:r>
+                      <a:rPr lang="de-DE" sz="1100" b="0" i="1" dirty="0" smtClean="0">
+                        <a:latin typeface="Cambria Math"/>
+                      </a:rPr>
+                      <m:t>𝑀𝑎𝑡𝑒𝑟𝑖𝑎𝑙𝑒𝑖𝑔𝑒𝑛𝑠𝑐h𝑎𝑓𝑡</m:t>
+                    </m:r>
+                    <m:r>
+                      <a:rPr lang="de-DE" sz="1100" b="0" i="1" dirty="0" smtClean="0">
+                        <a:latin typeface="Cambria Math"/>
+                      </a:rPr>
+                      <m:t> </m:t>
+                    </m:r>
+                    <m:r>
+                      <a:rPr lang="de-DE" sz="1100" b="0" i="1" dirty="0" smtClean="0">
+                        <a:latin typeface="Cambria Math"/>
+                      </a:rPr>
+                      <m:t>𝑑𝑒𝑠</m:t>
+                    </m:r>
+                    <m:r>
+                      <a:rPr lang="de-DE" sz="1100" b="0" i="1" dirty="0" smtClean="0">
+                        <a:latin typeface="Cambria Math"/>
+                      </a:rPr>
+                      <m:t> </m:t>
+                    </m:r>
+                    <m:r>
+                      <a:rPr lang="de-DE" sz="1100" b="0" i="1" dirty="0" smtClean="0">
+                        <a:latin typeface="Cambria Math"/>
+                      </a:rPr>
+                      <m:t>𝑖</m:t>
+                    </m:r>
+                    <m:r>
+                      <a:rPr lang="de-DE" sz="1100" b="0" i="1" dirty="0" smtClean="0">
+                        <a:latin typeface="Cambria Math"/>
+                      </a:rPr>
+                      <m:t>−</m:t>
+                    </m:r>
+                    <m:r>
+                      <a:rPr lang="de-DE" sz="1100" b="0" i="1" dirty="0" smtClean="0">
+                        <a:latin typeface="Cambria Math"/>
+                      </a:rPr>
+                      <m:t>𝑡𝑒𝑛</m:t>
+                    </m:r>
+                    <m:r>
+                      <a:rPr lang="de-DE" sz="1100" b="0" i="1" dirty="0" smtClean="0">
+                        <a:latin typeface="Cambria Math"/>
+                      </a:rPr>
+                      <m:t> </m:t>
+                    </m:r>
+                    <m:r>
+                      <a:rPr lang="de-DE" sz="1100" b="0" i="1" dirty="0" smtClean="0">
+                        <a:latin typeface="Cambria Math"/>
+                      </a:rPr>
+                      <m:t>𝑉𝑜𝑥𝑒𝑙𝑠</m:t>
+                    </m:r>
+                  </m:oMath>
+                </a14:m>
+                <a:r>
+                  <a:rPr lang="de-DE" sz="1100" dirty="0"/>
+                  <a:t>,</a:t>
+                </a:r>
+                <a14:m>
+                  <m:oMath xmlns:m="http://schemas.openxmlformats.org/officeDocument/2006/math">
+                    <m:sSub>
+                      <m:sSubPr>
+                        <m:ctrlPr>
+                          <a:rPr lang="de-DE" sz="1100" i="1" dirty="0">
+                            <a:latin typeface="Cambria Math"/>
+                          </a:rPr>
+                        </m:ctrlPr>
+                      </m:sSubPr>
+                      <m:e>
+                        <m:r>
+                          <a:rPr lang="de-DE" sz="1100" b="0" i="1" dirty="0" smtClean="0">
+                            <a:latin typeface="Cambria Math"/>
+                          </a:rPr>
+                          <m:t> </m:t>
+                        </m:r>
+                        <m:r>
+                          <a:rPr lang="de-DE" sz="1100" b="0" i="1" dirty="0" smtClean="0">
+                            <a:latin typeface="Cambria Math"/>
+                          </a:rPr>
+                          <m:t>𝑎</m:t>
+                        </m:r>
+                      </m:e>
+                      <m:sub>
+                        <m:r>
+                          <a:rPr lang="de-DE" sz="1100" b="0" i="1" dirty="0" smtClean="0">
+                            <a:latin typeface="Cambria Math"/>
+                          </a:rPr>
+                          <m:t>𝑖</m:t>
+                        </m:r>
+                      </m:sub>
+                    </m:sSub>
+                    <m:r>
+                      <a:rPr lang="de-DE" sz="1100" i="1" dirty="0">
+                        <a:latin typeface="Cambria Math"/>
+                      </a:rPr>
+                      <m:t>=</m:t>
+                    </m:r>
+                    <m:r>
+                      <a:rPr lang="de-DE" sz="1100" b="0" i="1" dirty="0" smtClean="0">
+                        <a:latin typeface="Cambria Math"/>
+                      </a:rPr>
+                      <m:t>𝐴𝑏𝑠𝑡𝑎𝑛𝑑</m:t>
+                    </m:r>
+                    <m:r>
+                      <a:rPr lang="de-DE" sz="1100" b="0" i="1" dirty="0" smtClean="0">
+                        <a:latin typeface="Cambria Math"/>
+                      </a:rPr>
+                      <m:t> </m:t>
+                    </m:r>
+                    <m:r>
+                      <a:rPr lang="de-DE" sz="1100" b="0" i="1" dirty="0" smtClean="0">
+                        <a:latin typeface="Cambria Math"/>
+                      </a:rPr>
+                      <m:t>𝑣𝑜𝑚</m:t>
+                    </m:r>
+                    <m:r>
+                      <a:rPr lang="de-DE" sz="1100" b="0" i="1" dirty="0" smtClean="0">
+                        <a:latin typeface="Cambria Math"/>
+                      </a:rPr>
+                      <m:t> </m:t>
+                    </m:r>
+                    <m:r>
+                      <a:rPr lang="de-DE" sz="1100" b="0" i="1" dirty="0" smtClean="0">
+                        <a:latin typeface="Cambria Math"/>
+                      </a:rPr>
+                      <m:t>𝑖</m:t>
+                    </m:r>
+                    <m:r>
+                      <a:rPr lang="de-DE" sz="1100" b="0" i="1" dirty="0" smtClean="0">
+                        <a:latin typeface="Cambria Math"/>
+                      </a:rPr>
+                      <m:t>−</m:t>
+                    </m:r>
+                    <m:r>
+                      <a:rPr lang="de-DE" sz="1100" b="0" i="1" dirty="0" smtClean="0">
+                        <a:latin typeface="Cambria Math"/>
+                      </a:rPr>
+                      <m:t>𝑡𝑒𝑛</m:t>
+                    </m:r>
+                    <m:r>
+                      <a:rPr lang="de-DE" sz="1100" b="0" i="1" dirty="0" smtClean="0">
+                        <a:latin typeface="Cambria Math"/>
+                      </a:rPr>
+                      <m:t> </m:t>
+                    </m:r>
+                    <m:r>
+                      <a:rPr lang="de-DE" sz="1100" b="0" i="1" dirty="0" smtClean="0">
+                        <a:latin typeface="Cambria Math"/>
+                      </a:rPr>
+                      <m:t>𝑉𝑜𝑥𝑒𝑙</m:t>
+                    </m:r>
+                    <m:r>
+                      <m:rPr>
+                        <m:nor/>
+                      </m:rPr>
+                      <a:rPr lang="de-DE" sz="1100" dirty="0"/>
+                      <m:t>,</m:t>
+                    </m:r>
+                    <m:sSub>
+                      <m:sSubPr>
+                        <m:ctrlPr>
+                          <a:rPr lang="de-DE" sz="1100" i="1" dirty="0">
+                            <a:latin typeface="Cambria Math"/>
+                          </a:rPr>
+                        </m:ctrlPr>
+                      </m:sSubPr>
+                      <m:e>
+                        <m:r>
+                          <a:rPr lang="de-DE" sz="1100" i="1" dirty="0">
+                            <a:latin typeface="Cambria Math"/>
+                          </a:rPr>
+                          <m:t> </m:t>
+                        </m:r>
+                        <m:r>
+                          <a:rPr lang="de-DE" sz="1100" b="0" i="1" dirty="0" smtClean="0">
+                            <a:latin typeface="Cambria Math"/>
+                          </a:rPr>
+                          <m:t>𝑓</m:t>
+                        </m:r>
+                      </m:e>
+                      <m:sub>
+                        <m:r>
+                          <a:rPr lang="de-DE" sz="1100" i="1" dirty="0">
+                            <a:latin typeface="Cambria Math"/>
+                          </a:rPr>
+                          <m:t>𝑖</m:t>
+                        </m:r>
+                      </m:sub>
+                    </m:sSub>
+                    <m:r>
+                      <a:rPr lang="de-DE" sz="1100" i="1" dirty="0">
+                        <a:latin typeface="Cambria Math"/>
+                      </a:rPr>
+                      <m:t>=</m:t>
+                    </m:r>
+                    <m:r>
+                      <a:rPr lang="de-DE" sz="1100" b="0" i="1" dirty="0" smtClean="0">
+                        <a:latin typeface="Cambria Math"/>
+                      </a:rPr>
+                      <m:t>𝐹</m:t>
+                    </m:r>
+                    <m:r>
+                      <a:rPr lang="de-DE" sz="1100" b="0" i="1" dirty="0" smtClean="0">
+                        <a:latin typeface="Cambria Math"/>
+                      </a:rPr>
+                      <m:t>ü</m:t>
+                    </m:r>
+                    <m:r>
+                      <a:rPr lang="de-DE" sz="1100" b="0" i="1" dirty="0" smtClean="0">
+                        <a:latin typeface="Cambria Math"/>
+                      </a:rPr>
+                      <m:t>𝑙𝑙𝑚𝑒𝑛𝑔𝑒</m:t>
+                    </m:r>
+                    <m:r>
+                      <a:rPr lang="de-DE" sz="1100" b="0" i="1" dirty="0" smtClean="0">
+                        <a:latin typeface="Cambria Math"/>
+                      </a:rPr>
+                      <m:t> </m:t>
+                    </m:r>
+                    <m:r>
+                      <a:rPr lang="de-DE" sz="1100" b="0" i="1" dirty="0" smtClean="0">
+                        <a:latin typeface="Cambria Math"/>
+                      </a:rPr>
+                      <m:t>𝑑𝑒𝑠</m:t>
+                    </m:r>
+                    <m:r>
+                      <a:rPr lang="de-DE" sz="1100" b="0" i="1" dirty="0" smtClean="0">
+                        <a:latin typeface="Cambria Math"/>
+                      </a:rPr>
+                      <m:t> </m:t>
+                    </m:r>
+                    <m:r>
+                      <a:rPr lang="de-DE" sz="1100" i="1" dirty="0">
+                        <a:latin typeface="Cambria Math"/>
+                      </a:rPr>
+                      <m:t>𝑖</m:t>
+                    </m:r>
+                    <m:r>
+                      <a:rPr lang="de-DE" sz="1100" i="1" dirty="0">
+                        <a:latin typeface="Cambria Math"/>
+                      </a:rPr>
+                      <m:t>−</m:t>
+                    </m:r>
+                    <m:r>
+                      <a:rPr lang="de-DE" sz="1100" i="1" dirty="0">
+                        <a:latin typeface="Cambria Math"/>
+                      </a:rPr>
+                      <m:t>𝑡𝑒𝑛</m:t>
+                    </m:r>
+                    <m:r>
+                      <a:rPr lang="de-DE" sz="1100" i="1" dirty="0">
+                        <a:latin typeface="Cambria Math"/>
+                      </a:rPr>
+                      <m:t> </m:t>
+                    </m:r>
+                    <m:r>
+                      <a:rPr lang="de-DE" sz="1100" i="1" dirty="0">
+                        <a:latin typeface="Cambria Math"/>
+                      </a:rPr>
+                      <m:t>𝑉𝑜𝑥𝑒𝑙𝑠</m:t>
+                    </m:r>
+                  </m:oMath>
+                </a14:m>
+                <a:endParaRPr lang="de-DE" sz="2000" dirty="0"/>
+              </a:p>
+              <a:p>
+                <a:pPr marL="0" indent="0">
+                  <a:buNone/>
+                </a:pPr>
+                <a:endParaRPr lang="de-DE" sz="2000" dirty="0" smtClean="0"/>
+              </a:p>
+            </p:txBody>
+          </p:sp>
+        </mc:Choice>
+        <mc:Fallback>
+          <p:sp>
+            <p:nvSpPr>
+              <p:cNvPr id="3" name="Inhaltsplatzhalter 2"/>
+              <p:cNvSpPr>
+                <a:spLocks noGrp="1" noRot="1" noChangeAspect="1" noMove="1" noResize="1" noEditPoints="1" noAdjustHandles="1" noChangeArrowheads="1" noChangeShapeType="1" noTextEdit="1"/>
+              </p:cNvSpPr>
+              <p:nvPr>
+                <p:ph idx="1"/>
+              </p:nvPr>
+            </p:nvSpPr>
+            <p:spPr>
+              <a:xfrm>
+                <a:off x="446856" y="1883965"/>
+                <a:ext cx="8229600" cy="3993307"/>
+              </a:xfrm>
+              <a:blipFill rotWithShape="1">
+                <a:blip r:embed="rId2"/>
+                <a:stretch>
+                  <a:fillRect l="-741" t="-763"/>
+                </a:stretch>
+              </a:blipFill>
+            </p:spPr>
+            <p:txBody>
+              <a:bodyPr/>
+              <a:lstStyle/>
+              <a:p>
+                <a:r>
+                  <a:rPr lang="de-DE">
+                    <a:noFill/>
+                  </a:rPr>
+                  <a:t> </a:t>
+                </a:r>
+              </a:p>
+            </p:txBody>
+          </p:sp>
+        </mc:Fallback>
+      </mc:AlternateContent>
+      <p:sp>
+        <p:nvSpPr>
+          <p:cNvPr id="4" name="Datumsplatzhalter 3"/>
+          <p:cNvSpPr>
+            <a:spLocks noGrp="1"/>
+          </p:cNvSpPr>
+          <p:nvPr>
+            <p:ph type="dt" sz="half" idx="10"/>
+          </p:nvPr>
+        </p:nvSpPr>
+        <p:spPr/>
+        <p:txBody>
+          <a:bodyPr/>
+          <a:lstStyle/>
+          <a:p>
+            <a:r>
+              <a:rPr lang="de-DE" dirty="0" smtClean="0"/>
+              <a:t>27.11.2018</a:t>
+            </a:r>
+            <a:endParaRPr lang="de-DE" dirty="0"/>
+          </a:p>
+        </p:txBody>
+      </p:sp>
+      <p:sp>
+        <p:nvSpPr>
+          <p:cNvPr id="5" name="Fußzeilenplatzhalter 4"/>
+          <p:cNvSpPr>
+            <a:spLocks noGrp="1"/>
+          </p:cNvSpPr>
+          <p:nvPr>
+            <p:ph type="ftr" sz="quarter" idx="11"/>
+          </p:nvPr>
+        </p:nvSpPr>
+        <p:spPr/>
+        <p:txBody>
+          <a:bodyPr/>
+          <a:lstStyle/>
+          <a:p>
+            <a:r>
+              <a:rPr lang="de-DE" smtClean="0"/>
+              <a:t>Matthias Mettenleiter</a:t>
+            </a:r>
+            <a:endParaRPr lang="de-DE"/>
+          </a:p>
+        </p:txBody>
+      </p:sp>
+      <p:sp>
+        <p:nvSpPr>
+          <p:cNvPr id="6" name="Foliennummernplatzhalter 5"/>
+          <p:cNvSpPr>
+            <a:spLocks noGrp="1"/>
+          </p:cNvSpPr>
+          <p:nvPr>
+            <p:ph type="sldNum" sz="quarter" idx="12"/>
+          </p:nvPr>
+        </p:nvSpPr>
+        <p:spPr/>
+        <p:txBody>
+          <a:bodyPr/>
+          <a:lstStyle/>
+          <a:p>
+            <a:fld id="{B19EDA2B-D1ED-49F1-A641-C679BE89B1F0}" type="slidenum">
+              <a:rPr lang="de-DE" smtClean="0"/>
+              <a:pPr/>
+              <a:t>12</a:t>
+            </a:fld>
+            <a:endParaRPr lang="de-DE"/>
+          </a:p>
+        </p:txBody>
+      </p:sp>
+    </p:spTree>
+    <p:extLst>
+      <p:ext uri="{BB962C8B-B14F-4D97-AF65-F5344CB8AC3E}">
+        <p14:creationId xmlns:p14="http://schemas.microsoft.com/office/powerpoint/2010/main" val="3670135146"/>
+      </p:ext>
+    </p:extLst>
+  </p:cSld>
+  <p:clrMapOvr>
+    <a:masterClrMapping/>
+  </p:clrMapOvr>
+  <p:timing>
+    <p:tnLst>
+      <p:par>
+        <p:cTn id="1" dur="indefinite" restart="never" nodeType="tmRoot"/>
+      </p:par>
+    </p:tnLst>
+  </p:timing>
+</p:sld>
+</file>
+
+<file path=ppt/slides/slide13.xml><?xml version="1.0" encoding="utf-8"?>
+<p:sld xmlns:a="http://schemas.openxmlformats.org/drawingml/2006/main" xmlns:r="http://schemas.openxmlformats.org/officeDocument/2006/relationships" xmlns:p="http://schemas.openxmlformats.org/presentationml/2006/main">
+  <p:cSld>
+    <p:spTree>
+      <p:nvGrpSpPr>
+        <p:cNvPr id="1" name=""/>
+        <p:cNvGrpSpPr/>
+        <p:nvPr/>
+      </p:nvGrpSpPr>
+      <p:grpSpPr>
+        <a:xfrm>
+          <a:off x="0" y="0"/>
+          <a:ext cx="0" cy="0"/>
+          <a:chOff x="0" y="0"/>
+          <a:chExt cx="0" cy="0"/>
+        </a:xfrm>
+      </p:grpSpPr>
+      <p:sp>
+        <p:nvSpPr>
+          <p:cNvPr id="2" name="Titel 1"/>
+          <p:cNvSpPr>
+            <a:spLocks noGrp="1"/>
+          </p:cNvSpPr>
+          <p:nvPr>
+            <p:ph type="title"/>
+          </p:nvPr>
+        </p:nvSpPr>
+        <p:spPr/>
+        <p:txBody>
+          <a:bodyPr/>
+          <a:lstStyle/>
+          <a:p>
+            <a:r>
+              <a:rPr lang="de-DE" dirty="0" smtClean="0"/>
+              <a:t>Fazit</a:t>
+            </a:r>
+            <a:endParaRPr lang="de-DE" dirty="0"/>
+          </a:p>
+        </p:txBody>
+      </p:sp>
+      <p:sp>
+        <p:nvSpPr>
+          <p:cNvPr id="3" name="Inhaltsplatzhalter 2"/>
+          <p:cNvSpPr>
+            <a:spLocks noGrp="1"/>
+          </p:cNvSpPr>
+          <p:nvPr>
+            <p:ph idx="1"/>
+          </p:nvPr>
+        </p:nvSpPr>
+        <p:spPr>
+          <a:xfrm>
+            <a:off x="467544" y="2780928"/>
+            <a:ext cx="8229600" cy="2481139"/>
+          </a:xfrm>
+        </p:spPr>
+        <p:txBody>
+          <a:bodyPr>
+            <a:normAutofit/>
+          </a:bodyPr>
+          <a:lstStyle/>
+          <a:p>
+            <a:r>
+              <a:rPr lang="de-DE" sz="2400" dirty="0" smtClean="0"/>
+              <a:t>Die entwickelte Methode ermöglicht unterschiedlich große und komplexe Oberflächen über den Marching Cubes Algorithmus aus konstruierten Voxeldaten zu rendern.</a:t>
+            </a:r>
+            <a:endParaRPr lang="de-DE" sz="2400" dirty="0" smtClean="0"/>
+          </a:p>
+          <a:p>
+            <a:r>
+              <a:rPr lang="de-DE" sz="2400" dirty="0" smtClean="0"/>
+              <a:t>Optimierungen und Änderungen wären denkbar</a:t>
+            </a:r>
+            <a:endParaRPr lang="de-DE" sz="2400" dirty="0" smtClean="0"/>
+          </a:p>
+        </p:txBody>
+      </p:sp>
+      <p:sp>
+        <p:nvSpPr>
+          <p:cNvPr id="4" name="Datumsplatzhalter 3"/>
+          <p:cNvSpPr>
+            <a:spLocks noGrp="1"/>
+          </p:cNvSpPr>
+          <p:nvPr>
+            <p:ph type="dt" sz="half" idx="10"/>
+          </p:nvPr>
+        </p:nvSpPr>
+        <p:spPr/>
+        <p:txBody>
+          <a:bodyPr/>
+          <a:lstStyle/>
+          <a:p>
+            <a:r>
+              <a:rPr lang="de-DE" dirty="0" smtClean="0"/>
+              <a:t>27.11.2018</a:t>
+            </a:r>
+            <a:endParaRPr lang="de-DE" dirty="0"/>
+          </a:p>
+        </p:txBody>
+      </p:sp>
+      <p:sp>
+        <p:nvSpPr>
+          <p:cNvPr id="5" name="Fußzeilenplatzhalter 4"/>
+          <p:cNvSpPr>
+            <a:spLocks noGrp="1"/>
+          </p:cNvSpPr>
+          <p:nvPr>
+            <p:ph type="ftr" sz="quarter" idx="11"/>
+          </p:nvPr>
+        </p:nvSpPr>
+        <p:spPr/>
+        <p:txBody>
+          <a:bodyPr/>
+          <a:lstStyle/>
+          <a:p>
+            <a:r>
+              <a:rPr lang="de-DE" smtClean="0"/>
+              <a:t>Matthias Mettenleiter</a:t>
+            </a:r>
+            <a:endParaRPr lang="de-DE"/>
+          </a:p>
+        </p:txBody>
+      </p:sp>
+      <p:sp>
+        <p:nvSpPr>
+          <p:cNvPr id="6" name="Foliennummernplatzhalter 5"/>
+          <p:cNvSpPr>
+            <a:spLocks noGrp="1"/>
+          </p:cNvSpPr>
+          <p:nvPr>
+            <p:ph type="sldNum" sz="quarter" idx="12"/>
+          </p:nvPr>
+        </p:nvSpPr>
+        <p:spPr/>
+        <p:txBody>
+          <a:bodyPr/>
+          <a:lstStyle/>
+          <a:p>
+            <a:fld id="{B19EDA2B-D1ED-49F1-A641-C679BE89B1F0}" type="slidenum">
+              <a:rPr lang="de-DE" smtClean="0"/>
+              <a:pPr/>
+              <a:t>13</a:t>
+            </a:fld>
+            <a:endParaRPr lang="de-DE"/>
+          </a:p>
+        </p:txBody>
+      </p:sp>
+    </p:spTree>
+    <p:extLst>
+      <p:ext uri="{BB962C8B-B14F-4D97-AF65-F5344CB8AC3E}">
+        <p14:creationId xmlns:p14="http://schemas.microsoft.com/office/powerpoint/2010/main" val="3088485612"/>
+      </p:ext>
+    </p:extLst>
+  </p:cSld>
+  <p:clrMapOvr>
+    <a:masterClrMapping/>
+  </p:clrMapOvr>
+  <p:timing>
+    <p:tnLst>
+      <p:par>
+        <p:cTn id="1" dur="indefinite" restart="never" nodeType="tmRoot"/>
+      </p:par>
+    </p:tnLst>
+  </p:timing>
+</p:sld>
+</file>
+
+<file path=ppt/slides/slide14.xml><?xml version="1.0" encoding="utf-8"?>
+<p:sld xmlns:a="http://schemas.openxmlformats.org/drawingml/2006/main" xmlns:r="http://schemas.openxmlformats.org/officeDocument/2006/relationships" xmlns:p="http://schemas.openxmlformats.org/presentationml/2006/main">
+  <p:cSld>
+    <p:spTree>
+      <p:nvGrpSpPr>
+        <p:cNvPr id="1" name=""/>
+        <p:cNvGrpSpPr/>
+        <p:nvPr/>
+      </p:nvGrpSpPr>
+      <p:grpSpPr>
+        <a:xfrm>
+          <a:off x="0" y="0"/>
+          <a:ext cx="0" cy="0"/>
+          <a:chOff x="0" y="0"/>
+          <a:chExt cx="0" cy="0"/>
+        </a:xfrm>
+      </p:grpSpPr>
+      <p:sp>
+        <p:nvSpPr>
+          <p:cNvPr id="2" name="Titel 1"/>
+          <p:cNvSpPr>
+            <a:spLocks noGrp="1"/>
+          </p:cNvSpPr>
+          <p:nvPr>
+            <p:ph type="title"/>
+          </p:nvPr>
+        </p:nvSpPr>
+        <p:spPr/>
+        <p:txBody>
+          <a:bodyPr/>
+          <a:lstStyle/>
+          <a:p>
+            <a:r>
+              <a:rPr lang="de-DE" dirty="0" smtClean="0"/>
+              <a:t>Ausblic</a:t>
+            </a:r>
+            <a:r>
+              <a:rPr lang="de-DE" dirty="0"/>
+              <a:t>k</a:t>
+            </a:r>
+            <a:endParaRPr lang="de-DE" dirty="0"/>
+          </a:p>
+        </p:txBody>
+      </p:sp>
+      <p:sp>
+        <p:nvSpPr>
+          <p:cNvPr id="3" name="Inhaltsplatzhalter 2"/>
+          <p:cNvSpPr>
+            <a:spLocks noGrp="1"/>
+          </p:cNvSpPr>
+          <p:nvPr>
+            <p:ph idx="1"/>
+          </p:nvPr>
+        </p:nvSpPr>
+        <p:spPr>
+          <a:xfrm>
+            <a:off x="467544" y="2276872"/>
+            <a:ext cx="8229600" cy="3273227"/>
+          </a:xfrm>
+        </p:spPr>
+        <p:txBody>
+          <a:bodyPr>
+            <a:noAutofit/>
+          </a:bodyPr>
+          <a:lstStyle/>
+          <a:p>
+            <a:r>
+              <a:rPr lang="de-DE" sz="1600" dirty="0"/>
+              <a:t>Die Lookup-Table kann angepasst werden, </a:t>
+            </a:r>
+            <a:r>
+              <a:rPr lang="de-DE" sz="1600" dirty="0" smtClean="0"/>
+              <a:t>um die </a:t>
+            </a:r>
+            <a:r>
+              <a:rPr lang="de-DE" sz="1600" dirty="0"/>
+              <a:t>Trennung der </a:t>
+            </a:r>
+            <a:r>
+              <a:rPr lang="de-DE" sz="1600" dirty="0" smtClean="0"/>
+              <a:t>gefüllten </a:t>
+            </a:r>
+            <a:r>
+              <a:rPr lang="de-DE" sz="1600" dirty="0"/>
+              <a:t>von den </a:t>
+            </a:r>
+            <a:r>
+              <a:rPr lang="de-DE" sz="1600" dirty="0" smtClean="0"/>
+              <a:t>nicht gefüllten </a:t>
+            </a:r>
+            <a:r>
+              <a:rPr lang="de-DE" sz="1600" dirty="0"/>
+              <a:t>Voxeln </a:t>
+            </a:r>
+            <a:r>
+              <a:rPr lang="de-DE" sz="1600" dirty="0"/>
+              <a:t>ü</a:t>
+            </a:r>
+            <a:r>
+              <a:rPr lang="de-DE" sz="1600" dirty="0" smtClean="0"/>
+              <a:t>ber </a:t>
+            </a:r>
+            <a:r>
+              <a:rPr lang="de-DE" sz="1600" dirty="0"/>
+              <a:t>andere </a:t>
+            </a:r>
+            <a:r>
+              <a:rPr lang="de-DE" sz="1600" dirty="0" smtClean="0"/>
+              <a:t>Oberflächen vorzunehmen. Dabei </a:t>
+            </a:r>
+            <a:r>
+              <a:rPr lang="de-DE" sz="1600" dirty="0"/>
+              <a:t>ist es denkbar, zu </a:t>
+            </a:r>
+            <a:r>
+              <a:rPr lang="de-DE" sz="1600" dirty="0" smtClean="0"/>
+              <a:t>berücksichtigen, wie </a:t>
+            </a:r>
+            <a:r>
+              <a:rPr lang="de-DE" sz="1600" dirty="0"/>
+              <a:t>sich unterschiedliche </a:t>
+            </a:r>
+            <a:r>
+              <a:rPr lang="de-DE" sz="1600" dirty="0" smtClean="0"/>
+              <a:t>Materialien zueinander </a:t>
+            </a:r>
+            <a:r>
+              <a:rPr lang="de-DE" sz="1600" dirty="0"/>
+              <a:t>verhalten. So kann eine </a:t>
+            </a:r>
+            <a:r>
+              <a:rPr lang="de-DE" sz="1600" dirty="0" smtClean="0"/>
+              <a:t>Methode entwickelt </a:t>
+            </a:r>
+            <a:r>
+              <a:rPr lang="de-DE" sz="1600" dirty="0"/>
+              <a:t>werden, gleichartige Materialien </a:t>
+            </a:r>
+            <a:r>
+              <a:rPr lang="de-DE" sz="1600" dirty="0" smtClean="0"/>
+              <a:t>zu verbinden </a:t>
+            </a:r>
+            <a:r>
+              <a:rPr lang="de-DE" sz="1600" dirty="0"/>
+              <a:t>und unterschiedliche Materialien </a:t>
+            </a:r>
+            <a:r>
+              <a:rPr lang="de-DE" sz="1600" dirty="0" smtClean="0"/>
+              <a:t>zu trennen</a:t>
+            </a:r>
+            <a:r>
+              <a:rPr lang="de-DE" sz="1600" dirty="0"/>
+              <a:t>. Dazu ist auch zu beachten, wie </a:t>
+            </a:r>
+            <a:r>
+              <a:rPr lang="de-DE" sz="1600" dirty="0" smtClean="0"/>
+              <a:t>sich die Übergänge </a:t>
+            </a:r>
+            <a:r>
+              <a:rPr lang="de-DE" sz="1600" dirty="0"/>
+              <a:t>zwischen den Materialien </a:t>
+            </a:r>
+            <a:r>
+              <a:rPr lang="de-DE" sz="1600" dirty="0" smtClean="0"/>
+              <a:t>an solchen </a:t>
+            </a:r>
+            <a:r>
+              <a:rPr lang="de-DE" sz="1600" dirty="0"/>
+              <a:t>Stellen verhalten.</a:t>
+            </a:r>
+          </a:p>
+          <a:p>
+            <a:r>
+              <a:rPr lang="de-DE" sz="1600" dirty="0" smtClean="0"/>
+              <a:t>Die </a:t>
+            </a:r>
+            <a:r>
+              <a:rPr lang="de-DE" sz="1600" dirty="0"/>
+              <a:t>Normalen an den Vertices </a:t>
+            </a:r>
+            <a:r>
+              <a:rPr lang="de-DE" sz="1600" dirty="0" smtClean="0"/>
+              <a:t>können </a:t>
+            </a:r>
+            <a:r>
+              <a:rPr lang="de-DE" sz="1600" dirty="0"/>
+              <a:t>so </a:t>
+            </a:r>
+            <a:r>
+              <a:rPr lang="de-DE" sz="1600" dirty="0" smtClean="0"/>
+              <a:t>angepasst werden</a:t>
+            </a:r>
+            <a:r>
+              <a:rPr lang="de-DE" sz="1600" dirty="0"/>
+              <a:t>, dass ein eher fließender </a:t>
+            </a:r>
+            <a:r>
+              <a:rPr lang="de-DE" sz="1600" dirty="0" smtClean="0"/>
+              <a:t>Übergang an </a:t>
+            </a:r>
+            <a:r>
+              <a:rPr lang="de-DE" sz="1600" dirty="0"/>
+              <a:t>den Kanten stattfindet, der die </a:t>
+            </a:r>
+            <a:r>
+              <a:rPr lang="de-DE" sz="1600" dirty="0" smtClean="0"/>
+              <a:t>Beleuchtung beeinflusst</a:t>
+            </a:r>
+            <a:r>
+              <a:rPr lang="de-DE" sz="1600" dirty="0"/>
+              <a:t>. Dieses Verhalten </a:t>
+            </a:r>
+            <a:r>
+              <a:rPr lang="de-DE" sz="1600" dirty="0" smtClean="0"/>
+              <a:t>könnte vom </a:t>
+            </a:r>
+            <a:r>
+              <a:rPr lang="de-DE" sz="1600" dirty="0"/>
+              <a:t>Winkel zwischen den </a:t>
+            </a:r>
+            <a:r>
+              <a:rPr lang="de-DE" sz="1600" dirty="0" smtClean="0"/>
+              <a:t>Flächen </a:t>
+            </a:r>
+            <a:r>
+              <a:rPr lang="de-DE" sz="1600" dirty="0"/>
+              <a:t>an den </a:t>
+            </a:r>
+            <a:r>
+              <a:rPr lang="de-DE" sz="1600" dirty="0" smtClean="0"/>
+              <a:t>Kanten abhängig </a:t>
+            </a:r>
+            <a:r>
+              <a:rPr lang="de-DE" sz="1600" dirty="0"/>
+              <a:t>gemacht werden. Es ist auch </a:t>
+            </a:r>
+            <a:r>
+              <a:rPr lang="de-DE" sz="1600" dirty="0" smtClean="0"/>
+              <a:t>hier möglich </a:t>
+            </a:r>
+            <a:r>
+              <a:rPr lang="de-DE" sz="1600" dirty="0"/>
+              <a:t>dieses Verhalten von den </a:t>
+            </a:r>
+            <a:r>
+              <a:rPr lang="de-DE" sz="1600" dirty="0" smtClean="0"/>
+              <a:t>Materialien abhängig </a:t>
+            </a:r>
+            <a:r>
+              <a:rPr lang="de-DE" sz="1600" dirty="0"/>
+              <a:t>zu machen, so dass es Materialien </a:t>
+            </a:r>
+            <a:r>
+              <a:rPr lang="de-DE" sz="1600" dirty="0" smtClean="0"/>
+              <a:t>mit härteren </a:t>
+            </a:r>
+            <a:r>
+              <a:rPr lang="de-DE" sz="1600" dirty="0"/>
+              <a:t>Kanten und weicheren Kanten gibt</a:t>
+            </a:r>
+            <a:r>
+              <a:rPr lang="de-DE" sz="1600" dirty="0" smtClean="0"/>
+              <a:t>.</a:t>
+            </a:r>
+            <a:endParaRPr lang="de-DE" sz="1600" dirty="0"/>
+          </a:p>
+        </p:txBody>
+      </p:sp>
+      <p:sp>
+        <p:nvSpPr>
+          <p:cNvPr id="4" name="Datumsplatzhalter 3"/>
+          <p:cNvSpPr>
+            <a:spLocks noGrp="1"/>
+          </p:cNvSpPr>
+          <p:nvPr>
+            <p:ph type="dt" sz="half" idx="10"/>
+          </p:nvPr>
+        </p:nvSpPr>
+        <p:spPr/>
+        <p:txBody>
+          <a:bodyPr/>
+          <a:lstStyle/>
+          <a:p>
+            <a:r>
+              <a:rPr lang="de-DE" dirty="0" smtClean="0"/>
+              <a:t>27.11.2018</a:t>
+            </a:r>
+            <a:endParaRPr lang="de-DE" dirty="0"/>
+          </a:p>
+        </p:txBody>
+      </p:sp>
+      <p:sp>
+        <p:nvSpPr>
+          <p:cNvPr id="5" name="Fußzeilenplatzhalter 4"/>
+          <p:cNvSpPr>
+            <a:spLocks noGrp="1"/>
+          </p:cNvSpPr>
+          <p:nvPr>
+            <p:ph type="ftr" sz="quarter" idx="11"/>
+          </p:nvPr>
+        </p:nvSpPr>
+        <p:spPr/>
+        <p:txBody>
+          <a:bodyPr/>
+          <a:lstStyle/>
+          <a:p>
+            <a:r>
+              <a:rPr lang="de-DE" smtClean="0"/>
+              <a:t>Matthias Mettenleiter</a:t>
+            </a:r>
+            <a:endParaRPr lang="de-DE"/>
+          </a:p>
+        </p:txBody>
+      </p:sp>
+      <p:sp>
+        <p:nvSpPr>
+          <p:cNvPr id="6" name="Foliennummernplatzhalter 5"/>
+          <p:cNvSpPr>
+            <a:spLocks noGrp="1"/>
+          </p:cNvSpPr>
+          <p:nvPr>
+            <p:ph type="sldNum" sz="quarter" idx="12"/>
+          </p:nvPr>
+        </p:nvSpPr>
+        <p:spPr/>
+        <p:txBody>
+          <a:bodyPr/>
+          <a:lstStyle/>
+          <a:p>
+            <a:fld id="{B19EDA2B-D1ED-49F1-A641-C679BE89B1F0}" type="slidenum">
+              <a:rPr lang="de-DE" smtClean="0"/>
+              <a:pPr/>
+              <a:t>14</a:t>
+            </a:fld>
+            <a:endParaRPr lang="de-DE"/>
+          </a:p>
+        </p:txBody>
+      </p:sp>
+    </p:spTree>
+    <p:extLst>
+      <p:ext uri="{BB962C8B-B14F-4D97-AF65-F5344CB8AC3E}">
+        <p14:creationId xmlns:p14="http://schemas.microsoft.com/office/powerpoint/2010/main" val="1950839362"/>
+      </p:ext>
+    </p:extLst>
+  </p:cSld>
+  <p:clrMapOvr>
+    <a:masterClrMapping/>
+  </p:clrMapOvr>
+  <p:timing>
+    <p:tnLst>
+      <p:par>
+        <p:cTn id="1" dur="indefinite" restart="never" nodeType="tmRoot"/>
+      </p:par>
+    </p:tnLst>
+  </p:timing>
+</p:sld>
+</file>
+
+<file path=ppt/slides/slide15.xml><?xml version="1.0" encoding="utf-8"?>
+<p:sld xmlns:a="http://schemas.openxmlformats.org/drawingml/2006/main" xmlns:r="http://schemas.openxmlformats.org/officeDocument/2006/relationships" xmlns:p="http://schemas.openxmlformats.org/presentationml/2006/main">
+  <p:cSld>
+    <p:spTree>
+      <p:nvGrpSpPr>
+        <p:cNvPr id="1" name=""/>
+        <p:cNvGrpSpPr/>
+        <p:nvPr/>
+      </p:nvGrpSpPr>
+      <p:grpSpPr>
+        <a:xfrm>
+          <a:off x="0" y="0"/>
+          <a:ext cx="0" cy="0"/>
+          <a:chOff x="0" y="0"/>
+          <a:chExt cx="0" cy="0"/>
+        </a:xfrm>
+      </p:grpSpPr>
+      <p:sp>
+        <p:nvSpPr>
+          <p:cNvPr id="2" name="Titel 1"/>
+          <p:cNvSpPr>
+            <a:spLocks noGrp="1"/>
+          </p:cNvSpPr>
+          <p:nvPr>
+            <p:ph type="title"/>
+          </p:nvPr>
+        </p:nvSpPr>
+        <p:spPr/>
+        <p:txBody>
+          <a:bodyPr/>
+          <a:lstStyle/>
+          <a:p>
+            <a:r>
+              <a:rPr lang="de-DE" dirty="0" smtClean="0"/>
+              <a:t>Ausblic</a:t>
+            </a:r>
+            <a:r>
+              <a:rPr lang="de-DE" dirty="0"/>
+              <a:t>k</a:t>
+            </a:r>
+            <a:endParaRPr lang="de-DE" dirty="0"/>
+          </a:p>
+        </p:txBody>
+      </p:sp>
+      <p:sp>
+        <p:nvSpPr>
+          <p:cNvPr id="3" name="Inhaltsplatzhalter 2"/>
+          <p:cNvSpPr>
+            <a:spLocks noGrp="1"/>
+          </p:cNvSpPr>
+          <p:nvPr>
+            <p:ph idx="1"/>
+          </p:nvPr>
+        </p:nvSpPr>
+        <p:spPr>
+          <a:xfrm>
+            <a:off x="467544" y="2276872"/>
+            <a:ext cx="8229600" cy="3273227"/>
+          </a:xfrm>
+        </p:spPr>
+        <p:txBody>
+          <a:bodyPr>
+            <a:normAutofit/>
+          </a:bodyPr>
+          <a:lstStyle/>
+          <a:p>
+            <a:r>
+              <a:rPr lang="de-DE" sz="1600" dirty="0"/>
+              <a:t>Es ist denkbar, nicht ein Material pro Voxel zu verwenden, sondern verschiedene Mengen an verschiedenen Materialien innerhalb eines Voxels zu definieren, deren Gesamtmenge dann der Füllmenge entsprechen würde. Dazu muss die Methode zum Darstellen der Texturen auf den Voxeln angepasst werden. </a:t>
+            </a:r>
+          </a:p>
+          <a:p>
+            <a:r>
+              <a:rPr lang="de-DE" sz="1600" dirty="0" smtClean="0"/>
+              <a:t>Den </a:t>
+            </a:r>
+            <a:r>
+              <a:rPr lang="de-DE" sz="1600" dirty="0"/>
+              <a:t>Materialien könnten noch renderspezifische Verhaltensweisen wie unterschiedliches Beleuchtungsverhalten oder Reflektionen zugewiesen werden.</a:t>
+            </a:r>
+          </a:p>
+          <a:p>
+            <a:r>
+              <a:rPr lang="de-DE" sz="1600" dirty="0" smtClean="0"/>
+              <a:t>Es </a:t>
+            </a:r>
+            <a:r>
+              <a:rPr lang="de-DE" sz="1600" dirty="0"/>
+              <a:t>gibt Methoden dazu, Normal Mapping mit Triplanarem Mapping zu verbinden. Diese Ansätze ließen sich mit den Ergebnissen dieser Arbeit vereinen. Verschiedene Methoden Schatten zu berechnen, können im Zusammenhang mit dieser Methode getestet werden.</a:t>
+            </a:r>
+          </a:p>
+          <a:p>
+            <a:r>
+              <a:rPr lang="de-DE" sz="1600" dirty="0"/>
+              <a:t>Es ist denkbar zu versuchen die Methode so anzupassen, dass die Ausdehnung der Objekte im Verhältnis zu den Füllmengen der Voxel volumetrisch korrekt gerendert wird.</a:t>
+            </a:r>
+          </a:p>
+        </p:txBody>
+      </p:sp>
+      <p:sp>
+        <p:nvSpPr>
+          <p:cNvPr id="4" name="Datumsplatzhalter 3"/>
+          <p:cNvSpPr>
+            <a:spLocks noGrp="1"/>
+          </p:cNvSpPr>
+          <p:nvPr>
+            <p:ph type="dt" sz="half" idx="10"/>
+          </p:nvPr>
+        </p:nvSpPr>
+        <p:spPr/>
+        <p:txBody>
+          <a:bodyPr/>
+          <a:lstStyle/>
+          <a:p>
+            <a:r>
+              <a:rPr lang="de-DE" dirty="0" smtClean="0"/>
+              <a:t>27.11.2018</a:t>
+            </a:r>
+            <a:endParaRPr lang="de-DE" dirty="0"/>
+          </a:p>
+        </p:txBody>
+      </p:sp>
+      <p:sp>
+        <p:nvSpPr>
+          <p:cNvPr id="5" name="Fußzeilenplatzhalter 4"/>
+          <p:cNvSpPr>
+            <a:spLocks noGrp="1"/>
+          </p:cNvSpPr>
+          <p:nvPr>
+            <p:ph type="ftr" sz="quarter" idx="11"/>
+          </p:nvPr>
+        </p:nvSpPr>
+        <p:spPr/>
+        <p:txBody>
+          <a:bodyPr/>
+          <a:lstStyle/>
+          <a:p>
+            <a:r>
+              <a:rPr lang="de-DE" smtClean="0"/>
+              <a:t>Matthias Mettenleiter</a:t>
+            </a:r>
+            <a:endParaRPr lang="de-DE"/>
+          </a:p>
+        </p:txBody>
+      </p:sp>
+      <p:sp>
+        <p:nvSpPr>
+          <p:cNvPr id="6" name="Foliennummernplatzhalter 5"/>
+          <p:cNvSpPr>
+            <a:spLocks noGrp="1"/>
+          </p:cNvSpPr>
+          <p:nvPr>
+            <p:ph type="sldNum" sz="quarter" idx="12"/>
+          </p:nvPr>
+        </p:nvSpPr>
+        <p:spPr/>
+        <p:txBody>
+          <a:bodyPr/>
+          <a:lstStyle/>
+          <a:p>
+            <a:fld id="{B19EDA2B-D1ED-49F1-A641-C679BE89B1F0}" type="slidenum">
+              <a:rPr lang="de-DE" smtClean="0"/>
+              <a:pPr/>
+              <a:t>15</a:t>
+            </a:fld>
+            <a:endParaRPr lang="de-DE"/>
+          </a:p>
+        </p:txBody>
+      </p:sp>
+    </p:spTree>
+    <p:extLst>
+      <p:ext uri="{BB962C8B-B14F-4D97-AF65-F5344CB8AC3E}">
+        <p14:creationId xmlns:p14="http://schemas.microsoft.com/office/powerpoint/2010/main" val="2419748014"/>
+      </p:ext>
+    </p:extLst>
+  </p:cSld>
+  <p:clrMapOvr>
+    <a:masterClrMapping/>
+  </p:clrMapOvr>
+  <p:timing>
+    <p:tnLst>
+      <p:par>
+        <p:cTn id="1" dur="indefinite" restart="never" nodeType="tmRoot"/>
+      </p:par>
+    </p:tnLst>
+  </p:timing>
+</p:sld>
+</file>
+
+<file path=ppt/slides/slide16.xml><?xml version="1.0" encoding="utf-8"?>
+<p:sld xmlns:a="http://schemas.openxmlformats.org/drawingml/2006/main" xmlns:r="http://schemas.openxmlformats.org/officeDocument/2006/relationships" xmlns:p="http://schemas.openxmlformats.org/presentationml/2006/main">
+  <p:cSld>
+    <p:spTree>
+      <p:nvGrpSpPr>
+        <p:cNvPr id="1" name=""/>
+        <p:cNvGrpSpPr/>
+        <p:nvPr/>
+      </p:nvGrpSpPr>
+      <p:grpSpPr>
+        <a:xfrm>
+          <a:off x="0" y="0"/>
+          <a:ext cx="0" cy="0"/>
+          <a:chOff x="0" y="0"/>
+          <a:chExt cx="0" cy="0"/>
+        </a:xfrm>
+      </p:grpSpPr>
+      <p:sp>
+        <p:nvSpPr>
+          <p:cNvPr id="3" name="Inhaltsplatzhalter 2"/>
+          <p:cNvSpPr>
+            <a:spLocks noGrp="1"/>
+          </p:cNvSpPr>
+          <p:nvPr>
+            <p:ph idx="1"/>
+          </p:nvPr>
+        </p:nvSpPr>
+        <p:spPr>
+          <a:xfrm>
+            <a:off x="1457831" y="2276872"/>
+            <a:ext cx="6210513" cy="3273227"/>
+          </a:xfrm>
+        </p:spPr>
+        <p:txBody>
+          <a:bodyPr/>
+          <a:lstStyle/>
+          <a:p>
+            <a:pPr marL="0" indent="0" algn="ctr">
+              <a:buNone/>
+            </a:pPr>
+            <a:r>
+              <a:rPr lang="de-DE" sz="4000" dirty="0" smtClean="0"/>
+              <a:t>Vielen Dank für die Aufmerksamkeit!</a:t>
+            </a:r>
+            <a:r>
+              <a:rPr lang="de-DE" dirty="0" smtClean="0"/>
+              <a:t/>
+            </a:r>
+            <a:br>
+              <a:rPr lang="de-DE" dirty="0" smtClean="0"/>
+            </a:br>
+            <a:r>
+              <a:rPr lang="de-DE" dirty="0" smtClean="0"/>
+              <a:t/>
+            </a:r>
+            <a:br>
+              <a:rPr lang="de-DE" dirty="0" smtClean="0"/>
+            </a:br>
+            <a:r>
+              <a:rPr lang="de-DE" sz="4000" dirty="0" smtClean="0"/>
+              <a:t>Noch Fragen?</a:t>
+            </a:r>
+            <a:endParaRPr lang="de-DE" sz="4000" dirty="0"/>
+          </a:p>
+        </p:txBody>
+      </p:sp>
+      <p:sp>
+        <p:nvSpPr>
+          <p:cNvPr id="4" name="Datumsplatzhalter 3"/>
+          <p:cNvSpPr>
+            <a:spLocks noGrp="1"/>
+          </p:cNvSpPr>
+          <p:nvPr>
+            <p:ph type="dt" sz="half" idx="10"/>
+          </p:nvPr>
+        </p:nvSpPr>
+        <p:spPr/>
+        <p:txBody>
+          <a:bodyPr/>
+          <a:lstStyle/>
+          <a:p>
+            <a:r>
+              <a:rPr lang="de-DE" dirty="0" smtClean="0"/>
+              <a:t>27.11.2018</a:t>
+            </a:r>
+            <a:endParaRPr lang="de-DE" dirty="0"/>
+          </a:p>
+        </p:txBody>
+      </p:sp>
+      <p:sp>
+        <p:nvSpPr>
+          <p:cNvPr id="5" name="Fußzeilenplatzhalter 4"/>
+          <p:cNvSpPr>
+            <a:spLocks noGrp="1"/>
+          </p:cNvSpPr>
+          <p:nvPr>
+            <p:ph type="ftr" sz="quarter" idx="11"/>
+          </p:nvPr>
+        </p:nvSpPr>
+        <p:spPr/>
+        <p:txBody>
+          <a:bodyPr/>
+          <a:lstStyle/>
+          <a:p>
+            <a:r>
+              <a:rPr lang="de-DE" smtClean="0"/>
+              <a:t>Matthias Mettenleiter</a:t>
+            </a:r>
+            <a:endParaRPr lang="de-DE"/>
+          </a:p>
+        </p:txBody>
+      </p:sp>
+      <p:sp>
+        <p:nvSpPr>
+          <p:cNvPr id="6" name="Foliennummernplatzhalter 5"/>
+          <p:cNvSpPr>
+            <a:spLocks noGrp="1"/>
+          </p:cNvSpPr>
+          <p:nvPr>
+            <p:ph type="sldNum" sz="quarter" idx="12"/>
+          </p:nvPr>
+        </p:nvSpPr>
+        <p:spPr/>
+        <p:txBody>
+          <a:bodyPr/>
+          <a:lstStyle/>
+          <a:p>
+            <a:fld id="{B19EDA2B-D1ED-49F1-A641-C679BE89B1F0}" type="slidenum">
+              <a:rPr lang="de-DE" smtClean="0"/>
+              <a:pPr/>
+              <a:t>16</a:t>
+            </a:fld>
+            <a:endParaRPr lang="de-DE"/>
+          </a:p>
+        </p:txBody>
+      </p:sp>
+    </p:spTree>
+    <p:extLst>
+      <p:ext uri="{BB962C8B-B14F-4D97-AF65-F5344CB8AC3E}">
+        <p14:creationId xmlns:p14="http://schemas.microsoft.com/office/powerpoint/2010/main" val="2633248971"/>
+      </p:ext>
+    </p:extLst>
+  </p:cSld>
+  <p:clrMapOvr>
+    <a:masterClrMapping/>
+  </p:clrMapOvr>
+  <p:timing>
+    <p:tnLst>
+      <p:par>
+        <p:cTn id="1" dur="indefinite" restart="never" nodeType="tmRoot"/>
+      </p:par>
+    </p:tnLst>
+  </p:timing>
+</p:sld>
+</file>
+
+<file path=ppt/slides/slide17.xml><?xml version="1.0" encoding="utf-8"?>
+<p:sld xmlns:a="http://schemas.openxmlformats.org/drawingml/2006/main" xmlns:r="http://schemas.openxmlformats.org/officeDocument/2006/relationships" xmlns:p="http://schemas.openxmlformats.org/presentationml/2006/main">
+  <p:cSld>
+    <p:spTree>
+      <p:nvGrpSpPr>
+        <p:cNvPr id="1" name=""/>
+        <p:cNvGrpSpPr/>
+        <p:nvPr/>
+      </p:nvGrpSpPr>
+      <p:grpSpPr>
+        <a:xfrm>
+          <a:off x="0" y="0"/>
+          <a:ext cx="0" cy="0"/>
+          <a:chOff x="0" y="0"/>
+          <a:chExt cx="0" cy="0"/>
+        </a:xfrm>
+      </p:grpSpPr>
+      <p:sp>
+        <p:nvSpPr>
+          <p:cNvPr id="2" name="Titel 1"/>
+          <p:cNvSpPr>
+            <a:spLocks noGrp="1"/>
+          </p:cNvSpPr>
+          <p:nvPr>
+            <p:ph type="title"/>
+          </p:nvPr>
+        </p:nvSpPr>
+        <p:spPr/>
+        <p:txBody>
+          <a:bodyPr/>
+          <a:lstStyle/>
+          <a:p>
+            <a:r>
+              <a:rPr lang="de-DE" dirty="0" smtClean="0"/>
+              <a:t>Bildquellen</a:t>
+            </a:r>
+            <a:endParaRPr lang="de-DE" dirty="0"/>
+          </a:p>
+        </p:txBody>
+      </p:sp>
+      <p:sp>
+        <p:nvSpPr>
+          <p:cNvPr id="3" name="Inhaltsplatzhalter 2"/>
+          <p:cNvSpPr>
+            <a:spLocks noGrp="1"/>
+          </p:cNvSpPr>
+          <p:nvPr>
+            <p:ph idx="1"/>
+          </p:nvPr>
+        </p:nvSpPr>
+        <p:spPr/>
+        <p:txBody>
+          <a:bodyPr>
+            <a:normAutofit fontScale="55000" lnSpcReduction="20000"/>
+          </a:bodyPr>
+          <a:lstStyle/>
+          <a:p>
+            <a:pPr marL="514350" indent="-514350">
+              <a:buFont typeface="+mj-lt"/>
+              <a:buAutoNum type="arabicPeriod"/>
+            </a:pPr>
+            <a:r>
+              <a:rPr lang="de-DE" dirty="0" smtClean="0">
+                <a:hlinkClick r:id="rId2"/>
+              </a:rPr>
+              <a:t>http://www.cs.unc.edu/~marc/tutorial/img801.png</a:t>
+            </a:r>
+            <a:endParaRPr lang="de-DE" dirty="0" smtClean="0"/>
+          </a:p>
+          <a:p>
+            <a:pPr marL="514350" indent="-514350">
+              <a:buFont typeface="+mj-lt"/>
+              <a:buAutoNum type="arabicPeriod"/>
+            </a:pPr>
+            <a:r>
+              <a:rPr lang="de-DE" dirty="0" smtClean="0">
+                <a:hlinkClick r:id="rId3"/>
+              </a:rPr>
+              <a:t>http://www.cs.carleton.edu/cs_comps/0405/shape/images/connectedobj.jpg</a:t>
+            </a:r>
+            <a:endParaRPr lang="de-DE" dirty="0" smtClean="0"/>
+          </a:p>
+          <a:p>
+            <a:pPr marL="514350" indent="-514350">
+              <a:buFont typeface="+mj-lt"/>
+              <a:buAutoNum type="arabicPeriod"/>
+            </a:pPr>
+            <a:r>
+              <a:rPr lang="de-DE" dirty="0" smtClean="0">
+                <a:hlinkClick r:id="rId4"/>
+              </a:rPr>
+              <a:t>http://www.cs.carleton.edu/cs_comps/0405/shape/images/2Dintersected.jpg</a:t>
+            </a:r>
+            <a:endParaRPr lang="de-DE" dirty="0" smtClean="0">
+              <a:hlinkClick r:id="rId4"/>
+            </a:endParaRPr>
+          </a:p>
+          <a:p>
+            <a:pPr marL="514350" indent="-514350">
+              <a:buFont typeface="+mj-lt"/>
+              <a:buAutoNum type="arabicPeriod"/>
+            </a:pPr>
+            <a:r>
+              <a:rPr lang="de-DE" dirty="0" smtClean="0">
+                <a:hlinkClick r:id="rId5"/>
+              </a:rPr>
+              <a:t>http://www.cs.carleton.edu/cs_comps/0405/shape/images/blockyfoot1.jpg</a:t>
+            </a:r>
+            <a:endParaRPr lang="de-DE" dirty="0" smtClean="0"/>
+          </a:p>
+          <a:p>
+            <a:pPr marL="514350" indent="-514350">
+              <a:buFont typeface="+mj-lt"/>
+              <a:buAutoNum type="arabicPeriod"/>
+            </a:pPr>
+            <a:r>
+              <a:rPr lang="de-DE" dirty="0" smtClean="0">
+                <a:hlinkClick r:id="rId6"/>
+              </a:rPr>
+              <a:t>http://www.cs.carleton.edu/cs_comps/0405/shape/images/intersectedfoot.jpg</a:t>
+            </a:r>
+            <a:endParaRPr lang="de-DE" dirty="0" smtClean="0"/>
+          </a:p>
+          <a:p>
+            <a:pPr marL="514350" indent="-514350">
+              <a:buFont typeface="+mj-lt"/>
+              <a:buAutoNum type="arabicPeriod"/>
+            </a:pPr>
+            <a:r>
+              <a:rPr lang="de-DE" dirty="0" smtClean="0">
+                <a:hlinkClick r:id="rId7"/>
+              </a:rPr>
+              <a:t>http://3.bp.blogspot.com/-aNniGiuNEZM/U3PH6S4fkUI/AAAAAAAAAJg/xv-LmW2Gnds/s1600/triangleCorrected.png</a:t>
+            </a:r>
+            <a:endParaRPr lang="de-DE" dirty="0" smtClean="0"/>
+          </a:p>
+          <a:p>
+            <a:pPr marL="514350" indent="-514350">
+              <a:buFont typeface="+mj-lt"/>
+              <a:buAutoNum type="arabicPeriod"/>
+            </a:pPr>
+            <a:r>
+              <a:rPr lang="de-DE" dirty="0" smtClean="0">
+                <a:hlinkClick r:id="rId8"/>
+              </a:rPr>
+              <a:t>http://1.bp.blogspot.com/-MPQU-iZaAWE/U3PV7DgIYuI/AAAAAAAAAJs/3nCm8f9KE4w/s1600/doesItBlend.jpg</a:t>
+            </a:r>
+            <a:endParaRPr lang="de-DE" dirty="0" smtClean="0"/>
+          </a:p>
+          <a:p>
+            <a:pPr marL="514350" indent="-514350">
+              <a:buFont typeface="+mj-lt"/>
+              <a:buAutoNum type="arabicPeriod"/>
+            </a:pPr>
+            <a:r>
+              <a:rPr lang="de-DE" dirty="0" smtClean="0">
+                <a:hlinkClick r:id="rId9"/>
+              </a:rPr>
+              <a:t>http://www.martinpalko.com/wp-content/uploads/2014/03/3PlanarMaps-680x456.jpg</a:t>
+            </a:r>
+            <a:endParaRPr lang="de-DE" dirty="0" smtClean="0"/>
+          </a:p>
+          <a:p>
+            <a:pPr marL="514350" indent="-514350">
+              <a:buFont typeface="+mj-lt"/>
+              <a:buAutoNum type="arabicPeriod"/>
+            </a:pPr>
+            <a:r>
+              <a:rPr lang="de-DE" dirty="0" smtClean="0">
+                <a:hlinkClick r:id="rId10"/>
+              </a:rPr>
+              <a:t>http://www.martinpalko.com/wp-content/uploads/2014/03/TriplanarMapped-680x325.jpg</a:t>
+            </a:r>
+            <a:endParaRPr lang="de-DE" dirty="0" smtClean="0"/>
+          </a:p>
+          <a:p>
+            <a:pPr marL="514350" indent="-514350">
+              <a:buFont typeface="+mj-lt"/>
+              <a:buAutoNum type="arabicPeriod"/>
+            </a:pPr>
+            <a:endParaRPr lang="de-DE" dirty="0" smtClean="0"/>
+          </a:p>
+          <a:p>
+            <a:pPr marL="514350" indent="-514350">
+              <a:buFont typeface="+mj-lt"/>
+              <a:buAutoNum type="arabicPeriod"/>
+            </a:pPr>
+            <a:endParaRPr lang="de-DE" dirty="0" smtClean="0"/>
+          </a:p>
+          <a:p>
+            <a:pPr marL="514350" indent="-514350">
+              <a:buFont typeface="+mj-lt"/>
+              <a:buAutoNum type="arabicPeriod"/>
+            </a:pPr>
+            <a:endParaRPr lang="de-DE" dirty="0" smtClean="0"/>
+          </a:p>
+          <a:p>
+            <a:pPr marL="514350" indent="-514350">
+              <a:buFont typeface="+mj-lt"/>
+              <a:buAutoNum type="arabicPeriod"/>
+            </a:pPr>
+            <a:endParaRPr lang="de-DE" dirty="0" smtClean="0"/>
+          </a:p>
+        </p:txBody>
+      </p:sp>
+      <p:sp>
+        <p:nvSpPr>
+          <p:cNvPr id="4" name="Datumsplatzhalter 3"/>
+          <p:cNvSpPr>
+            <a:spLocks noGrp="1"/>
+          </p:cNvSpPr>
+          <p:nvPr>
+            <p:ph type="dt" sz="half" idx="10"/>
+          </p:nvPr>
+        </p:nvSpPr>
+        <p:spPr/>
+        <p:txBody>
+          <a:bodyPr/>
+          <a:lstStyle/>
+          <a:p>
+            <a:r>
+              <a:rPr lang="de-DE" dirty="0" smtClean="0"/>
+              <a:t>27.11.2018</a:t>
+            </a:r>
+            <a:endParaRPr lang="de-DE" dirty="0"/>
+          </a:p>
+        </p:txBody>
+      </p:sp>
+      <p:sp>
+        <p:nvSpPr>
+          <p:cNvPr id="5" name="Fußzeilenplatzhalter 4"/>
+          <p:cNvSpPr>
+            <a:spLocks noGrp="1"/>
+          </p:cNvSpPr>
+          <p:nvPr>
+            <p:ph type="ftr" sz="quarter" idx="11"/>
+          </p:nvPr>
+        </p:nvSpPr>
+        <p:spPr/>
+        <p:txBody>
+          <a:bodyPr/>
+          <a:lstStyle/>
+          <a:p>
+            <a:r>
+              <a:rPr lang="de-DE" smtClean="0"/>
+              <a:t>Matthias Mettenleiter</a:t>
+            </a:r>
+            <a:endParaRPr lang="de-DE"/>
+          </a:p>
+        </p:txBody>
+      </p:sp>
+      <p:sp>
+        <p:nvSpPr>
+          <p:cNvPr id="6" name="Foliennummernplatzhalter 5"/>
+          <p:cNvSpPr>
+            <a:spLocks noGrp="1"/>
+          </p:cNvSpPr>
+          <p:nvPr>
+            <p:ph type="sldNum" sz="quarter" idx="12"/>
+          </p:nvPr>
+        </p:nvSpPr>
+        <p:spPr/>
+        <p:txBody>
+          <a:bodyPr/>
+          <a:lstStyle/>
+          <a:p>
+            <a:fld id="{B19EDA2B-D1ED-49F1-A641-C679BE89B1F0}" type="slidenum">
+              <a:rPr lang="de-DE" smtClean="0"/>
+              <a:pPr/>
+              <a:t>17</a:t>
+            </a:fld>
+            <a:endParaRPr lang="de-DE"/>
+          </a:p>
+        </p:txBody>
+      </p:sp>
+    </p:spTree>
+    <p:extLst>
+      <p:ext uri="{BB962C8B-B14F-4D97-AF65-F5344CB8AC3E}">
+        <p14:creationId xmlns:p14="http://schemas.microsoft.com/office/powerpoint/2010/main" val="1419995839"/>
       </p:ext>
     </p:extLst>
   </p:cSld>
@@ -5706,67 +9657,63 @@
         </p:nvSpPr>
         <p:spPr>
           <a:xfrm>
-            <a:off x="457200" y="2132856"/>
+            <a:off x="467544" y="2204864"/>
             <a:ext cx="8229600" cy="3528392"/>
           </a:xfrm>
         </p:spPr>
         <p:txBody>
           <a:bodyPr>
-            <a:normAutofit/>
+            <a:normAutofit fontScale="92500" lnSpcReduction="10000"/>
           </a:bodyPr>
           <a:lstStyle/>
           <a:p>
             <a:r>
-              <a:rPr lang="de-DE" dirty="0" smtClean="0"/>
+              <a:rPr lang="de-DE" sz="3000" dirty="0" smtClean="0"/>
               <a:t>Motivation</a:t>
             </a:r>
-            <a:endParaRPr lang="de-DE" dirty="0" smtClean="0"/>
-          </a:p>
-          <a:p>
-            <a:r>
-              <a:rPr lang="de-DE" dirty="0" smtClean="0"/>
-              <a:t>Erklärung von </a:t>
-            </a:r>
-            <a:r>
-              <a:rPr lang="de-DE" dirty="0" err="1" smtClean="0"/>
-              <a:t>Marching</a:t>
-            </a:r>
-            <a:r>
-              <a:rPr lang="de-DE" dirty="0" smtClean="0"/>
-              <a:t> Cubes</a:t>
-            </a:r>
-            <a:endParaRPr lang="de-DE" dirty="0"/>
-          </a:p>
-          <a:p>
-            <a:r>
-              <a:rPr lang="de-DE" dirty="0" smtClean="0"/>
+          </a:p>
+          <a:p>
+            <a:r>
+              <a:rPr lang="de-DE" sz="3000" dirty="0" smtClean="0"/>
+              <a:t>Grundlagen</a:t>
+            </a:r>
+            <a:endParaRPr lang="de-DE" sz="3000" dirty="0"/>
+          </a:p>
+          <a:p>
+            <a:r>
+              <a:rPr lang="de-DE" sz="3000" dirty="0" smtClean="0"/>
               <a:t>Zielsetzung</a:t>
             </a:r>
-            <a:endParaRPr lang="de-DE" dirty="0" smtClean="0"/>
-          </a:p>
-          <a:p>
-            <a:r>
-              <a:rPr lang="de-DE" dirty="0" smtClean="0"/>
+          </a:p>
+          <a:p>
+            <a:r>
+              <a:rPr lang="de-DE" sz="3000" dirty="0" smtClean="0"/>
               <a:t>Umsetzung der Oberflächengenerierung</a:t>
             </a:r>
-            <a:endParaRPr lang="de-DE" dirty="0" smtClean="0"/>
-          </a:p>
-          <a:p>
-            <a:r>
-              <a:rPr lang="de-DE" dirty="0" smtClean="0"/>
+          </a:p>
+          <a:p>
+            <a:r>
+              <a:rPr lang="de-DE" sz="3000" dirty="0" smtClean="0"/>
               <a:t>Umsetzung der </a:t>
             </a:r>
             <a:r>
-              <a:rPr lang="de-DE" dirty="0" err="1" smtClean="0"/>
+              <a:rPr lang="de-DE" sz="3000" dirty="0" err="1" smtClean="0"/>
               <a:t>Texturierung</a:t>
             </a:r>
-            <a:endParaRPr lang="de-DE" dirty="0" smtClean="0"/>
-          </a:p>
-          <a:p>
-            <a:r>
-              <a:rPr lang="de-DE" dirty="0" smtClean="0"/>
+            <a:endParaRPr lang="de-DE" sz="3000" dirty="0" smtClean="0"/>
+          </a:p>
+          <a:p>
+            <a:r>
+              <a:rPr lang="de-DE" sz="3000" dirty="0" smtClean="0"/>
               <a:t>Fazit</a:t>
             </a:r>
+          </a:p>
+          <a:p>
+            <a:r>
+              <a:rPr lang="de-DE" sz="3000" dirty="0" smtClean="0"/>
+              <a:t>Ausblick</a:t>
+            </a:r>
+            <a:endParaRPr lang="de-DE" sz="3000" dirty="0" smtClean="0"/>
           </a:p>
           <a:p>
             <a:endParaRPr lang="de-DE" dirty="0"/>
@@ -5846,7 +9793,7 @@
     </p:spTree>
     <p:extLst>
       <p:ext uri="{BB962C8B-B14F-4D97-AF65-F5344CB8AC3E}">
-        <p14:creationId xmlns:p14="http://schemas.microsoft.com/office/powerpoint/2010/main" xmlns="" val="3604134861"/>
+        <p14:creationId xmlns:p14="http://schemas.microsoft.com/office/powerpoint/2010/main" val="3604134861"/>
       </p:ext>
     </p:extLst>
   </p:cSld>
@@ -5920,7 +9867,7 @@
         </p:nvSpPr>
         <p:spPr>
           <a:xfrm>
-            <a:off x="457200" y="2636912"/>
+            <a:off x="467544" y="2420888"/>
             <a:ext cx="5194920" cy="3489251"/>
           </a:xfrm>
         </p:spPr>
@@ -5934,52 +9881,38 @@
               <a:buNone/>
             </a:pPr>
             <a:r>
-              <a:rPr lang="de-DE" sz="2800" dirty="0" smtClean="0"/>
-              <a:t>Bisher ein Material pro </a:t>
-            </a:r>
-            <a:r>
-              <a:rPr lang="de-DE" sz="2800" dirty="0" err="1" smtClean="0"/>
-              <a:t>Voxel</a:t>
-            </a:r>
-            <a:endParaRPr lang="de-DE" sz="2800" dirty="0" smtClean="0"/>
+              <a:rPr lang="de-DE" sz="2400" dirty="0" smtClean="0"/>
+              <a:t>Existierende Marching Cubes </a:t>
+            </a:r>
+            <a:r>
+              <a:rPr lang="de-DE" sz="2400" dirty="0" smtClean="0"/>
+              <a:t>G</a:t>
+            </a:r>
+            <a:r>
+              <a:rPr lang="de-DE" sz="2400" dirty="0" smtClean="0"/>
+              <a:t>rößen-Anpassungen in medizinischen Bereichen anhand gemessener Eintrittspunkte in Objekte.</a:t>
+            </a:r>
+            <a:br>
+              <a:rPr lang="de-DE" sz="2400" dirty="0" smtClean="0"/>
+            </a:br>
+            <a:r>
+              <a:rPr lang="de-DE" sz="2400" dirty="0" smtClean="0"/>
+              <a:t/>
+            </a:r>
+            <a:br>
+              <a:rPr lang="de-DE" sz="2400" dirty="0" smtClean="0"/>
+            </a:br>
+            <a:r>
+              <a:rPr lang="de-DE" sz="2400" dirty="0" smtClean="0"/>
+              <a:t>Konzept: Größenanpassung mit konstruierten Werten</a:t>
+            </a:r>
+            <a:endParaRPr lang="de-DE" sz="2400" dirty="0" smtClean="0"/>
           </a:p>
           <a:p>
             <a:pPr marL="0" indent="0">
               <a:buNone/>
             </a:pPr>
             <a:endParaRPr lang="de-DE" sz="2800" dirty="0" smtClean="0"/>
-          </a:p>
-          <a:p>
-            <a:pPr>
-              <a:buFont typeface="Symbol"/>
-              <a:buChar char="Þ"/>
-            </a:pPr>
-            <a:r>
-              <a:rPr lang="de-DE" sz="2800" dirty="0" smtClean="0"/>
-              <a:t> Neuer Ansatz: Mehrere Materialien pro </a:t>
-            </a:r>
-            <a:r>
-              <a:rPr lang="de-DE" sz="2800" dirty="0" err="1" smtClean="0"/>
-              <a:t>Voxel</a:t>
-            </a:r>
-            <a:endParaRPr lang="de-DE" sz="2800" dirty="0" smtClean="0"/>
-          </a:p>
-          <a:p>
-            <a:pPr marL="0" indent="0">
-              <a:buNone/>
-            </a:pPr>
-            <a:endParaRPr lang="de-DE" sz="2800" dirty="0" smtClean="0"/>
-          </a:p>
-          <a:p>
-            <a:pPr>
-              <a:buFont typeface="Symbol"/>
-              <a:buChar char="Þ"/>
-            </a:pPr>
-            <a:r>
-              <a:rPr lang="de-DE" sz="2800" dirty="0" smtClean="0"/>
-              <a:t> Frage: Wie rendern?</a:t>
-            </a:r>
-            <a:endParaRPr lang="de-DE" sz="2800" dirty="0"/>
           </a:p>
         </p:txBody>
       </p:sp>
@@ -6053,155 +9986,10 @@
           </a:p>
         </p:txBody>
       </p:sp>
-      <p:pic>
-        <p:nvPicPr>
-          <p:cNvPr id="2050" name="Picture 2" descr="C:\Users\Matze\Desktop\Materials in Voxel.png"/>
-          <p:cNvPicPr>
-            <a:picLocks noChangeAspect="1" noChangeArrowheads="1"/>
-          </p:cNvPicPr>
-          <p:nvPr/>
-        </p:nvPicPr>
-        <p:blipFill>
-          <a:blip r:embed="rId2" cstate="print">
-            <a:extLst>
-              <a:ext uri="{28A0092B-C50C-407E-A947-70E740481C1C}">
-                <a14:useLocalDpi xmlns:a14="http://schemas.microsoft.com/office/drawing/2010/main" xmlns="" val="0"/>
-              </a:ext>
-            </a:extLst>
-          </a:blip>
-          <a:srcRect/>
-          <a:stretch>
-            <a:fillRect/>
-          </a:stretch>
-        </p:blipFill>
-        <p:spPr bwMode="auto">
-          <a:xfrm>
-            <a:off x="5580112" y="2396346"/>
-            <a:ext cx="3169635" cy="3624942"/>
-          </a:xfrm>
-          <a:prstGeom prst="rect">
-            <a:avLst/>
-          </a:prstGeom>
-          <a:noFill/>
-          <a:extLst>
-            <a:ext uri="{909E8E84-426E-40DD-AFC4-6F175D3DCCD1}">
-              <a14:hiddenFill xmlns:a14="http://schemas.microsoft.com/office/drawing/2010/main" xmlns="">
-                <a:solidFill>
-                  <a:srgbClr val="FFFFFF"/>
-                </a:solidFill>
-              </a14:hiddenFill>
-            </a:ext>
-          </a:extLst>
-        </p:spPr>
-      </p:pic>
-      <p:sp>
-        <p:nvSpPr>
-          <p:cNvPr id="7" name="Rechteck 6"/>
-          <p:cNvSpPr/>
-          <p:nvPr/>
-        </p:nvSpPr>
-        <p:spPr>
-          <a:xfrm>
-            <a:off x="395536" y="3501008"/>
-            <a:ext cx="8496944" cy="1296144"/>
-          </a:xfrm>
-          <a:prstGeom prst="rect">
-            <a:avLst/>
-          </a:prstGeom>
-          <a:solidFill>
-            <a:schemeClr val="bg1"/>
-          </a:solidFill>
-          <a:ln>
-            <a:solidFill>
-              <a:schemeClr val="bg1"/>
-            </a:solidFill>
-          </a:ln>
-        </p:spPr>
-        <p:style>
-          <a:lnRef idx="2">
-            <a:schemeClr val="accent1">
-              <a:shade val="50000"/>
-            </a:schemeClr>
-          </a:lnRef>
-          <a:fillRef idx="1">
-            <a:schemeClr val="accent1"/>
-          </a:fillRef>
-          <a:effectRef idx="0">
-            <a:schemeClr val="accent1"/>
-          </a:effectRef>
-          <a:fontRef idx="minor">
-            <a:schemeClr val="lt1"/>
-          </a:fontRef>
-        </p:style>
-        <p:txBody>
-          <a:bodyPr rtlCol="0" anchor="ctr"/>
-          <a:lstStyle/>
-          <a:p>
-            <a:pPr algn="ctr"/>
-            <a:endParaRPr lang="de-DE">
-              <a:solidFill>
-                <a:schemeClr val="bg1"/>
-              </a:solidFill>
-            </a:endParaRPr>
-          </a:p>
-        </p:txBody>
-      </p:sp>
-      <p:sp>
-        <p:nvSpPr>
-          <p:cNvPr id="9" name="Rechteck 8"/>
-          <p:cNvSpPr/>
-          <p:nvPr/>
-        </p:nvSpPr>
-        <p:spPr>
-          <a:xfrm>
-            <a:off x="395536" y="4793115"/>
-            <a:ext cx="8496944" cy="1296144"/>
-          </a:xfrm>
-          <a:prstGeom prst="rect">
-            <a:avLst/>
-          </a:prstGeom>
-          <a:solidFill>
-            <a:schemeClr val="bg1"/>
-          </a:solidFill>
-          <a:ln>
-            <a:solidFill>
-              <a:schemeClr val="bg1"/>
-            </a:solidFill>
-          </a:ln>
-        </p:spPr>
-        <p:style>
-          <a:lnRef idx="2">
-            <a:schemeClr val="accent1">
-              <a:shade val="50000"/>
-            </a:schemeClr>
-          </a:lnRef>
-          <a:fillRef idx="1">
-            <a:schemeClr val="accent1"/>
-          </a:fillRef>
-          <a:effectRef idx="0">
-            <a:schemeClr val="accent1"/>
-          </a:effectRef>
-          <a:fontRef idx="minor">
-            <a:schemeClr val="lt1"/>
-          </a:fontRef>
-        </p:style>
-        <p:txBody>
-          <a:bodyPr rtlCol="0" anchor="ctr"/>
-          <a:lstStyle/>
-          <a:p>
-            <a:pPr algn="ctr"/>
-            <a:endParaRPr lang="de-DE">
-              <a:solidFill>
-                <a:schemeClr val="bg1"/>
-              </a:solidFill>
-            </a:endParaRPr>
-          </a:p>
-        </p:txBody>
-      </p:sp>
     </p:spTree>
     <p:extLst>
       <p:ext uri="{BB962C8B-B14F-4D97-AF65-F5344CB8AC3E}">
-        <p14:creationId xmlns:p14="http://schemas.microsoft.com/office/powerpoint/2010/main" xmlns="" val="3682979121"/>
+        <p14:creationId xmlns:p14="http://schemas.microsoft.com/office/powerpoint/2010/main" val="3682979121"/>
       </p:ext>
     </p:extLst>
   </p:cSld>
@@ -6211,126 +9999,9 @@
   <p:timing>
     <p:tnLst>
       <p:par>
-        <p:cTn id="1" dur="indefinite" restart="never" nodeType="tmRoot">
-          <p:childTnLst>
-            <p:seq concurrent="1" nextAc="seek">
-              <p:cTn id="2" dur="indefinite" nodeType="mainSeq">
-                <p:childTnLst>
-                  <p:par>
-                    <p:cTn id="3" fill="hold">
-                      <p:stCondLst>
-                        <p:cond delay="indefinite"/>
-                      </p:stCondLst>
-                      <p:childTnLst>
-                        <p:par>
-                          <p:cTn id="4" fill="hold">
-                            <p:stCondLst>
-                              <p:cond delay="0"/>
-                            </p:stCondLst>
-                            <p:childTnLst>
-                              <p:par>
-                                <p:cTn id="5" presetID="1" presetClass="exit" presetSubtype="0" fill="hold" grpId="0" nodeType="clickEffect">
-                                  <p:stCondLst>
-                                    <p:cond delay="0"/>
-                                  </p:stCondLst>
-                                  <p:childTnLst>
-                                    <p:set>
-                                      <p:cBhvr>
-                                        <p:cTn id="6" dur="1" fill="hold">
-                                          <p:stCondLst>
-                                            <p:cond delay="0"/>
-                                          </p:stCondLst>
-                                        </p:cTn>
-                                        <p:tgtEl>
-                                          <p:spTgt spid="7"/>
-                                        </p:tgtEl>
-                                        <p:attrNameLst>
-                                          <p:attrName>style.visibility</p:attrName>
-                                        </p:attrNameLst>
-                                      </p:cBhvr>
-                                      <p:to>
-                                        <p:strVal val="hidden"/>
-                                      </p:to>
-                                    </p:set>
-                                  </p:childTnLst>
-                                </p:cTn>
-                              </p:par>
-                            </p:childTnLst>
-                          </p:cTn>
-                        </p:par>
-                      </p:childTnLst>
-                    </p:cTn>
-                  </p:par>
-                  <p:par>
-                    <p:cTn id="7" fill="hold">
-                      <p:stCondLst>
-                        <p:cond delay="indefinite"/>
-                      </p:stCondLst>
-                      <p:childTnLst>
-                        <p:par>
-                          <p:cTn id="8" fill="hold">
-                            <p:stCondLst>
-                              <p:cond delay="0"/>
-                            </p:stCondLst>
-                            <p:childTnLst>
-                              <p:par>
-                                <p:cTn id="9" presetID="1" presetClass="exit" presetSubtype="0" fill="hold" grpId="0" nodeType="clickEffect">
-                                  <p:stCondLst>
-                                    <p:cond delay="0"/>
-                                  </p:stCondLst>
-                                  <p:childTnLst>
-                                    <p:set>
-                                      <p:cBhvr>
-                                        <p:cTn id="10" dur="1" fill="hold">
-                                          <p:stCondLst>
-                                            <p:cond delay="0"/>
-                                          </p:stCondLst>
-                                        </p:cTn>
-                                        <p:tgtEl>
-                                          <p:spTgt spid="9"/>
-                                        </p:tgtEl>
-                                        <p:attrNameLst>
-                                          <p:attrName>style.visibility</p:attrName>
-                                        </p:attrNameLst>
-                                      </p:cBhvr>
-                                      <p:to>
-                                        <p:strVal val="hidden"/>
-                                      </p:to>
-                                    </p:set>
-                                  </p:childTnLst>
-                                </p:cTn>
-                              </p:par>
-                            </p:childTnLst>
-                          </p:cTn>
-                        </p:par>
-                      </p:childTnLst>
-                    </p:cTn>
-                  </p:par>
-                </p:childTnLst>
-              </p:cTn>
-              <p:prevCondLst>
-                <p:cond evt="onPrev" delay="0">
-                  <p:tgtEl>
-                    <p:sldTgt/>
-                  </p:tgtEl>
-                </p:cond>
-              </p:prevCondLst>
-              <p:nextCondLst>
-                <p:cond evt="onNext" delay="0">
-                  <p:tgtEl>
-                    <p:sldTgt/>
-                  </p:tgtEl>
-                </p:cond>
-              </p:nextCondLst>
-            </p:seq>
-          </p:childTnLst>
-        </p:cTn>
+        <p:cTn id="1" dur="indefinite" restart="never" nodeType="tmRoot"/>
       </p:par>
     </p:tnLst>
-    <p:bldLst>
-      <p:bldP spid="7" grpId="0" animBg="1"/>
-      <p:bldP spid="9" grpId="0" animBg="1"/>
-    </p:bldLst>
   </p:timing>
 </p:sld>
 </file>
@@ -6426,15 +10097,7 @@
           <a:p>
             <a:r>
               <a:rPr lang="de-DE" dirty="0" smtClean="0"/>
-              <a:t>Erklärung von </a:t>
-            </a:r>
-            <a:r>
-              <a:rPr lang="de-DE" dirty="0" err="1" smtClean="0"/>
-              <a:t>Marching</a:t>
-            </a:r>
-            <a:r>
-              <a:rPr lang="de-DE" dirty="0" smtClean="0"/>
-              <a:t> Cubes</a:t>
+              <a:t>Grundlagen (Marching Cubes)</a:t>
             </a:r>
             <a:endParaRPr lang="de-DE" dirty="0"/>
           </a:p>
@@ -6510,19 +10173,90 @@
           </a:p>
         </p:txBody>
       </p:sp>
+      <p:sp>
+        <p:nvSpPr>
+          <p:cNvPr id="3" name="Inhaltsplatzhalter 2"/>
+          <p:cNvSpPr>
+            <a:spLocks noGrp="1"/>
+          </p:cNvSpPr>
+          <p:nvPr>
+            <p:ph idx="1"/>
+          </p:nvPr>
+        </p:nvSpPr>
+        <p:spPr>
+          <a:xfrm>
+            <a:off x="251520" y="1916832"/>
+            <a:ext cx="5698976" cy="1584176"/>
+          </a:xfrm>
+        </p:spPr>
+        <p:txBody>
+          <a:bodyPr>
+            <a:noAutofit/>
+          </a:bodyPr>
+          <a:lstStyle/>
+          <a:p>
+            <a:pPr marL="0" indent="0">
+              <a:buNone/>
+            </a:pPr>
+            <a:r>
+              <a:rPr lang="de-DE" sz="2000" dirty="0" smtClean="0"/>
+              <a:t>Verschiedene </a:t>
+            </a:r>
+            <a:r>
+              <a:rPr lang="de-DE" sz="2000" dirty="0" err="1" smtClean="0"/>
+              <a:t>Faces</a:t>
+            </a:r>
+            <a:r>
+              <a:rPr lang="de-DE" sz="2000" dirty="0" smtClean="0"/>
+              <a:t> anhand einer Lookup Table zwischen 8 kubisch angeordneten Voxeln generieren:</a:t>
+            </a:r>
+            <a:endParaRPr lang="de-DE" sz="2000" dirty="0" smtClean="0"/>
+          </a:p>
+        </p:txBody>
+      </p:sp>
+      <p:sp>
+        <p:nvSpPr>
+          <p:cNvPr id="9" name="Textfeld 8"/>
+          <p:cNvSpPr txBox="1"/>
+          <p:nvPr/>
+        </p:nvSpPr>
+        <p:spPr>
+          <a:xfrm>
+            <a:off x="6657164" y="5592994"/>
+            <a:ext cx="360040" cy="276999"/>
+          </a:xfrm>
+          <a:prstGeom prst="rect">
+            <a:avLst/>
+          </a:prstGeom>
+          <a:noFill/>
+        </p:spPr>
+        <p:txBody>
+          <a:bodyPr wrap="square" rtlCol="0">
+            <a:spAutoFit/>
+          </a:bodyPr>
+          <a:lstStyle/>
+          <a:p>
+            <a:r>
+              <a:rPr lang="de-DE" sz="1200" dirty="0" smtClean="0"/>
+              <a:t>[1]</a:t>
+            </a:r>
+            <a:endParaRPr lang="de-DE" sz="1200" dirty="0"/>
+          </a:p>
+        </p:txBody>
+      </p:sp>
       <p:pic>
         <p:nvPicPr>
-          <p:cNvPr id="3076" name="Picture 4" descr="C:\Users\Matze\Desktop\Voxel Bunny.jpg"/>
+          <p:cNvPr id="1026" name="Picture 2" descr="C:\Users\Matze\Documents\Git\MC_Paper\Paper\figures\MarchingCubesPossibilities.png"/>
           <p:cNvPicPr>
             <a:picLocks noChangeAspect="1" noChangeArrowheads="1"/>
           </p:cNvPicPr>
           <p:nvPr/>
         </p:nvPicPr>
         <p:blipFill>
-          <a:blip r:embed="rId2" cstate="print">
+          <a:blip r:embed="rId2">
             <a:extLst>
               <a:ext uri="{28A0092B-C50C-407E-A947-70E740481C1C}">
-                <a14:useLocalDpi xmlns:a14="http://schemas.microsoft.com/office/drawing/2010/main" xmlns="" val="0"/>
+                <a14:useLocalDpi xmlns:a14="http://schemas.microsoft.com/office/drawing/2010/main" val="0"/>
               </a:ext>
             </a:extLst>
           </a:blip>
@@ -6533,8 +10267,8 @@
         </p:blipFill>
         <p:spPr bwMode="auto">
           <a:xfrm>
-            <a:off x="561280" y="3429000"/>
-            <a:ext cx="3434992" cy="2581985"/>
+            <a:off x="2051720" y="2690054"/>
+            <a:ext cx="4965484" cy="2903236"/>
           </a:xfrm>
           <a:prstGeom prst="rect">
             <a:avLst/>
@@ -6542,7 +10276,7 @@
           <a:noFill/>
           <a:extLst>
             <a:ext uri="{909E8E84-426E-40DD-AFC4-6F175D3DCCD1}">
-              <a14:hiddenFill xmlns:a14="http://schemas.microsoft.com/office/drawing/2010/main" xmlns="">
+              <a14:hiddenFill xmlns:a14="http://schemas.microsoft.com/office/drawing/2010/main">
                 <a:solidFill>
                   <a:srgbClr val="FFFFFF"/>
                 </a:solidFill>
@@ -6551,205 +10285,10 @@
           </a:extLst>
         </p:spPr>
       </p:pic>
-      <p:pic>
-        <p:nvPicPr>
-          <p:cNvPr id="3077" name="Picture 5" descr="C:\Users\Matze\Desktop\pointCloud.gif"/>
-          <p:cNvPicPr>
-            <a:picLocks noChangeAspect="1" noChangeArrowheads="1"/>
-          </p:cNvPicPr>
-          <p:nvPr/>
-        </p:nvPicPr>
-        <p:blipFill>
-          <a:blip r:embed="rId3" cstate="print">
-            <a:extLst>
-              <a:ext uri="{28A0092B-C50C-407E-A947-70E740481C1C}">
-                <a14:useLocalDpi xmlns:a14="http://schemas.microsoft.com/office/drawing/2010/main" xmlns="" val="0"/>
-              </a:ext>
-            </a:extLst>
-          </a:blip>
-          <a:srcRect/>
-          <a:stretch>
-            <a:fillRect/>
-          </a:stretch>
-        </p:blipFill>
-        <p:spPr bwMode="auto">
-          <a:xfrm>
-            <a:off x="6437265" y="3429000"/>
-            <a:ext cx="1951159" cy="2697690"/>
-          </a:xfrm>
-          <a:prstGeom prst="rect">
-            <a:avLst/>
-          </a:prstGeom>
-          <a:noFill/>
-          <a:extLst>
-            <a:ext uri="{909E8E84-426E-40DD-AFC4-6F175D3DCCD1}">
-              <a14:hiddenFill xmlns:a14="http://schemas.microsoft.com/office/drawing/2010/main" xmlns="">
-                <a:solidFill>
-                  <a:srgbClr val="FFFFFF"/>
-                </a:solidFill>
-              </a14:hiddenFill>
-            </a:ext>
-          </a:extLst>
-        </p:spPr>
-      </p:pic>
-      <p:sp>
-        <p:nvSpPr>
-          <p:cNvPr id="8" name="Textfeld 7"/>
-          <p:cNvSpPr txBox="1"/>
-          <p:nvPr/>
-        </p:nvSpPr>
-        <p:spPr>
-          <a:xfrm>
-            <a:off x="4709073" y="5013176"/>
-            <a:ext cx="1728192" cy="923330"/>
-          </a:xfrm>
-          <a:prstGeom prst="rect">
-            <a:avLst/>
-          </a:prstGeom>
-          <a:noFill/>
-        </p:spPr>
-        <p:txBody>
-          <a:bodyPr wrap="square" rtlCol="0">
-            <a:spAutoFit/>
-          </a:bodyPr>
-          <a:lstStyle/>
-          <a:p>
-            <a:r>
-              <a:rPr lang="de-DE" dirty="0" smtClean="0"/>
-              <a:t>Nicht verwechseln mit Point-Cloud:</a:t>
-            </a:r>
-            <a:endParaRPr lang="de-DE" dirty="0"/>
-          </a:p>
-        </p:txBody>
-      </p:sp>
-      <p:sp>
-        <p:nvSpPr>
-          <p:cNvPr id="3" name="Inhaltsplatzhalter 2"/>
-          <p:cNvSpPr>
-            <a:spLocks noGrp="1"/>
-          </p:cNvSpPr>
-          <p:nvPr>
-            <p:ph idx="1"/>
-          </p:nvPr>
-        </p:nvSpPr>
-        <p:spPr>
-          <a:xfrm>
-            <a:off x="457200" y="2060848"/>
-            <a:ext cx="8229600" cy="1080120"/>
-          </a:xfrm>
-        </p:spPr>
-        <p:txBody>
-          <a:bodyPr>
-            <a:noAutofit/>
-          </a:bodyPr>
-          <a:lstStyle/>
-          <a:p>
-            <a:pPr marL="0" indent="0">
-              <a:buNone/>
-            </a:pPr>
-            <a:r>
-              <a:rPr lang="de-DE" sz="2000" dirty="0" err="1" smtClean="0"/>
-              <a:t>Voxel</a:t>
-            </a:r>
-            <a:r>
-              <a:rPr lang="de-DE" sz="2000" dirty="0" smtClean="0"/>
-              <a:t> = </a:t>
-            </a:r>
-            <a:r>
-              <a:rPr lang="de-DE" sz="2000" dirty="0" err="1" smtClean="0"/>
-              <a:t>Volumetric</a:t>
-            </a:r>
-            <a:r>
-              <a:rPr lang="de-DE" sz="2000" dirty="0" smtClean="0"/>
-              <a:t> Pixel / Volume Element</a:t>
-            </a:r>
-          </a:p>
-          <a:p>
-            <a:r>
-              <a:rPr lang="de-DE" sz="2000" dirty="0" smtClean="0"/>
-              <a:t>Unterteilung von 3D Raum in einheitliche Zellen (Meistens Würfel)</a:t>
-            </a:r>
-          </a:p>
-          <a:p>
-            <a:r>
-              <a:rPr lang="de-DE" sz="2000" dirty="0" smtClean="0"/>
-              <a:t>Position wird über die relative Position zu anderen </a:t>
-            </a:r>
-            <a:r>
-              <a:rPr lang="de-DE" sz="2000" dirty="0" err="1" smtClean="0"/>
-              <a:t>Voxeln</a:t>
-            </a:r>
-            <a:r>
-              <a:rPr lang="de-DE" sz="2000" dirty="0" smtClean="0"/>
-              <a:t> bestimmt.</a:t>
-            </a:r>
-          </a:p>
-        </p:txBody>
-      </p:sp>
-      <p:sp>
-        <p:nvSpPr>
-          <p:cNvPr id="9" name="Textfeld 8"/>
-          <p:cNvSpPr txBox="1"/>
-          <p:nvPr/>
-        </p:nvSpPr>
-        <p:spPr>
-          <a:xfrm>
-            <a:off x="3923928" y="5744289"/>
-            <a:ext cx="360040" cy="276999"/>
-          </a:xfrm>
-          <a:prstGeom prst="rect">
-            <a:avLst/>
-          </a:prstGeom>
-          <a:noFill/>
-        </p:spPr>
-        <p:txBody>
-          <a:bodyPr wrap="square" rtlCol="0">
-            <a:spAutoFit/>
-          </a:bodyPr>
-          <a:lstStyle/>
-          <a:p>
-            <a:r>
-              <a:rPr lang="de-DE" sz="1200" dirty="0" smtClean="0"/>
-              <a:t>[1]</a:t>
-            </a:r>
-            <a:endParaRPr lang="de-DE" sz="1200" dirty="0"/>
-          </a:p>
-        </p:txBody>
-      </p:sp>
-      <p:sp>
-        <p:nvSpPr>
-          <p:cNvPr id="12" name="Textfeld 11"/>
-          <p:cNvSpPr txBox="1"/>
-          <p:nvPr/>
-        </p:nvSpPr>
-        <p:spPr>
-          <a:xfrm>
-            <a:off x="8244408" y="5748617"/>
-            <a:ext cx="360040" cy="276999"/>
-          </a:xfrm>
-          <a:prstGeom prst="rect">
-            <a:avLst/>
-          </a:prstGeom>
-          <a:noFill/>
-        </p:spPr>
-        <p:txBody>
-          <a:bodyPr wrap="square" rtlCol="0">
-            <a:spAutoFit/>
-          </a:bodyPr>
-          <a:lstStyle/>
-          <a:p>
-            <a:r>
-              <a:rPr lang="de-DE" sz="1200" dirty="0" smtClean="0"/>
-              <a:t>[2]</a:t>
-            </a:r>
-            <a:endParaRPr lang="de-DE" sz="1200" dirty="0"/>
-          </a:p>
-        </p:txBody>
-      </p:sp>
     </p:spTree>
     <p:extLst>
       <p:ext uri="{BB962C8B-B14F-4D97-AF65-F5344CB8AC3E}">
-        <p14:creationId xmlns:p14="http://schemas.microsoft.com/office/powerpoint/2010/main" xmlns="" val="431943910"/>
+        <p14:creationId xmlns:p14="http://schemas.microsoft.com/office/powerpoint/2010/main" val="431943910"/>
       </p:ext>
     </p:extLst>
   </p:cSld>
@@ -6805,71 +10344,12 @@
           <a:p>
             <a:r>
               <a:rPr lang="de-DE" dirty="0" smtClean="0"/>
-              <a:t>Zielsetzung</a:t>
-            </a:r>
-            <a:endParaRPr lang="de-DE" dirty="0"/>
-          </a:p>
-        </p:txBody>
-      </p:sp>
-      <p:sp>
-        <p:nvSpPr>
-          <p:cNvPr id="3" name="Inhaltsplatzhalter 2"/>
-          <p:cNvSpPr>
-            <a:spLocks noGrp="1"/>
-          </p:cNvSpPr>
-          <p:nvPr>
-            <p:ph idx="1"/>
-          </p:nvPr>
-        </p:nvSpPr>
-        <p:spPr>
-          <a:xfrm>
-            <a:off x="464681" y="2348880"/>
-            <a:ext cx="8229600" cy="3489251"/>
-          </a:xfrm>
-        </p:spPr>
-        <p:txBody>
-          <a:bodyPr/>
-          <a:lstStyle/>
-          <a:p>
-            <a:pPr marL="0" indent="0">
-              <a:buNone/>
-            </a:pPr>
-            <a:r>
-              <a:rPr lang="de-DE" dirty="0" smtClean="0"/>
-              <a:t>Eigenschaften eines </a:t>
-            </a:r>
-            <a:r>
-              <a:rPr lang="de-DE" dirty="0" err="1" smtClean="0"/>
-              <a:t>Voxels</a:t>
-            </a:r>
-            <a:endParaRPr lang="de-DE" dirty="0" smtClean="0"/>
-          </a:p>
-          <a:p>
-            <a:r>
-              <a:rPr lang="de-DE" sz="2800" dirty="0" smtClean="0"/>
-              <a:t>Bis zu 64 Einheiten an Materialien pro </a:t>
-            </a:r>
-            <a:r>
-              <a:rPr lang="de-DE" sz="2800" dirty="0" err="1" smtClean="0"/>
-              <a:t>Voxel</a:t>
-            </a:r>
-            <a:endParaRPr lang="de-DE" sz="2800" dirty="0" smtClean="0"/>
-          </a:p>
-          <a:p>
-            <a:r>
-              <a:rPr lang="de-DE" sz="2800" dirty="0" smtClean="0"/>
-              <a:t>Reihenfolge der Materialien nicht im </a:t>
-            </a:r>
-            <a:r>
-              <a:rPr lang="de-DE" sz="2800" dirty="0" err="1" smtClean="0"/>
-              <a:t>Voxel</a:t>
-            </a:r>
-            <a:r>
-              <a:rPr lang="de-DE" sz="2800" dirty="0" smtClean="0"/>
-              <a:t> festgelegt</a:t>
-            </a:r>
-          </a:p>
-          <a:p>
+              <a:t>Grundlagen </a:t>
+            </a:r>
+            <a:r>
+              <a:rPr lang="de-DE" dirty="0"/>
+              <a:t>(Marching Cubes)</a:t>
+            </a:r>
             <a:endParaRPr lang="de-DE" dirty="0"/>
           </a:p>
         </p:txBody>
@@ -6944,10 +10424,193 @@
           </a:p>
         </p:txBody>
       </p:sp>
+      <p:sp>
+        <p:nvSpPr>
+          <p:cNvPr id="3" name="Inhaltsplatzhalter 2"/>
+          <p:cNvSpPr>
+            <a:spLocks noGrp="1"/>
+          </p:cNvSpPr>
+          <p:nvPr>
+            <p:ph idx="1"/>
+          </p:nvPr>
+        </p:nvSpPr>
+        <p:spPr>
+          <a:xfrm>
+            <a:off x="251520" y="1897966"/>
+            <a:ext cx="6048672" cy="792088"/>
+          </a:xfrm>
+        </p:spPr>
+        <p:txBody>
+          <a:bodyPr>
+            <a:noAutofit/>
+          </a:bodyPr>
+          <a:lstStyle/>
+          <a:p>
+            <a:pPr marL="0" indent="0">
+              <a:buNone/>
+            </a:pPr>
+            <a:r>
+              <a:rPr lang="de-DE" sz="2000" dirty="0" smtClean="0"/>
+              <a:t>Im </a:t>
+            </a:r>
+            <a:r>
+              <a:rPr lang="de-DE" sz="2000" dirty="0" err="1" smtClean="0"/>
+              <a:t>rekonstruktiven</a:t>
+            </a:r>
+            <a:r>
+              <a:rPr lang="de-DE" sz="2000" dirty="0" smtClean="0"/>
+              <a:t> Bereich Verschiebung der Vertices zu den gemessenen Eintrittspunkten in das Objekt:</a:t>
+            </a:r>
+            <a:endParaRPr lang="de-DE" sz="2000" dirty="0" smtClean="0"/>
+          </a:p>
+        </p:txBody>
+      </p:sp>
+      <p:sp>
+        <p:nvSpPr>
+          <p:cNvPr id="9" name="Textfeld 8"/>
+          <p:cNvSpPr txBox="1"/>
+          <p:nvPr/>
+        </p:nvSpPr>
+        <p:spPr>
+          <a:xfrm>
+            <a:off x="3920502" y="5606169"/>
+            <a:ext cx="360040" cy="276999"/>
+          </a:xfrm>
+          <a:prstGeom prst="rect">
+            <a:avLst/>
+          </a:prstGeom>
+          <a:noFill/>
+        </p:spPr>
+        <p:txBody>
+          <a:bodyPr wrap="square" rtlCol="0">
+            <a:spAutoFit/>
+          </a:bodyPr>
+          <a:lstStyle/>
+          <a:p>
+            <a:r>
+              <a:rPr lang="de-DE" sz="1200" dirty="0" smtClean="0"/>
+              <a:t>[2]</a:t>
+            </a:r>
+            <a:endParaRPr lang="de-DE" sz="1200" dirty="0"/>
+          </a:p>
+        </p:txBody>
+      </p:sp>
+      <p:sp>
+        <p:nvSpPr>
+          <p:cNvPr id="12" name="Textfeld 11"/>
+          <p:cNvSpPr txBox="1"/>
+          <p:nvPr/>
+        </p:nvSpPr>
+        <p:spPr>
+          <a:xfrm>
+            <a:off x="7741818" y="5606170"/>
+            <a:ext cx="360040" cy="276999"/>
+          </a:xfrm>
+          <a:prstGeom prst="rect">
+            <a:avLst/>
+          </a:prstGeom>
+          <a:noFill/>
+        </p:spPr>
+        <p:txBody>
+          <a:bodyPr wrap="square" rtlCol="0">
+            <a:spAutoFit/>
+          </a:bodyPr>
+          <a:lstStyle/>
+          <a:p>
+            <a:r>
+              <a:rPr lang="de-DE" sz="1200" dirty="0" smtClean="0"/>
+              <a:t>[3]</a:t>
+            </a:r>
+            <a:endParaRPr lang="de-DE" sz="1200" dirty="0"/>
+          </a:p>
+        </p:txBody>
+      </p:sp>
+      <p:pic>
+        <p:nvPicPr>
+          <p:cNvPr id="2050" name="Picture 2" descr="C:\Users\Matze\Documents\Git\MC_Paper\Paper\figures\VerschiebenBeiMarchingCubes1.jpg"/>
+          <p:cNvPicPr>
+            <a:picLocks noChangeAspect="1" noChangeArrowheads="1"/>
+          </p:cNvPicPr>
+          <p:nvPr/>
+        </p:nvPicPr>
+        <p:blipFill>
+          <a:blip r:embed="rId2">
+            <a:extLst>
+              <a:ext uri="{28A0092B-C50C-407E-A947-70E740481C1C}">
+                <a14:useLocalDpi xmlns:a14="http://schemas.microsoft.com/office/drawing/2010/main" val="0"/>
+              </a:ext>
+            </a:extLst>
+          </a:blip>
+          <a:srcRect/>
+          <a:stretch>
+            <a:fillRect/>
+          </a:stretch>
+        </p:blipFill>
+        <p:spPr bwMode="auto">
+          <a:xfrm>
+            <a:off x="933174" y="2550955"/>
+            <a:ext cx="3347368" cy="3055216"/>
+          </a:xfrm>
+          <a:prstGeom prst="rect">
+            <a:avLst/>
+          </a:prstGeom>
+          <a:noFill/>
+          <a:extLst>
+            <a:ext uri="{909E8E84-426E-40DD-AFC4-6F175D3DCCD1}">
+              <a14:hiddenFill xmlns:a14="http://schemas.microsoft.com/office/drawing/2010/main">
+                <a:solidFill>
+                  <a:srgbClr val="FFFFFF"/>
+                </a:solidFill>
+              </a14:hiddenFill>
+            </a:ext>
+          </a:extLst>
+        </p:spPr>
+      </p:pic>
+      <p:pic>
+        <p:nvPicPr>
+          <p:cNvPr id="2051" name="Picture 3" descr="C:\Users\Matze\Documents\Git\MC_Paper\Paper\figures\VerschiebenBeiMarchingCubes2.jpg"/>
+          <p:cNvPicPr>
+            <a:picLocks noChangeAspect="1" noChangeArrowheads="1"/>
+          </p:cNvPicPr>
+          <p:nvPr/>
+        </p:nvPicPr>
+        <p:blipFill>
+          <a:blip r:embed="rId3">
+            <a:extLst>
+              <a:ext uri="{28A0092B-C50C-407E-A947-70E740481C1C}">
+                <a14:useLocalDpi xmlns:a14="http://schemas.microsoft.com/office/drawing/2010/main" val="0"/>
+              </a:ext>
+            </a:extLst>
+          </a:blip>
+          <a:srcRect/>
+          <a:stretch>
+            <a:fillRect/>
+          </a:stretch>
+        </p:blipFill>
+        <p:spPr bwMode="auto">
+          <a:xfrm>
+            <a:off x="4788024" y="2581562"/>
+            <a:ext cx="3313834" cy="3024609"/>
+          </a:xfrm>
+          <a:prstGeom prst="rect">
+            <a:avLst/>
+          </a:prstGeom>
+          <a:noFill/>
+          <a:extLst>
+            <a:ext uri="{909E8E84-426E-40DD-AFC4-6F175D3DCCD1}">
+              <a14:hiddenFill xmlns:a14="http://schemas.microsoft.com/office/drawing/2010/main">
+                <a:solidFill>
+                  <a:srgbClr val="FFFFFF"/>
+                </a:solidFill>
+              </a14:hiddenFill>
+            </a:ext>
+          </a:extLst>
+        </p:spPr>
+      </p:pic>
     </p:spTree>
     <p:extLst>
       <p:ext uri="{BB962C8B-B14F-4D97-AF65-F5344CB8AC3E}">
-        <p14:creationId xmlns:p14="http://schemas.microsoft.com/office/powerpoint/2010/main" xmlns="" val="1579986687"/>
+        <p14:creationId xmlns:p14="http://schemas.microsoft.com/office/powerpoint/2010/main" val="151391037"/>
       </p:ext>
     </p:extLst>
   </p:cSld>
@@ -6983,860 +10646,24 @@
       </p:grpSpPr>
       <p:sp>
         <p:nvSpPr>
-          <p:cNvPr id="2" name="Titel 1"/>
-          <p:cNvSpPr>
-            <a:spLocks noGrp="1"/>
-          </p:cNvSpPr>
-          <p:nvPr>
-            <p:ph type="title"/>
-          </p:nvPr>
+          <p:cNvPr id="7" name="Rechteck 6"/>
+          <p:cNvSpPr/>
+          <p:nvPr/>
         </p:nvSpPr>
         <p:spPr>
           <a:xfrm>
-            <a:off x="323528" y="1052736"/>
-            <a:ext cx="8301608" cy="720080"/>
-          </a:xfrm>
-        </p:spPr>
-        <p:txBody>
-          <a:bodyPr/>
-          <a:lstStyle/>
-          <a:p>
-            <a:r>
-              <a:rPr lang="de-DE" dirty="0" smtClean="0"/>
-              <a:t>Umsetzung der Oberflächengenerierung</a:t>
-            </a:r>
-            <a:endParaRPr lang="de-DE" dirty="0"/>
-          </a:p>
-        </p:txBody>
-      </p:sp>
-      <p:sp>
-        <p:nvSpPr>
-          <p:cNvPr id="3" name="Inhaltsplatzhalter 2"/>
-          <p:cNvSpPr>
-            <a:spLocks noGrp="1"/>
-          </p:cNvSpPr>
-          <p:nvPr>
-            <p:ph idx="1"/>
-          </p:nvPr>
-        </p:nvSpPr>
-        <p:spPr>
-          <a:xfrm>
-            <a:off x="446856" y="1883965"/>
-            <a:ext cx="8229600" cy="3993307"/>
-          </a:xfrm>
-        </p:spPr>
-        <p:txBody>
-          <a:bodyPr>
-            <a:normAutofit fontScale="92500" lnSpcReduction="10000"/>
-          </a:bodyPr>
-          <a:lstStyle/>
-          <a:p>
-            <a:pPr marL="0" indent="0">
-              <a:buNone/>
-            </a:pPr>
-            <a:r>
-              <a:rPr lang="de-DE" dirty="0" smtClean="0"/>
-              <a:t>Eine Textur pro </a:t>
-            </a:r>
-            <a:r>
-              <a:rPr lang="de-DE" dirty="0" err="1" smtClean="0"/>
-              <a:t>Voxel</a:t>
-            </a:r>
-            <a:endParaRPr lang="de-DE" dirty="0" smtClean="0"/>
-          </a:p>
-          <a:p>
-            <a:r>
-              <a:rPr lang="de-DE" sz="2400" dirty="0" smtClean="0"/>
-              <a:t>Abhängigkeit von der Menge der Materialien im </a:t>
-            </a:r>
-            <a:r>
-              <a:rPr lang="de-DE" sz="2400" dirty="0" err="1" smtClean="0"/>
-              <a:t>Voxel</a:t>
-            </a:r>
-            <a:endParaRPr lang="de-DE" sz="2400" dirty="0" smtClean="0"/>
-          </a:p>
-          <a:p>
-            <a:r>
-              <a:rPr lang="de-DE" sz="2400" dirty="0" smtClean="0"/>
-              <a:t>Abhängigkeit von den Materialien in den Umgebenden </a:t>
-            </a:r>
-            <a:r>
-              <a:rPr lang="de-DE" sz="2400" dirty="0" err="1" smtClean="0"/>
-              <a:t>Voxeln</a:t>
-            </a:r>
-            <a:endParaRPr lang="de-DE" sz="2400" dirty="0" smtClean="0"/>
-          </a:p>
-          <a:p>
-            <a:endParaRPr lang="de-DE" sz="2400" dirty="0"/>
-          </a:p>
-          <a:p>
-            <a:endParaRPr lang="de-DE" sz="2400" dirty="0" smtClean="0"/>
-          </a:p>
-          <a:p>
-            <a:endParaRPr lang="de-DE" sz="2400" dirty="0" smtClean="0"/>
-          </a:p>
-          <a:p>
-            <a:endParaRPr lang="de-DE" sz="2400" dirty="0" smtClean="0"/>
-          </a:p>
-          <a:p>
-            <a:endParaRPr lang="de-DE" sz="2400" dirty="0" smtClean="0"/>
-          </a:p>
-          <a:p>
-            <a:endParaRPr lang="de-DE" sz="2400" dirty="0"/>
-          </a:p>
-          <a:p>
-            <a:r>
-              <a:rPr lang="de-DE" sz="2400" dirty="0" smtClean="0"/>
-              <a:t>Bestimmung anhand in </a:t>
-            </a:r>
-            <a:r>
-              <a:rPr lang="de-DE" sz="2400" dirty="0" err="1" smtClean="0"/>
-              <a:t>Voxel</a:t>
-            </a:r>
-            <a:r>
-              <a:rPr lang="de-DE" sz="2400" dirty="0" smtClean="0"/>
-              <a:t> festgelegter Reihenfolge</a:t>
-            </a:r>
-            <a:endParaRPr lang="de-DE" sz="2400" dirty="0"/>
-          </a:p>
-        </p:txBody>
-      </p:sp>
-      <p:sp>
-        <p:nvSpPr>
-          <p:cNvPr id="4" name="Datumsplatzhalter 3"/>
-          <p:cNvSpPr>
-            <a:spLocks noGrp="1"/>
-          </p:cNvSpPr>
-          <p:nvPr>
-            <p:ph type="dt" sz="half" idx="10"/>
-          </p:nvPr>
-        </p:nvSpPr>
-        <p:spPr/>
-        <p:txBody>
-          <a:bodyPr/>
-          <a:lstStyle/>
-          <a:p>
-            <a:r>
-              <a:rPr lang="de-DE" dirty="0" smtClean="0"/>
-              <a:t>27.11.2018</a:t>
-            </a:r>
-            <a:endParaRPr lang="de-DE" dirty="0"/>
-          </a:p>
-        </p:txBody>
-      </p:sp>
-      <p:sp>
-        <p:nvSpPr>
-          <p:cNvPr id="5" name="Fußzeilenplatzhalter 4"/>
-          <p:cNvSpPr>
-            <a:spLocks noGrp="1"/>
-          </p:cNvSpPr>
-          <p:nvPr>
-            <p:ph type="ftr" sz="quarter" idx="11"/>
-          </p:nvPr>
-        </p:nvSpPr>
-        <p:spPr/>
-        <p:txBody>
-          <a:bodyPr/>
-          <a:lstStyle/>
-          <a:p>
-            <a:r>
-              <a:rPr lang="de-DE" smtClean="0"/>
-              <a:t>Matthias Mettenleiter</a:t>
-            </a:r>
-            <a:endParaRPr lang="de-DE"/>
-          </a:p>
-        </p:txBody>
-      </p:sp>
-      <p:sp>
-        <p:nvSpPr>
-          <p:cNvPr id="6" name="Foliennummernplatzhalter 5"/>
-          <p:cNvSpPr>
-            <a:spLocks noGrp="1"/>
-          </p:cNvSpPr>
-          <p:nvPr>
-            <p:ph type="sldNum" sz="quarter" idx="12"/>
-          </p:nvPr>
-        </p:nvSpPr>
-        <p:spPr/>
-        <p:txBody>
-          <a:bodyPr/>
-          <a:lstStyle/>
-          <a:p>
-            <a:fld id="{B19EDA2B-D1ED-49F1-A641-C679BE89B1F0}" type="slidenum">
-              <a:rPr lang="de-DE" smtClean="0"/>
-              <a:pPr/>
-              <a:t>6</a:t>
-            </a:fld>
-            <a:endParaRPr lang="de-DE"/>
-          </a:p>
-        </p:txBody>
-      </p:sp>
-      <p:pic>
-        <p:nvPicPr>
-          <p:cNvPr id="11266" name="Picture 2" descr="C:\Users\Matze\Documents\BachelorThesis\LaTeX\BachelorThesis\Bilder\BspColorPerVoxel.jpg"/>
-          <p:cNvPicPr>
-            <a:picLocks noChangeAspect="1" noChangeArrowheads="1"/>
-          </p:cNvPicPr>
-          <p:nvPr/>
-        </p:nvPicPr>
-        <p:blipFill>
-          <a:blip r:embed="rId2" cstate="print">
-            <a:extLst>
-              <a:ext uri="{28A0092B-C50C-407E-A947-70E740481C1C}">
-                <a14:useLocalDpi xmlns:a14="http://schemas.microsoft.com/office/drawing/2010/main" xmlns="" val="0"/>
-              </a:ext>
-            </a:extLst>
-          </a:blip>
-          <a:srcRect/>
-          <a:stretch>
-            <a:fillRect/>
-          </a:stretch>
-        </p:blipFill>
-        <p:spPr bwMode="auto">
-          <a:xfrm>
-            <a:off x="611560" y="3317851"/>
-            <a:ext cx="3876057" cy="1872208"/>
-          </a:xfrm>
-          <a:prstGeom prst="rect">
-            <a:avLst/>
-          </a:prstGeom>
-          <a:noFill/>
-          <a:extLst>
-            <a:ext uri="{909E8E84-426E-40DD-AFC4-6F175D3DCCD1}">
-              <a14:hiddenFill xmlns:a14="http://schemas.microsoft.com/office/drawing/2010/main" xmlns="">
-                <a:solidFill>
-                  <a:srgbClr val="FFFFFF"/>
-                </a:solidFill>
-              </a14:hiddenFill>
-            </a:ext>
-          </a:extLst>
-        </p:spPr>
-      </p:pic>
-      <p:pic>
-        <p:nvPicPr>
-          <p:cNvPr id="11267" name="Picture 3" descr="C:\Users\Matze\Desktop\Formel1.PNG"/>
-          <p:cNvPicPr>
-            <a:picLocks noChangeAspect="1" noChangeArrowheads="1"/>
-          </p:cNvPicPr>
-          <p:nvPr/>
-        </p:nvPicPr>
-        <p:blipFill>
-          <a:blip r:embed="rId3" cstate="print">
-            <a:extLst>
-              <a:ext uri="{28A0092B-C50C-407E-A947-70E740481C1C}">
-                <a14:useLocalDpi xmlns:a14="http://schemas.microsoft.com/office/drawing/2010/main" xmlns="" val="0"/>
-              </a:ext>
-            </a:extLst>
-          </a:blip>
-          <a:srcRect/>
-          <a:stretch>
-            <a:fillRect/>
-          </a:stretch>
-        </p:blipFill>
-        <p:spPr bwMode="auto">
-          <a:xfrm>
-            <a:off x="4384368" y="3286348"/>
-            <a:ext cx="2923936" cy="725041"/>
-          </a:xfrm>
-          <a:prstGeom prst="rect">
-            <a:avLst/>
-          </a:prstGeom>
-          <a:noFill/>
-          <a:extLst>
-            <a:ext uri="{909E8E84-426E-40DD-AFC4-6F175D3DCCD1}">
-              <a14:hiddenFill xmlns:a14="http://schemas.microsoft.com/office/drawing/2010/main" xmlns="">
-                <a:solidFill>
-                  <a:srgbClr val="FFFFFF"/>
-                </a:solidFill>
-              </a14:hiddenFill>
-            </a:ext>
-          </a:extLst>
-        </p:spPr>
-      </p:pic>
-      <p:pic>
-        <p:nvPicPr>
-          <p:cNvPr id="11268" name="Picture 4" descr="C:\Users\Matze\Desktop\Formel2.PNG"/>
-          <p:cNvPicPr>
-            <a:picLocks noChangeAspect="1" noChangeArrowheads="1"/>
-          </p:cNvPicPr>
-          <p:nvPr/>
-        </p:nvPicPr>
-        <p:blipFill>
-          <a:blip r:embed="rId4" cstate="print">
-            <a:extLst>
-              <a:ext uri="{28A0092B-C50C-407E-A947-70E740481C1C}">
-                <a14:useLocalDpi xmlns:a14="http://schemas.microsoft.com/office/drawing/2010/main" xmlns="" val="0"/>
-              </a:ext>
-            </a:extLst>
-          </a:blip>
-          <a:srcRect/>
-          <a:stretch>
-            <a:fillRect/>
-          </a:stretch>
-        </p:blipFill>
-        <p:spPr bwMode="auto">
-          <a:xfrm>
-            <a:off x="4373289" y="4006428"/>
-            <a:ext cx="1782887" cy="689383"/>
-          </a:xfrm>
-          <a:prstGeom prst="rect">
-            <a:avLst/>
-          </a:prstGeom>
-          <a:noFill/>
-          <a:extLst>
-            <a:ext uri="{909E8E84-426E-40DD-AFC4-6F175D3DCCD1}">
-              <a14:hiddenFill xmlns:a14="http://schemas.microsoft.com/office/drawing/2010/main" xmlns="">
-                <a:solidFill>
-                  <a:srgbClr val="FFFFFF"/>
-                </a:solidFill>
-              </a14:hiddenFill>
-            </a:ext>
-          </a:extLst>
-        </p:spPr>
-      </p:pic>
-      <p:pic>
-        <p:nvPicPr>
-          <p:cNvPr id="11269" name="Picture 5" descr="C:\Users\Matze\Desktop\Formel3.PNG"/>
-          <p:cNvPicPr>
-            <a:picLocks noChangeAspect="1" noChangeArrowheads="1"/>
-          </p:cNvPicPr>
-          <p:nvPr/>
-        </p:nvPicPr>
-        <p:blipFill>
-          <a:blip r:embed="rId5" cstate="print">
-            <a:extLst>
-              <a:ext uri="{28A0092B-C50C-407E-A947-70E740481C1C}">
-                <a14:useLocalDpi xmlns:a14="http://schemas.microsoft.com/office/drawing/2010/main" xmlns="" val="0"/>
-              </a:ext>
-            </a:extLst>
-          </a:blip>
-          <a:srcRect/>
-          <a:stretch>
-            <a:fillRect/>
-          </a:stretch>
-        </p:blipFill>
-        <p:spPr bwMode="auto">
-          <a:xfrm>
-            <a:off x="4401907" y="4726508"/>
-            <a:ext cx="2258325" cy="463551"/>
-          </a:xfrm>
-          <a:prstGeom prst="rect">
-            <a:avLst/>
-          </a:prstGeom>
-          <a:noFill/>
-          <a:extLst>
-            <a:ext uri="{909E8E84-426E-40DD-AFC4-6F175D3DCCD1}">
-              <a14:hiddenFill xmlns:a14="http://schemas.microsoft.com/office/drawing/2010/main" xmlns="">
-                <a:solidFill>
-                  <a:srgbClr val="FFFFFF"/>
-                </a:solidFill>
-              </a14:hiddenFill>
-            </a:ext>
-          </a:extLst>
-        </p:spPr>
-      </p:pic>
-      <p:sp>
-        <p:nvSpPr>
-          <p:cNvPr id="7" name="Ellipse 6"/>
-          <p:cNvSpPr/>
-          <p:nvPr/>
-        </p:nvSpPr>
-        <p:spPr>
-          <a:xfrm>
-            <a:off x="3131840" y="4011389"/>
-            <a:ext cx="504056" cy="458590"/>
-          </a:xfrm>
-          <a:prstGeom prst="ellipse">
-            <a:avLst/>
-          </a:prstGeom>
-          <a:solidFill>
-            <a:srgbClr val="92D050">
-              <a:alpha val="60000"/>
-            </a:srgbClr>
-          </a:solidFill>
-          <a:ln>
-            <a:noFill/>
-          </a:ln>
-        </p:spPr>
-        <p:style>
-          <a:lnRef idx="2">
-            <a:schemeClr val="accent1">
-              <a:shade val="50000"/>
-            </a:schemeClr>
-          </a:lnRef>
-          <a:fillRef idx="1">
-            <a:schemeClr val="accent1"/>
-          </a:fillRef>
-          <a:effectRef idx="0">
-            <a:schemeClr val="accent1"/>
-          </a:effectRef>
-          <a:fontRef idx="minor">
-            <a:schemeClr val="lt1"/>
-          </a:fontRef>
-        </p:style>
-        <p:txBody>
-          <a:bodyPr rtlCol="0" anchor="ctr"/>
-          <a:lstStyle/>
-          <a:p>
-            <a:pPr algn="ctr"/>
-            <a:endParaRPr lang="de-DE"/>
-          </a:p>
-        </p:txBody>
-      </p:sp>
-      <p:sp>
-        <p:nvSpPr>
-          <p:cNvPr id="14" name="Ellipse 13"/>
-          <p:cNvSpPr/>
-          <p:nvPr/>
-        </p:nvSpPr>
-        <p:spPr>
-          <a:xfrm>
-            <a:off x="3131840" y="4508726"/>
-            <a:ext cx="504056" cy="458590"/>
-          </a:xfrm>
-          <a:prstGeom prst="ellipse">
-            <a:avLst/>
-          </a:prstGeom>
-          <a:solidFill>
-            <a:srgbClr val="FF0000">
-              <a:alpha val="60000"/>
-            </a:srgbClr>
-          </a:solidFill>
-          <a:ln>
-            <a:noFill/>
-          </a:ln>
-        </p:spPr>
-        <p:style>
-          <a:lnRef idx="2">
-            <a:schemeClr val="accent1">
-              <a:shade val="50000"/>
-            </a:schemeClr>
-          </a:lnRef>
-          <a:fillRef idx="1">
-            <a:schemeClr val="accent1"/>
-          </a:fillRef>
-          <a:effectRef idx="0">
-            <a:schemeClr val="accent1"/>
-          </a:effectRef>
-          <a:fontRef idx="minor">
-            <a:schemeClr val="lt1"/>
-          </a:fontRef>
-        </p:style>
-        <p:txBody>
-          <a:bodyPr rtlCol="0" anchor="ctr"/>
-          <a:lstStyle/>
-          <a:p>
-            <a:pPr algn="ctr"/>
-            <a:endParaRPr lang="de-DE"/>
-          </a:p>
-        </p:txBody>
-      </p:sp>
-      <p:sp>
-        <p:nvSpPr>
-          <p:cNvPr id="16" name="Ellipse 15"/>
-          <p:cNvSpPr/>
-          <p:nvPr/>
-        </p:nvSpPr>
-        <p:spPr>
-          <a:xfrm>
-            <a:off x="3635896" y="4024660"/>
-            <a:ext cx="504056" cy="458590"/>
-          </a:xfrm>
-          <a:prstGeom prst="ellipse">
-            <a:avLst/>
-          </a:prstGeom>
-          <a:solidFill>
-            <a:srgbClr val="92D050">
-              <a:alpha val="60000"/>
-            </a:srgbClr>
-          </a:solidFill>
-          <a:ln>
-            <a:noFill/>
-          </a:ln>
-        </p:spPr>
-        <p:style>
-          <a:lnRef idx="2">
-            <a:schemeClr val="accent1">
-              <a:shade val="50000"/>
-            </a:schemeClr>
-          </a:lnRef>
-          <a:fillRef idx="1">
-            <a:schemeClr val="accent1"/>
-          </a:fillRef>
-          <a:effectRef idx="0">
-            <a:schemeClr val="accent1"/>
-          </a:effectRef>
-          <a:fontRef idx="minor">
-            <a:schemeClr val="lt1"/>
-          </a:fontRef>
-        </p:style>
-        <p:txBody>
-          <a:bodyPr rtlCol="0" anchor="ctr"/>
-          <a:lstStyle/>
-          <a:p>
-            <a:pPr algn="ctr"/>
-            <a:endParaRPr lang="de-DE"/>
-          </a:p>
-        </p:txBody>
-      </p:sp>
-      <p:sp>
-        <p:nvSpPr>
-          <p:cNvPr id="17" name="Ellipse 16"/>
-          <p:cNvSpPr/>
-          <p:nvPr/>
-        </p:nvSpPr>
-        <p:spPr>
-          <a:xfrm>
-            <a:off x="2627784" y="4508726"/>
-            <a:ext cx="504056" cy="458590"/>
-          </a:xfrm>
-          <a:prstGeom prst="ellipse">
-            <a:avLst/>
-          </a:prstGeom>
-          <a:solidFill>
-            <a:srgbClr val="92D050">
-              <a:alpha val="60000"/>
-            </a:srgbClr>
-          </a:solidFill>
-          <a:ln>
-            <a:noFill/>
-          </a:ln>
-        </p:spPr>
-        <p:style>
-          <a:lnRef idx="2">
-            <a:schemeClr val="accent1">
-              <a:shade val="50000"/>
-            </a:schemeClr>
-          </a:lnRef>
-          <a:fillRef idx="1">
-            <a:schemeClr val="accent1"/>
-          </a:fillRef>
-          <a:effectRef idx="0">
-            <a:schemeClr val="accent1"/>
-          </a:effectRef>
-          <a:fontRef idx="minor">
-            <a:schemeClr val="lt1"/>
-          </a:fontRef>
-        </p:style>
-        <p:txBody>
-          <a:bodyPr rtlCol="0" anchor="ctr"/>
-          <a:lstStyle/>
-          <a:p>
-            <a:pPr algn="ctr"/>
-            <a:endParaRPr lang="de-DE"/>
-          </a:p>
-        </p:txBody>
-      </p:sp>
-      <p:sp>
-        <p:nvSpPr>
-          <p:cNvPr id="18" name="Ellipse 17"/>
-          <p:cNvSpPr/>
-          <p:nvPr/>
-        </p:nvSpPr>
-        <p:spPr>
-          <a:xfrm>
-            <a:off x="3635896" y="4524631"/>
-            <a:ext cx="504056" cy="458590"/>
-          </a:xfrm>
-          <a:prstGeom prst="ellipse">
-            <a:avLst/>
-          </a:prstGeom>
-          <a:solidFill>
-            <a:srgbClr val="FF0000">
-              <a:alpha val="60000"/>
-            </a:srgbClr>
-          </a:solidFill>
-          <a:ln>
-            <a:noFill/>
-          </a:ln>
-        </p:spPr>
-        <p:style>
-          <a:lnRef idx="2">
-            <a:schemeClr val="accent1">
-              <a:shade val="50000"/>
-            </a:schemeClr>
-          </a:lnRef>
-          <a:fillRef idx="1">
-            <a:schemeClr val="accent1"/>
-          </a:fillRef>
-          <a:effectRef idx="0">
-            <a:schemeClr val="accent1"/>
-          </a:effectRef>
-          <a:fontRef idx="minor">
-            <a:schemeClr val="lt1"/>
-          </a:fontRef>
-        </p:style>
-        <p:txBody>
-          <a:bodyPr rtlCol="0" anchor="ctr"/>
-          <a:lstStyle/>
-          <a:p>
-            <a:pPr algn="ctr"/>
-            <a:endParaRPr lang="de-DE"/>
-          </a:p>
-        </p:txBody>
-      </p:sp>
-      <p:sp>
-        <p:nvSpPr>
-          <p:cNvPr id="19" name="Ellipse 18"/>
-          <p:cNvSpPr/>
-          <p:nvPr/>
-        </p:nvSpPr>
-        <p:spPr>
-          <a:xfrm>
-            <a:off x="4487617" y="3317851"/>
-            <a:ext cx="504056" cy="458590"/>
-          </a:xfrm>
-          <a:prstGeom prst="ellipse">
-            <a:avLst/>
-          </a:prstGeom>
-          <a:solidFill>
-            <a:srgbClr val="92D050">
-              <a:alpha val="60000"/>
-            </a:srgbClr>
-          </a:solidFill>
-          <a:ln>
-            <a:noFill/>
-          </a:ln>
-        </p:spPr>
-        <p:style>
-          <a:lnRef idx="2">
-            <a:schemeClr val="accent1">
-              <a:shade val="50000"/>
-            </a:schemeClr>
-          </a:lnRef>
-          <a:fillRef idx="1">
-            <a:schemeClr val="accent1"/>
-          </a:fillRef>
-          <a:effectRef idx="0">
-            <a:schemeClr val="accent1"/>
-          </a:effectRef>
-          <a:fontRef idx="minor">
-            <a:schemeClr val="lt1"/>
-          </a:fontRef>
-        </p:style>
-        <p:txBody>
-          <a:bodyPr rtlCol="0" anchor="ctr"/>
-          <a:lstStyle/>
-          <a:p>
-            <a:pPr algn="ctr"/>
-            <a:endParaRPr lang="de-DE"/>
-          </a:p>
-        </p:txBody>
-      </p:sp>
-      <p:sp>
-        <p:nvSpPr>
-          <p:cNvPr id="20" name="Ellipse 19"/>
-          <p:cNvSpPr/>
-          <p:nvPr/>
-        </p:nvSpPr>
-        <p:spPr>
-          <a:xfrm>
-            <a:off x="5220072" y="3304845"/>
-            <a:ext cx="504056" cy="458590"/>
-          </a:xfrm>
-          <a:prstGeom prst="ellipse">
-            <a:avLst/>
-          </a:prstGeom>
-          <a:solidFill>
-            <a:srgbClr val="92D050">
-              <a:alpha val="60000"/>
-            </a:srgbClr>
-          </a:solidFill>
-          <a:ln>
-            <a:noFill/>
-          </a:ln>
-        </p:spPr>
-        <p:style>
-          <a:lnRef idx="2">
-            <a:schemeClr val="accent1">
-              <a:shade val="50000"/>
-            </a:schemeClr>
-          </a:lnRef>
-          <a:fillRef idx="1">
-            <a:schemeClr val="accent1"/>
-          </a:fillRef>
-          <a:effectRef idx="0">
-            <a:schemeClr val="accent1"/>
-          </a:effectRef>
-          <a:fontRef idx="minor">
-            <a:schemeClr val="lt1"/>
-          </a:fontRef>
-        </p:style>
-        <p:txBody>
-          <a:bodyPr rtlCol="0" anchor="ctr"/>
-          <a:lstStyle/>
-          <a:p>
-            <a:pPr algn="ctr"/>
-            <a:endParaRPr lang="de-DE"/>
-          </a:p>
-        </p:txBody>
-      </p:sp>
-      <p:sp>
-        <p:nvSpPr>
-          <p:cNvPr id="21" name="Ellipse 20"/>
-          <p:cNvSpPr/>
-          <p:nvPr/>
-        </p:nvSpPr>
-        <p:spPr>
-          <a:xfrm>
-            <a:off x="5940152" y="3304845"/>
-            <a:ext cx="504056" cy="458590"/>
-          </a:xfrm>
-          <a:prstGeom prst="ellipse">
-            <a:avLst/>
-          </a:prstGeom>
-          <a:solidFill>
-            <a:srgbClr val="92D050">
-              <a:alpha val="60000"/>
-            </a:srgbClr>
-          </a:solidFill>
-          <a:ln>
-            <a:noFill/>
-          </a:ln>
-        </p:spPr>
-        <p:style>
-          <a:lnRef idx="2">
-            <a:schemeClr val="accent1">
-              <a:shade val="50000"/>
-            </a:schemeClr>
-          </a:lnRef>
-          <a:fillRef idx="1">
-            <a:schemeClr val="accent1"/>
-          </a:fillRef>
-          <a:effectRef idx="0">
-            <a:schemeClr val="accent1"/>
-          </a:effectRef>
-          <a:fontRef idx="minor">
-            <a:schemeClr val="lt1"/>
-          </a:fontRef>
-        </p:style>
-        <p:txBody>
-          <a:bodyPr rtlCol="0" anchor="ctr"/>
-          <a:lstStyle/>
-          <a:p>
-            <a:pPr algn="ctr"/>
-            <a:endParaRPr lang="de-DE"/>
-          </a:p>
-        </p:txBody>
-      </p:sp>
-      <p:sp>
-        <p:nvSpPr>
-          <p:cNvPr id="22" name="Ellipse 21"/>
-          <p:cNvSpPr/>
-          <p:nvPr/>
-        </p:nvSpPr>
-        <p:spPr>
-          <a:xfrm>
-            <a:off x="4401907" y="4006428"/>
-            <a:ext cx="504056" cy="458590"/>
-          </a:xfrm>
-          <a:prstGeom prst="ellipse">
-            <a:avLst/>
-          </a:prstGeom>
-          <a:solidFill>
-            <a:srgbClr val="FF0000">
-              <a:alpha val="60000"/>
-            </a:srgbClr>
-          </a:solidFill>
-          <a:ln>
-            <a:noFill/>
-          </a:ln>
-        </p:spPr>
-        <p:style>
-          <a:lnRef idx="2">
-            <a:schemeClr val="accent1">
-              <a:shade val="50000"/>
-            </a:schemeClr>
-          </a:lnRef>
-          <a:fillRef idx="1">
-            <a:schemeClr val="accent1"/>
-          </a:fillRef>
-          <a:effectRef idx="0">
-            <a:schemeClr val="accent1"/>
-          </a:effectRef>
-          <a:fontRef idx="minor">
-            <a:schemeClr val="lt1"/>
-          </a:fontRef>
-        </p:style>
-        <p:txBody>
-          <a:bodyPr rtlCol="0" anchor="ctr"/>
-          <a:lstStyle/>
-          <a:p>
-            <a:pPr algn="ctr"/>
-            <a:endParaRPr lang="de-DE"/>
-          </a:p>
-        </p:txBody>
-      </p:sp>
-      <p:sp>
-        <p:nvSpPr>
-          <p:cNvPr id="23" name="Ellipse 22"/>
-          <p:cNvSpPr/>
-          <p:nvPr/>
-        </p:nvSpPr>
-        <p:spPr>
-          <a:xfrm>
-            <a:off x="5012704" y="4006428"/>
-            <a:ext cx="504056" cy="458590"/>
-          </a:xfrm>
-          <a:prstGeom prst="ellipse">
-            <a:avLst/>
-          </a:prstGeom>
-          <a:solidFill>
-            <a:srgbClr val="FF0000">
-              <a:alpha val="60000"/>
-            </a:srgbClr>
-          </a:solidFill>
-          <a:ln>
-            <a:noFill/>
-          </a:ln>
-        </p:spPr>
-        <p:style>
-          <a:lnRef idx="2">
-            <a:schemeClr val="accent1">
-              <a:shade val="50000"/>
-            </a:schemeClr>
-          </a:lnRef>
-          <a:fillRef idx="1">
-            <a:schemeClr val="accent1"/>
-          </a:fillRef>
-          <a:effectRef idx="0">
-            <a:schemeClr val="accent1"/>
-          </a:effectRef>
-          <a:fontRef idx="minor">
-            <a:schemeClr val="lt1"/>
-          </a:fontRef>
-        </p:style>
-        <p:txBody>
-          <a:bodyPr rtlCol="0" anchor="ctr"/>
-          <a:lstStyle/>
-          <a:p>
-            <a:pPr algn="ctr"/>
-            <a:endParaRPr lang="de-DE"/>
-          </a:p>
-        </p:txBody>
-      </p:sp>
-      <p:sp>
-        <p:nvSpPr>
-          <p:cNvPr id="8" name="Rechteck 7"/>
-          <p:cNvSpPr/>
-          <p:nvPr/>
-        </p:nvSpPr>
-        <p:spPr>
-          <a:xfrm>
-            <a:off x="1475655" y="4006429"/>
-            <a:ext cx="510081" cy="476822"/>
+            <a:off x="395536" y="2852936"/>
+            <a:ext cx="5040560" cy="648072"/>
           </a:xfrm>
           <a:prstGeom prst="rect">
             <a:avLst/>
           </a:prstGeom>
           <a:solidFill>
-            <a:srgbClr val="92D050">
-              <a:alpha val="50000"/>
-            </a:srgbClr>
+            <a:schemeClr val="bg1"/>
           </a:solidFill>
-          <a:ln w="66675">
+          <a:ln>
             <a:solidFill>
-              <a:srgbClr val="92D050"/>
+              <a:schemeClr val="bg1"/>
             </a:solidFill>
           </a:ln>
         </p:spPr>
@@ -7861,64 +10688,295 @@
           <a:lstStyle/>
           <a:p>
             <a:pPr algn="ctr"/>
-            <a:endParaRPr lang="de-DE"/>
-          </a:p>
-        </p:txBody>
-      </p:sp>
-      <p:sp>
-        <p:nvSpPr>
-          <p:cNvPr id="9" name="Ellipse 8"/>
-          <p:cNvSpPr/>
-          <p:nvPr/>
+            <a:endParaRPr lang="de-DE">
+              <a:solidFill>
+                <a:schemeClr val="bg1"/>
+              </a:solidFill>
+            </a:endParaRPr>
+          </a:p>
+        </p:txBody>
+      </p:sp>
+      <p:sp>
+        <p:nvSpPr>
+          <p:cNvPr id="2" name="Titel 1"/>
+          <p:cNvSpPr>
+            <a:spLocks noGrp="1"/>
+          </p:cNvSpPr>
+          <p:nvPr>
+            <p:ph type="title"/>
+          </p:nvPr>
         </p:nvSpPr>
         <p:spPr>
           <a:xfrm>
-            <a:off x="6084168" y="4726508"/>
-            <a:ext cx="504056" cy="231775"/>
+            <a:off x="323528" y="1052736"/>
+            <a:ext cx="8301608" cy="720080"/>
           </a:xfrm>
-          <a:prstGeom prst="ellipse">
+        </p:spPr>
+        <p:txBody>
+          <a:bodyPr/>
+          <a:lstStyle/>
+          <a:p>
+            <a:r>
+              <a:rPr lang="de-DE" dirty="0" smtClean="0"/>
+              <a:t>Grundlagen </a:t>
+            </a:r>
+            <a:r>
+              <a:rPr lang="de-DE" dirty="0"/>
+              <a:t>(Marching Cubes)</a:t>
+            </a:r>
+            <a:endParaRPr lang="de-DE" dirty="0"/>
+          </a:p>
+        </p:txBody>
+      </p:sp>
+      <p:sp>
+        <p:nvSpPr>
+          <p:cNvPr id="4" name="Datumsplatzhalter 3"/>
+          <p:cNvSpPr>
+            <a:spLocks noGrp="1"/>
+          </p:cNvSpPr>
+          <p:nvPr>
+            <p:ph type="dt" sz="half" idx="10"/>
+          </p:nvPr>
+        </p:nvSpPr>
+        <p:spPr/>
+        <p:txBody>
+          <a:bodyPr/>
+          <a:lstStyle/>
+          <a:p>
+            <a:r>
+              <a:rPr lang="de-DE" dirty="0" smtClean="0"/>
+              <a:t>27.11.2018</a:t>
+            </a:r>
+            <a:endParaRPr lang="de-DE" dirty="0"/>
+          </a:p>
+        </p:txBody>
+      </p:sp>
+      <p:sp>
+        <p:nvSpPr>
+          <p:cNvPr id="5" name="Fußzeilenplatzhalter 4"/>
+          <p:cNvSpPr>
+            <a:spLocks noGrp="1"/>
+          </p:cNvSpPr>
+          <p:nvPr>
+            <p:ph type="ftr" sz="quarter" idx="11"/>
+          </p:nvPr>
+        </p:nvSpPr>
+        <p:spPr/>
+        <p:txBody>
+          <a:bodyPr/>
+          <a:lstStyle/>
+          <a:p>
+            <a:r>
+              <a:rPr lang="de-DE" smtClean="0"/>
+              <a:t>Matthias Mettenleiter</a:t>
+            </a:r>
+            <a:endParaRPr lang="de-DE"/>
+          </a:p>
+        </p:txBody>
+      </p:sp>
+      <p:sp>
+        <p:nvSpPr>
+          <p:cNvPr id="6" name="Foliennummernplatzhalter 5"/>
+          <p:cNvSpPr>
+            <a:spLocks noGrp="1"/>
+          </p:cNvSpPr>
+          <p:nvPr>
+            <p:ph type="sldNum" sz="quarter" idx="12"/>
+          </p:nvPr>
+        </p:nvSpPr>
+        <p:spPr/>
+        <p:txBody>
+          <a:bodyPr/>
+          <a:lstStyle/>
+          <a:p>
+            <a:fld id="{B19EDA2B-D1ED-49F1-A641-C679BE89B1F0}" type="slidenum">
+              <a:rPr lang="de-DE" smtClean="0"/>
+              <a:pPr/>
+              <a:t>6</a:t>
+            </a:fld>
+            <a:endParaRPr lang="de-DE"/>
+          </a:p>
+        </p:txBody>
+      </p:sp>
+      <p:sp>
+        <p:nvSpPr>
+          <p:cNvPr id="3" name="Inhaltsplatzhalter 2"/>
+          <p:cNvSpPr>
+            <a:spLocks noGrp="1"/>
+          </p:cNvSpPr>
+          <p:nvPr>
+            <p:ph idx="1"/>
+          </p:nvPr>
+        </p:nvSpPr>
+        <p:spPr>
+          <a:xfrm>
+            <a:off x="251520" y="1897966"/>
+            <a:ext cx="6048672" cy="792088"/>
+          </a:xfrm>
+        </p:spPr>
+        <p:txBody>
+          <a:bodyPr>
+            <a:noAutofit/>
+          </a:bodyPr>
+          <a:lstStyle/>
+          <a:p>
+            <a:pPr marL="0" indent="0">
+              <a:buNone/>
+            </a:pPr>
+            <a:r>
+              <a:rPr lang="de-DE" sz="2000" dirty="0" smtClean="0"/>
+              <a:t>Beispiel aus dem Medizinischen Bereich:</a:t>
+            </a:r>
+            <a:endParaRPr lang="de-DE" sz="2000" dirty="0" smtClean="0"/>
+          </a:p>
+        </p:txBody>
+      </p:sp>
+      <p:sp>
+        <p:nvSpPr>
+          <p:cNvPr id="9" name="Textfeld 8"/>
+          <p:cNvSpPr txBox="1"/>
+          <p:nvPr/>
+        </p:nvSpPr>
+        <p:spPr>
+          <a:xfrm>
+            <a:off x="3776486" y="5590451"/>
+            <a:ext cx="360040" cy="276999"/>
+          </a:xfrm>
+          <a:prstGeom prst="rect">
             <a:avLst/>
           </a:prstGeom>
-          <a:solidFill>
-            <a:srgbClr val="92D050">
-              <a:alpha val="50000"/>
-            </a:srgbClr>
-          </a:solidFill>
-          <a:ln>
-            <a:solidFill>
-              <a:srgbClr val="00B050"/>
-            </a:solidFill>
-          </a:ln>
+          <a:noFill/>
         </p:spPr>
-        <p:style>
-          <a:lnRef idx="2">
-            <a:schemeClr val="accent1">
-              <a:shade val="50000"/>
-            </a:schemeClr>
-          </a:lnRef>
-          <a:fillRef idx="1">
-            <a:schemeClr val="accent1"/>
-          </a:fillRef>
-          <a:effectRef idx="0">
-            <a:schemeClr val="accent1"/>
-          </a:effectRef>
-          <a:fontRef idx="minor">
-            <a:schemeClr val="lt1"/>
-          </a:fontRef>
-        </p:style>
-        <p:txBody>
-          <a:bodyPr rtlCol="0" anchor="ctr"/>
-          <a:lstStyle/>
-          <a:p>
-            <a:pPr algn="ctr"/>
-            <a:endParaRPr lang="de-DE"/>
-          </a:p>
-        </p:txBody>
-      </p:sp>
+        <p:txBody>
+          <a:bodyPr wrap="square" rtlCol="0">
+            <a:spAutoFit/>
+          </a:bodyPr>
+          <a:lstStyle/>
+          <a:p>
+            <a:r>
+              <a:rPr lang="de-DE" sz="1200" dirty="0" smtClean="0"/>
+              <a:t>[4]</a:t>
+            </a:r>
+            <a:endParaRPr lang="de-DE" sz="1200" dirty="0"/>
+          </a:p>
+        </p:txBody>
+      </p:sp>
+      <p:sp>
+        <p:nvSpPr>
+          <p:cNvPr id="12" name="Textfeld 11"/>
+          <p:cNvSpPr txBox="1"/>
+          <p:nvPr/>
+        </p:nvSpPr>
+        <p:spPr>
+          <a:xfrm>
+            <a:off x="7597802" y="5590452"/>
+            <a:ext cx="360040" cy="276999"/>
+          </a:xfrm>
+          <a:prstGeom prst="rect">
+            <a:avLst/>
+          </a:prstGeom>
+          <a:noFill/>
+        </p:spPr>
+        <p:txBody>
+          <a:bodyPr wrap="square" rtlCol="0">
+            <a:spAutoFit/>
+          </a:bodyPr>
+          <a:lstStyle/>
+          <a:p>
+            <a:r>
+              <a:rPr lang="de-DE" sz="1200" dirty="0" smtClean="0"/>
+              <a:t>[5]</a:t>
+            </a:r>
+            <a:endParaRPr lang="de-DE" sz="1200" dirty="0"/>
+          </a:p>
+        </p:txBody>
+      </p:sp>
+      <p:pic>
+        <p:nvPicPr>
+          <p:cNvPr id="3076" name="Picture 4" descr="C:\Users\Matze\Documents\Git\MC_Paper\Bilder\blockyfoot1.jpg"/>
+          <p:cNvPicPr>
+            <a:picLocks noChangeAspect="1" noChangeArrowheads="1"/>
+          </p:cNvPicPr>
+          <p:nvPr/>
+        </p:nvPicPr>
+        <p:blipFill>
+          <a:blip r:embed="rId2">
+            <a:extLst>
+              <a:ext uri="{28A0092B-C50C-407E-A947-70E740481C1C}">
+                <a14:useLocalDpi xmlns:a14="http://schemas.microsoft.com/office/drawing/2010/main" val="0"/>
+              </a:ext>
+            </a:extLst>
+          </a:blip>
+          <a:srcRect/>
+          <a:stretch>
+            <a:fillRect/>
+          </a:stretch>
+        </p:blipFill>
+        <p:spPr bwMode="auto">
+          <a:xfrm>
+            <a:off x="1098730" y="2436686"/>
+            <a:ext cx="3037796" cy="3150063"/>
+          </a:xfrm>
+          <a:prstGeom prst="rect">
+            <a:avLst/>
+          </a:prstGeom>
+          <a:noFill/>
+          <a:extLst>
+            <a:ext uri="{909E8E84-426E-40DD-AFC4-6F175D3DCCD1}">
+              <a14:hiddenFill xmlns:a14="http://schemas.microsoft.com/office/drawing/2010/main">
+                <a:solidFill>
+                  <a:srgbClr val="FFFFFF"/>
+                </a:solidFill>
+              </a14:hiddenFill>
+            </a:ext>
+          </a:extLst>
+        </p:spPr>
+      </p:pic>
+      <p:pic>
+        <p:nvPicPr>
+          <p:cNvPr id="3077" name="Picture 5" descr="C:\Users\Matze\Documents\Git\MC_Paper\Bilder\intersectedfoot.jpg"/>
+          <p:cNvPicPr>
+            <a:picLocks noChangeAspect="1" noChangeArrowheads="1"/>
+          </p:cNvPicPr>
+          <p:nvPr/>
+        </p:nvPicPr>
+        <p:blipFill>
+          <a:blip r:embed="rId3">
+            <a:extLst>
+              <a:ext uri="{28A0092B-C50C-407E-A947-70E740481C1C}">
+                <a14:useLocalDpi xmlns:a14="http://schemas.microsoft.com/office/drawing/2010/main" val="0"/>
+              </a:ext>
+            </a:extLst>
+          </a:blip>
+          <a:srcRect/>
+          <a:stretch>
+            <a:fillRect/>
+          </a:stretch>
+        </p:blipFill>
+        <p:spPr bwMode="auto">
+          <a:xfrm>
+            <a:off x="4916475" y="2436686"/>
+            <a:ext cx="3041367" cy="3153765"/>
+          </a:xfrm>
+          <a:prstGeom prst="rect">
+            <a:avLst/>
+          </a:prstGeom>
+          <a:noFill/>
+          <a:extLst>
+            <a:ext uri="{909E8E84-426E-40DD-AFC4-6F175D3DCCD1}">
+              <a14:hiddenFill xmlns:a14="http://schemas.microsoft.com/office/drawing/2010/main">
+                <a:solidFill>
+                  <a:srgbClr val="FFFFFF"/>
+                </a:solidFill>
+              </a14:hiddenFill>
+            </a:ext>
+          </a:extLst>
+        </p:spPr>
+      </p:pic>
     </p:spTree>
     <p:extLst>
       <p:ext uri="{BB962C8B-B14F-4D97-AF65-F5344CB8AC3E}">
-        <p14:creationId xmlns:p14="http://schemas.microsoft.com/office/powerpoint/2010/main" xmlns="" val="1585250674"/>
+        <p14:creationId xmlns:p14="http://schemas.microsoft.com/office/powerpoint/2010/main" val="325782271"/>
       </p:ext>
     </p:extLst>
   </p:cSld>
@@ -7928,523 +10986,9 @@
   <p:timing>
     <p:tnLst>
       <p:par>
-        <p:cTn id="1" dur="indefinite" restart="never" nodeType="tmRoot">
-          <p:childTnLst>
-            <p:seq concurrent="1" nextAc="seek">
-              <p:cTn id="2" dur="indefinite" nodeType="mainSeq">
-                <p:childTnLst>
-                  <p:par>
-                    <p:cTn id="3" fill="hold">
-                      <p:stCondLst>
-                        <p:cond delay="indefinite"/>
-                      </p:stCondLst>
-                      <p:childTnLst>
-                        <p:par>
-                          <p:cTn id="4" fill="hold">
-                            <p:stCondLst>
-                              <p:cond delay="0"/>
-                            </p:stCondLst>
-                            <p:childTnLst>
-                              <p:par>
-                                <p:cTn id="5" presetID="1" presetClass="entr" presetSubtype="0" fill="hold" grpId="0" nodeType="clickEffect">
-                                  <p:stCondLst>
-                                    <p:cond delay="0"/>
-                                  </p:stCondLst>
-                                  <p:childTnLst>
-                                    <p:set>
-                                      <p:cBhvr>
-                                        <p:cTn id="6" dur="1" fill="hold">
-                                          <p:stCondLst>
-                                            <p:cond delay="0"/>
-                                          </p:stCondLst>
-                                        </p:cTn>
-                                        <p:tgtEl>
-                                          <p:spTgt spid="17"/>
-                                        </p:tgtEl>
-                                        <p:attrNameLst>
-                                          <p:attrName>style.visibility</p:attrName>
-                                        </p:attrNameLst>
-                                      </p:cBhvr>
-                                      <p:to>
-                                        <p:strVal val="visible"/>
-                                      </p:to>
-                                    </p:set>
-                                  </p:childTnLst>
-                                </p:cTn>
-                              </p:par>
-                              <p:par>
-                                <p:cTn id="7" presetID="1" presetClass="entr" presetSubtype="0" fill="hold" grpId="0" nodeType="withEffect">
-                                  <p:stCondLst>
-                                    <p:cond delay="0"/>
-                                  </p:stCondLst>
-                                  <p:childTnLst>
-                                    <p:set>
-                                      <p:cBhvr>
-                                        <p:cTn id="8" dur="1" fill="hold">
-                                          <p:stCondLst>
-                                            <p:cond delay="0"/>
-                                          </p:stCondLst>
-                                        </p:cTn>
-                                        <p:tgtEl>
-                                          <p:spTgt spid="7"/>
-                                        </p:tgtEl>
-                                        <p:attrNameLst>
-                                          <p:attrName>style.visibility</p:attrName>
-                                        </p:attrNameLst>
-                                      </p:cBhvr>
-                                      <p:to>
-                                        <p:strVal val="visible"/>
-                                      </p:to>
-                                    </p:set>
-                                  </p:childTnLst>
-                                </p:cTn>
-                              </p:par>
-                              <p:par>
-                                <p:cTn id="9" presetID="1" presetClass="entr" presetSubtype="0" fill="hold" grpId="0" nodeType="withEffect">
-                                  <p:stCondLst>
-                                    <p:cond delay="0"/>
-                                  </p:stCondLst>
-                                  <p:childTnLst>
-                                    <p:set>
-                                      <p:cBhvr>
-                                        <p:cTn id="10" dur="1" fill="hold">
-                                          <p:stCondLst>
-                                            <p:cond delay="0"/>
-                                          </p:stCondLst>
-                                        </p:cTn>
-                                        <p:tgtEl>
-                                          <p:spTgt spid="16"/>
-                                        </p:tgtEl>
-                                        <p:attrNameLst>
-                                          <p:attrName>style.visibility</p:attrName>
-                                        </p:attrNameLst>
-                                      </p:cBhvr>
-                                      <p:to>
-                                        <p:strVal val="visible"/>
-                                      </p:to>
-                                    </p:set>
-                                  </p:childTnLst>
-                                </p:cTn>
-                              </p:par>
-                              <p:par>
-                                <p:cTn id="11" presetID="1" presetClass="entr" presetSubtype="0" fill="hold" grpId="0" nodeType="withEffect">
-                                  <p:stCondLst>
-                                    <p:cond delay="0"/>
-                                  </p:stCondLst>
-                                  <p:childTnLst>
-                                    <p:set>
-                                      <p:cBhvr>
-                                        <p:cTn id="12" dur="1" fill="hold">
-                                          <p:stCondLst>
-                                            <p:cond delay="0"/>
-                                          </p:stCondLst>
-                                        </p:cTn>
-                                        <p:tgtEl>
-                                          <p:spTgt spid="19"/>
-                                        </p:tgtEl>
-                                        <p:attrNameLst>
-                                          <p:attrName>style.visibility</p:attrName>
-                                        </p:attrNameLst>
-                                      </p:cBhvr>
-                                      <p:to>
-                                        <p:strVal val="visible"/>
-                                      </p:to>
-                                    </p:set>
-                                  </p:childTnLst>
-                                </p:cTn>
-                              </p:par>
-                              <p:par>
-                                <p:cTn id="13" presetID="1" presetClass="entr" presetSubtype="0" fill="hold" grpId="0" nodeType="withEffect">
-                                  <p:stCondLst>
-                                    <p:cond delay="0"/>
-                                  </p:stCondLst>
-                                  <p:childTnLst>
-                                    <p:set>
-                                      <p:cBhvr>
-                                        <p:cTn id="14" dur="1" fill="hold">
-                                          <p:stCondLst>
-                                            <p:cond delay="0"/>
-                                          </p:stCondLst>
-                                        </p:cTn>
-                                        <p:tgtEl>
-                                          <p:spTgt spid="20"/>
-                                        </p:tgtEl>
-                                        <p:attrNameLst>
-                                          <p:attrName>style.visibility</p:attrName>
-                                        </p:attrNameLst>
-                                      </p:cBhvr>
-                                      <p:to>
-                                        <p:strVal val="visible"/>
-                                      </p:to>
-                                    </p:set>
-                                  </p:childTnLst>
-                                </p:cTn>
-                              </p:par>
-                              <p:par>
-                                <p:cTn id="15" presetID="1" presetClass="entr" presetSubtype="0" fill="hold" grpId="0" nodeType="withEffect">
-                                  <p:stCondLst>
-                                    <p:cond delay="0"/>
-                                  </p:stCondLst>
-                                  <p:childTnLst>
-                                    <p:set>
-                                      <p:cBhvr>
-                                        <p:cTn id="16" dur="1" fill="hold">
-                                          <p:stCondLst>
-                                            <p:cond delay="0"/>
-                                          </p:stCondLst>
-                                        </p:cTn>
-                                        <p:tgtEl>
-                                          <p:spTgt spid="21"/>
-                                        </p:tgtEl>
-                                        <p:attrNameLst>
-                                          <p:attrName>style.visibility</p:attrName>
-                                        </p:attrNameLst>
-                                      </p:cBhvr>
-                                      <p:to>
-                                        <p:strVal val="visible"/>
-                                      </p:to>
-                                    </p:set>
-                                  </p:childTnLst>
-                                </p:cTn>
-                              </p:par>
-                              <p:par>
-                                <p:cTn id="17" presetID="1" presetClass="entr" presetSubtype="0" fill="hold" nodeType="withEffect">
-                                  <p:stCondLst>
-                                    <p:cond delay="0"/>
-                                  </p:stCondLst>
-                                  <p:childTnLst>
-                                    <p:set>
-                                      <p:cBhvr>
-                                        <p:cTn id="18" dur="1" fill="hold">
-                                          <p:stCondLst>
-                                            <p:cond delay="0"/>
-                                          </p:stCondLst>
-                                        </p:cTn>
-                                        <p:tgtEl>
-                                          <p:spTgt spid="11267"/>
-                                        </p:tgtEl>
-                                        <p:attrNameLst>
-                                          <p:attrName>style.visibility</p:attrName>
-                                        </p:attrNameLst>
-                                      </p:cBhvr>
-                                      <p:to>
-                                        <p:strVal val="visible"/>
-                                      </p:to>
-                                    </p:set>
-                                  </p:childTnLst>
-                                </p:cTn>
-                              </p:par>
-                            </p:childTnLst>
-                          </p:cTn>
-                        </p:par>
-                      </p:childTnLst>
-                    </p:cTn>
-                  </p:par>
-                  <p:par>
-                    <p:cTn id="19" fill="hold">
-                      <p:stCondLst>
-                        <p:cond delay="indefinite"/>
-                      </p:stCondLst>
-                      <p:childTnLst>
-                        <p:par>
-                          <p:cTn id="20" fill="hold">
-                            <p:stCondLst>
-                              <p:cond delay="0"/>
-                            </p:stCondLst>
-                            <p:childTnLst>
-                              <p:par>
-                                <p:cTn id="21" presetID="1" presetClass="entr" presetSubtype="0" fill="hold" grpId="0" nodeType="clickEffect">
-                                  <p:stCondLst>
-                                    <p:cond delay="0"/>
-                                  </p:stCondLst>
-                                  <p:childTnLst>
-                                    <p:set>
-                                      <p:cBhvr>
-                                        <p:cTn id="22" dur="1" fill="hold">
-                                          <p:stCondLst>
-                                            <p:cond delay="0"/>
-                                          </p:stCondLst>
-                                        </p:cTn>
-                                        <p:tgtEl>
-                                          <p:spTgt spid="14"/>
-                                        </p:tgtEl>
-                                        <p:attrNameLst>
-                                          <p:attrName>style.visibility</p:attrName>
-                                        </p:attrNameLst>
-                                      </p:cBhvr>
-                                      <p:to>
-                                        <p:strVal val="visible"/>
-                                      </p:to>
-                                    </p:set>
-                                  </p:childTnLst>
-                                </p:cTn>
-                              </p:par>
-                              <p:par>
-                                <p:cTn id="23" presetID="1" presetClass="entr" presetSubtype="0" fill="hold" grpId="0" nodeType="withEffect">
-                                  <p:stCondLst>
-                                    <p:cond delay="0"/>
-                                  </p:stCondLst>
-                                  <p:childTnLst>
-                                    <p:set>
-                                      <p:cBhvr>
-                                        <p:cTn id="24" dur="1" fill="hold">
-                                          <p:stCondLst>
-                                            <p:cond delay="0"/>
-                                          </p:stCondLst>
-                                        </p:cTn>
-                                        <p:tgtEl>
-                                          <p:spTgt spid="18"/>
-                                        </p:tgtEl>
-                                        <p:attrNameLst>
-                                          <p:attrName>style.visibility</p:attrName>
-                                        </p:attrNameLst>
-                                      </p:cBhvr>
-                                      <p:to>
-                                        <p:strVal val="visible"/>
-                                      </p:to>
-                                    </p:set>
-                                  </p:childTnLst>
-                                </p:cTn>
-                              </p:par>
-                              <p:par>
-                                <p:cTn id="25" presetID="1" presetClass="entr" presetSubtype="0" fill="hold" grpId="0" nodeType="withEffect">
-                                  <p:stCondLst>
-                                    <p:cond delay="0"/>
-                                  </p:stCondLst>
-                                  <p:childTnLst>
-                                    <p:set>
-                                      <p:cBhvr>
-                                        <p:cTn id="26" dur="1" fill="hold">
-                                          <p:stCondLst>
-                                            <p:cond delay="0"/>
-                                          </p:stCondLst>
-                                        </p:cTn>
-                                        <p:tgtEl>
-                                          <p:spTgt spid="22"/>
-                                        </p:tgtEl>
-                                        <p:attrNameLst>
-                                          <p:attrName>style.visibility</p:attrName>
-                                        </p:attrNameLst>
-                                      </p:cBhvr>
-                                      <p:to>
-                                        <p:strVal val="visible"/>
-                                      </p:to>
-                                    </p:set>
-                                  </p:childTnLst>
-                                </p:cTn>
-                              </p:par>
-                              <p:par>
-                                <p:cTn id="27" presetID="1" presetClass="entr" presetSubtype="0" fill="hold" grpId="0" nodeType="withEffect">
-                                  <p:stCondLst>
-                                    <p:cond delay="0"/>
-                                  </p:stCondLst>
-                                  <p:childTnLst>
-                                    <p:set>
-                                      <p:cBhvr>
-                                        <p:cTn id="28" dur="1" fill="hold">
-                                          <p:stCondLst>
-                                            <p:cond delay="0"/>
-                                          </p:stCondLst>
-                                        </p:cTn>
-                                        <p:tgtEl>
-                                          <p:spTgt spid="23"/>
-                                        </p:tgtEl>
-                                        <p:attrNameLst>
-                                          <p:attrName>style.visibility</p:attrName>
-                                        </p:attrNameLst>
-                                      </p:cBhvr>
-                                      <p:to>
-                                        <p:strVal val="visible"/>
-                                      </p:to>
-                                    </p:set>
-                                  </p:childTnLst>
-                                </p:cTn>
-                              </p:par>
-                              <p:par>
-                                <p:cTn id="29" presetID="1" presetClass="entr" presetSubtype="0" fill="hold" nodeType="withEffect">
-                                  <p:stCondLst>
-                                    <p:cond delay="0"/>
-                                  </p:stCondLst>
-                                  <p:childTnLst>
-                                    <p:set>
-                                      <p:cBhvr>
-                                        <p:cTn id="30" dur="1" fill="hold">
-                                          <p:stCondLst>
-                                            <p:cond delay="0"/>
-                                          </p:stCondLst>
-                                        </p:cTn>
-                                        <p:tgtEl>
-                                          <p:spTgt spid="11268"/>
-                                        </p:tgtEl>
-                                        <p:attrNameLst>
-                                          <p:attrName>style.visibility</p:attrName>
-                                        </p:attrNameLst>
-                                      </p:cBhvr>
-                                      <p:to>
-                                        <p:strVal val="visible"/>
-                                      </p:to>
-                                    </p:set>
-                                  </p:childTnLst>
-                                </p:cTn>
-                              </p:par>
-                            </p:childTnLst>
-                          </p:cTn>
-                        </p:par>
-                      </p:childTnLst>
-                    </p:cTn>
-                  </p:par>
-                  <p:par>
-                    <p:cTn id="31" fill="hold">
-                      <p:stCondLst>
-                        <p:cond delay="indefinite"/>
-                      </p:stCondLst>
-                      <p:childTnLst>
-                        <p:par>
-                          <p:cTn id="32" fill="hold">
-                            <p:stCondLst>
-                              <p:cond delay="0"/>
-                            </p:stCondLst>
-                            <p:childTnLst>
-                              <p:par>
-                                <p:cTn id="33" presetID="1" presetClass="entr" presetSubtype="0" fill="hold" nodeType="clickEffect">
-                                  <p:stCondLst>
-                                    <p:cond delay="0"/>
-                                  </p:stCondLst>
-                                  <p:childTnLst>
-                                    <p:set>
-                                      <p:cBhvr>
-                                        <p:cTn id="34" dur="1" fill="hold">
-                                          <p:stCondLst>
-                                            <p:cond delay="0"/>
-                                          </p:stCondLst>
-                                        </p:cTn>
-                                        <p:tgtEl>
-                                          <p:spTgt spid="11269"/>
-                                        </p:tgtEl>
-                                        <p:attrNameLst>
-                                          <p:attrName>style.visibility</p:attrName>
-                                        </p:attrNameLst>
-                                      </p:cBhvr>
-                                      <p:to>
-                                        <p:strVal val="visible"/>
-                                      </p:to>
-                                    </p:set>
-                                  </p:childTnLst>
-                                </p:cTn>
-                              </p:par>
-                            </p:childTnLst>
-                          </p:cTn>
-                        </p:par>
-                      </p:childTnLst>
-                    </p:cTn>
-                  </p:par>
-                  <p:par>
-                    <p:cTn id="35" fill="hold">
-                      <p:stCondLst>
-                        <p:cond delay="indefinite"/>
-                      </p:stCondLst>
-                      <p:childTnLst>
-                        <p:par>
-                          <p:cTn id="36" fill="hold">
-                            <p:stCondLst>
-                              <p:cond delay="0"/>
-                            </p:stCondLst>
-                            <p:childTnLst>
-                              <p:par>
-                                <p:cTn id="37" presetID="1" presetClass="entr" presetSubtype="0" fill="hold" grpId="0" nodeType="clickEffect">
-                                  <p:stCondLst>
-                                    <p:cond delay="0"/>
-                                  </p:stCondLst>
-                                  <p:childTnLst>
-                                    <p:set>
-                                      <p:cBhvr>
-                                        <p:cTn id="38" dur="1" fill="hold">
-                                          <p:stCondLst>
-                                            <p:cond delay="0"/>
-                                          </p:stCondLst>
-                                        </p:cTn>
-                                        <p:tgtEl>
-                                          <p:spTgt spid="9"/>
-                                        </p:tgtEl>
-                                        <p:attrNameLst>
-                                          <p:attrName>style.visibility</p:attrName>
-                                        </p:attrNameLst>
-                                      </p:cBhvr>
-                                      <p:to>
-                                        <p:strVal val="visible"/>
-                                      </p:to>
-                                    </p:set>
-                                  </p:childTnLst>
-                                </p:cTn>
-                              </p:par>
-                              <p:par>
-                                <p:cTn id="39" presetID="1" presetClass="entr" presetSubtype="0" fill="hold" grpId="0" nodeType="withEffect">
-                                  <p:stCondLst>
-                                    <p:cond delay="0"/>
-                                  </p:stCondLst>
-                                  <p:childTnLst>
-                                    <p:set>
-                                      <p:cBhvr>
-                                        <p:cTn id="40" dur="1" fill="hold">
-                                          <p:stCondLst>
-                                            <p:cond delay="0"/>
-                                          </p:stCondLst>
-                                        </p:cTn>
-                                        <p:tgtEl>
-                                          <p:spTgt spid="8"/>
-                                        </p:tgtEl>
-                                        <p:attrNameLst>
-                                          <p:attrName>style.visibility</p:attrName>
-                                        </p:attrNameLst>
-                                      </p:cBhvr>
-                                      <p:to>
-                                        <p:strVal val="visible"/>
-                                      </p:to>
-                                    </p:set>
-                                  </p:childTnLst>
-                                </p:cTn>
-                              </p:par>
-                            </p:childTnLst>
-                          </p:cTn>
-                        </p:par>
-                      </p:childTnLst>
-                    </p:cTn>
-                  </p:par>
-                </p:childTnLst>
-              </p:cTn>
-              <p:prevCondLst>
-                <p:cond evt="onPrev" delay="0">
-                  <p:tgtEl>
-                    <p:sldTgt/>
-                  </p:tgtEl>
-                </p:cond>
-              </p:prevCondLst>
-              <p:nextCondLst>
-                <p:cond evt="onNext" delay="0">
-                  <p:tgtEl>
-                    <p:sldTgt/>
-                  </p:tgtEl>
-                </p:cond>
-              </p:nextCondLst>
-            </p:seq>
-          </p:childTnLst>
-        </p:cTn>
+        <p:cTn id="1" dur="indefinite" restart="never" nodeType="tmRoot"/>
       </p:par>
     </p:tnLst>
-    <p:bldLst>
-      <p:bldP spid="7" grpId="0" animBg="1"/>
-      <p:bldP spid="14" grpId="0" animBg="1"/>
-      <p:bldP spid="16" grpId="0" animBg="1"/>
-      <p:bldP spid="17" grpId="0" animBg="1"/>
-      <p:bldP spid="18" grpId="0" animBg="1"/>
-      <p:bldP spid="19" grpId="0" animBg="1"/>
-      <p:bldP spid="20" grpId="0" animBg="1"/>
-      <p:bldP spid="21" grpId="0" animBg="1"/>
-      <p:bldP spid="22" grpId="0" animBg="1"/>
-      <p:bldP spid="23" grpId="0" animBg="1"/>
-      <p:bldP spid="8" grpId="0" animBg="1"/>
-      <p:bldP spid="9" grpId="0" animBg="1"/>
-    </p:bldLst>
   </p:timing>
 </p:sld>
 </file>
@@ -8468,89 +11012,53 @@
       </p:grpSpPr>
       <p:sp>
         <p:nvSpPr>
-          <p:cNvPr id="3" name="Inhaltsplatzhalter 2"/>
-          <p:cNvSpPr>
-            <a:spLocks noGrp="1"/>
-          </p:cNvSpPr>
-          <p:nvPr>
-            <p:ph idx="1"/>
-          </p:nvPr>
+          <p:cNvPr id="7" name="Rechteck 6"/>
+          <p:cNvSpPr/>
+          <p:nvPr/>
         </p:nvSpPr>
         <p:spPr>
           <a:xfrm>
-            <a:off x="446856" y="1844824"/>
-            <a:ext cx="8229600" cy="3993307"/>
+            <a:off x="395536" y="2852936"/>
+            <a:ext cx="5040560" cy="648072"/>
           </a:xfrm>
+          <a:prstGeom prst="rect">
+            <a:avLst/>
+          </a:prstGeom>
+          <a:solidFill>
+            <a:schemeClr val="bg1"/>
+          </a:solidFill>
+          <a:ln>
+            <a:solidFill>
+              <a:schemeClr val="bg1"/>
+            </a:solidFill>
+          </a:ln>
         </p:spPr>
-        <p:txBody>
-          <a:bodyPr>
-            <a:normAutofit/>
-          </a:bodyPr>
-          <a:lstStyle/>
-          <a:p>
-            <a:pPr marL="0" indent="0">
-              <a:buNone/>
-            </a:pPr>
-            <a:r>
-              <a:rPr lang="de-DE" sz="3000" dirty="0" smtClean="0"/>
-              <a:t>Materialien entlang eines Vektors</a:t>
-            </a:r>
-            <a:endParaRPr lang="de-DE" sz="3000" dirty="0"/>
-          </a:p>
-          <a:p>
-            <a:r>
-              <a:rPr lang="de-DE" sz="2400" dirty="0" smtClean="0"/>
-              <a:t>Abhängigkeit von Reihenfolge der Materialien im </a:t>
-            </a:r>
-            <a:r>
-              <a:rPr lang="de-DE" sz="2400" dirty="0" err="1" smtClean="0"/>
-              <a:t>Voxel</a:t>
-            </a:r>
-            <a:endParaRPr lang="de-DE" sz="2400" dirty="0" smtClean="0"/>
-          </a:p>
-          <a:p>
-            <a:pPr lvl="1"/>
-            <a:r>
-              <a:rPr lang="de-DE" sz="2000" dirty="0" smtClean="0"/>
-              <a:t>Festgelegte Richtung</a:t>
-            </a:r>
-          </a:p>
-          <a:p>
-            <a:pPr lvl="1"/>
-            <a:r>
-              <a:rPr lang="de-DE" sz="2000" dirty="0" smtClean="0"/>
-              <a:t>Zu den nicht verdeckten Seiten</a:t>
-            </a:r>
-          </a:p>
-          <a:p>
-            <a:pPr lvl="1"/>
-            <a:endParaRPr lang="de-DE" sz="2000" dirty="0"/>
-          </a:p>
-          <a:p>
-            <a:pPr lvl="1"/>
-            <a:endParaRPr lang="de-DE" sz="2000" dirty="0" smtClean="0"/>
-          </a:p>
-          <a:p>
-            <a:pPr lvl="1"/>
-            <a:r>
-              <a:rPr lang="de-DE" sz="2000" dirty="0" smtClean="0"/>
-              <a:t>Abhängig von der Menge der Materialien in der Umgebung</a:t>
-            </a:r>
-          </a:p>
-          <a:p>
-            <a:endParaRPr lang="de-DE" sz="2400" dirty="0" smtClean="0"/>
-          </a:p>
-          <a:p>
-            <a:endParaRPr lang="de-DE" sz="2400" dirty="0" smtClean="0"/>
-          </a:p>
-          <a:p>
-            <a:endParaRPr lang="de-DE" sz="2400" dirty="0" smtClean="0"/>
-          </a:p>
-          <a:p>
-            <a:pPr marL="0" indent="0">
-              <a:buNone/>
-            </a:pPr>
-            <a:endParaRPr lang="de-DE" sz="2400" dirty="0"/>
+        <p:style>
+          <a:lnRef idx="2">
+            <a:schemeClr val="accent1">
+              <a:shade val="50000"/>
+            </a:schemeClr>
+          </a:lnRef>
+          <a:fillRef idx="1">
+            <a:schemeClr val="accent1"/>
+          </a:fillRef>
+          <a:effectRef idx="0">
+            <a:schemeClr val="accent1"/>
+          </a:effectRef>
+          <a:fontRef idx="minor">
+            <a:schemeClr val="lt1"/>
+          </a:fontRef>
+        </p:style>
+        <p:txBody>
+          <a:bodyPr rtlCol="0" anchor="ctr"/>
+          <a:lstStyle/>
+          <a:p>
+            <a:pPr algn="ctr"/>
+            <a:endParaRPr lang="de-DE">
+              <a:solidFill>
+                <a:schemeClr val="bg1"/>
+              </a:solidFill>
+            </a:endParaRPr>
           </a:p>
         </p:txBody>
       </p:sp>
@@ -8576,11 +11084,7 @@
           <a:p>
             <a:r>
               <a:rPr lang="de-DE" dirty="0" smtClean="0"/>
-              <a:t>Umsetzung der </a:t>
-            </a:r>
-            <a:r>
-              <a:rPr lang="de-DE" dirty="0" err="1" smtClean="0"/>
-              <a:t>Texturierung</a:t>
+              <a:t>Grundlagen (Texturierung)</a:t>
             </a:r>
             <a:endParaRPr lang="de-DE" dirty="0"/>
           </a:p>
@@ -8656,19 +11160,112 @@
           </a:p>
         </p:txBody>
       </p:sp>
+      <p:sp>
+        <p:nvSpPr>
+          <p:cNvPr id="3" name="Inhaltsplatzhalter 2"/>
+          <p:cNvSpPr>
+            <a:spLocks noGrp="1"/>
+          </p:cNvSpPr>
+          <p:nvPr>
+            <p:ph idx="1"/>
+          </p:nvPr>
+        </p:nvSpPr>
+        <p:spPr>
+          <a:xfrm>
+            <a:off x="251520" y="1897966"/>
+            <a:ext cx="6048672" cy="792088"/>
+          </a:xfrm>
+        </p:spPr>
+        <p:txBody>
+          <a:bodyPr>
+            <a:noAutofit/>
+          </a:bodyPr>
+          <a:lstStyle/>
+          <a:p>
+            <a:pPr marL="0" indent="0">
+              <a:buNone/>
+            </a:pPr>
+            <a:r>
+              <a:rPr lang="de-DE" sz="2000" dirty="0" smtClean="0"/>
+              <a:t>Eine Möglichkeit zur Interpolation von Texturen/Farben in Marching Cubes:</a:t>
+            </a:r>
+            <a:endParaRPr lang="de-DE" sz="2000" dirty="0" smtClean="0"/>
+          </a:p>
+        </p:txBody>
+      </p:sp>
+      <p:sp>
+        <p:nvSpPr>
+          <p:cNvPr id="9" name="Textfeld 8"/>
+          <p:cNvSpPr txBox="1"/>
+          <p:nvPr/>
+        </p:nvSpPr>
+        <p:spPr>
+          <a:xfrm>
+            <a:off x="3749744" y="5608442"/>
+            <a:ext cx="360040" cy="276999"/>
+          </a:xfrm>
+          <a:prstGeom prst="rect">
+            <a:avLst/>
+          </a:prstGeom>
+          <a:noFill/>
+        </p:spPr>
+        <p:txBody>
+          <a:bodyPr wrap="square" rtlCol="0">
+            <a:spAutoFit/>
+          </a:bodyPr>
+          <a:lstStyle/>
+          <a:p>
+            <a:r>
+              <a:rPr lang="de-DE" sz="1200" dirty="0" smtClean="0"/>
+              <a:t>[6]</a:t>
+            </a:r>
+            <a:endParaRPr lang="de-DE" sz="1200" dirty="0"/>
+          </a:p>
+        </p:txBody>
+      </p:sp>
+      <p:sp>
+        <p:nvSpPr>
+          <p:cNvPr id="12" name="Textfeld 11"/>
+          <p:cNvSpPr txBox="1"/>
+          <p:nvPr/>
+        </p:nvSpPr>
+        <p:spPr>
+          <a:xfrm>
+            <a:off x="7925774" y="5608442"/>
+            <a:ext cx="360040" cy="276999"/>
+          </a:xfrm>
+          <a:prstGeom prst="rect">
+            <a:avLst/>
+          </a:prstGeom>
+          <a:noFill/>
+        </p:spPr>
+        <p:txBody>
+          <a:bodyPr wrap="square" rtlCol="0">
+            <a:spAutoFit/>
+          </a:bodyPr>
+          <a:lstStyle/>
+          <a:p>
+            <a:r>
+              <a:rPr lang="de-DE" sz="1200" dirty="0" smtClean="0"/>
+              <a:t>[7]</a:t>
+            </a:r>
+            <a:endParaRPr lang="de-DE" sz="1200" dirty="0"/>
+          </a:p>
+        </p:txBody>
+      </p:sp>
       <p:pic>
         <p:nvPicPr>
-          <p:cNvPr id="13314" name="Picture 2" descr="C:\Users\Matze\Desktop\Formel2.PNG"/>
+          <p:cNvPr id="4098" name="Picture 2" descr="C:\Users\Matze\Documents\Git\MC_Paper\Bilder\PolygonMitZusatzWerten.png"/>
           <p:cNvPicPr>
             <a:picLocks noChangeAspect="1" noChangeArrowheads="1"/>
           </p:cNvPicPr>
           <p:nvPr/>
         </p:nvPicPr>
         <p:blipFill>
-          <a:blip r:embed="rId2" cstate="print">
+          <a:blip r:embed="rId2">
             <a:extLst>
               <a:ext uri="{28A0092B-C50C-407E-A947-70E740481C1C}">
-                <a14:useLocalDpi xmlns:a14="http://schemas.microsoft.com/office/drawing/2010/main" xmlns="" val="0"/>
+                <a14:useLocalDpi xmlns:a14="http://schemas.microsoft.com/office/drawing/2010/main" val="0"/>
               </a:ext>
             </a:extLst>
           </a:blip>
@@ -8679,8 +11276,8 @@
         </p:blipFill>
         <p:spPr bwMode="auto">
           <a:xfrm>
-            <a:off x="1331640" y="4725144"/>
-            <a:ext cx="3457575" cy="590550"/>
+            <a:off x="710110" y="2852935"/>
+            <a:ext cx="3393998" cy="2700857"/>
           </a:xfrm>
           <a:prstGeom prst="rect">
             <a:avLst/>
@@ -8688,7 +11285,7 @@
           <a:noFill/>
           <a:extLst>
             <a:ext uri="{909E8E84-426E-40DD-AFC4-6F175D3DCCD1}">
-              <a14:hiddenFill xmlns:a14="http://schemas.microsoft.com/office/drawing/2010/main" xmlns="">
+              <a14:hiddenFill xmlns:a14="http://schemas.microsoft.com/office/drawing/2010/main">
                 <a:solidFill>
                   <a:srgbClr val="FFFFFF"/>
                 </a:solidFill>
@@ -8699,29 +11296,27 @@
       </p:pic>
       <p:pic>
         <p:nvPicPr>
-          <p:cNvPr id="13315" name="Picture 3" descr="C:\Users\Matze\Desktop\Formel1.PNG"/>
+          <p:cNvPr id="4099" name="Picture 3" descr="C:\Users\Matze\Documents\Git\MC_Paper\Bilder\Interpolated.jpg"/>
           <p:cNvPicPr>
             <a:picLocks noChangeAspect="1" noChangeArrowheads="1"/>
           </p:cNvPicPr>
           <p:nvPr/>
         </p:nvPicPr>
-        <p:blipFill>
+        <p:blipFill rotWithShape="1">
           <a:blip r:embed="rId3" cstate="print">
             <a:extLst>
               <a:ext uri="{28A0092B-C50C-407E-A947-70E740481C1C}">
-                <a14:useLocalDpi xmlns:a14="http://schemas.microsoft.com/office/drawing/2010/main" xmlns="" val="0"/>
+                <a14:useLocalDpi xmlns:a14="http://schemas.microsoft.com/office/drawing/2010/main" val="0"/>
               </a:ext>
             </a:extLst>
           </a:blip>
-          <a:srcRect/>
-          <a:stretch>
-            <a:fillRect/>
-          </a:stretch>
+          <a:srcRect l="13030" t="2140" r="10149" b="314"/>
+          <a:stretch/>
         </p:blipFill>
         <p:spPr bwMode="auto">
           <a:xfrm>
-            <a:off x="1331640" y="3573016"/>
-            <a:ext cx="2733675" cy="590550"/>
+            <a:off x="4253814" y="2673793"/>
+            <a:ext cx="4032000" cy="2880000"/>
           </a:xfrm>
           <a:prstGeom prst="rect">
             <a:avLst/>
@@ -8729,7 +11324,7 @@
           <a:noFill/>
           <a:extLst>
             <a:ext uri="{909E8E84-426E-40DD-AFC4-6F175D3DCCD1}">
-              <a14:hiddenFill xmlns:a14="http://schemas.microsoft.com/office/drawing/2010/main" xmlns="">
+              <a14:hiddenFill xmlns:a14="http://schemas.microsoft.com/office/drawing/2010/main">
                 <a:solidFill>
                   <a:srgbClr val="FFFFFF"/>
                 </a:solidFill>
@@ -8738,10 +11333,91 @@
           </a:extLst>
         </p:spPr>
       </p:pic>
+      <p:sp>
+        <p:nvSpPr>
+          <p:cNvPr id="8" name="Textfeld 7"/>
+          <p:cNvSpPr txBox="1"/>
+          <p:nvPr/>
+        </p:nvSpPr>
+        <p:spPr>
+          <a:xfrm>
+            <a:off x="2234847" y="3024481"/>
+            <a:ext cx="1878044" cy="1200329"/>
+          </a:xfrm>
+          <a:prstGeom prst="rect">
+            <a:avLst/>
+          </a:prstGeom>
+          <a:noFill/>
+        </p:spPr>
+        <p:txBody>
+          <a:bodyPr wrap="square" rtlCol="0">
+            <a:spAutoFit/>
+          </a:bodyPr>
+          <a:lstStyle/>
+          <a:p>
+            <a:r>
+              <a:rPr lang="de-DE" sz="1200" dirty="0" smtClean="0"/>
+              <a:t>(</a:t>
+            </a:r>
+            <a:r>
+              <a:rPr lang="de-DE" sz="1200" dirty="0"/>
+              <a:t>v*) Vertex </a:t>
+            </a:r>
+            <a:r>
+              <a:rPr lang="de-DE" sz="1200" dirty="0" smtClean="0"/>
+              <a:t>Position</a:t>
+            </a:r>
+          </a:p>
+          <a:p>
+            <a:r>
+              <a:rPr lang="de-DE" sz="1200" dirty="0" smtClean="0"/>
+              <a:t>(</a:t>
+            </a:r>
+            <a:r>
+              <a:rPr lang="de-DE" sz="1200" dirty="0"/>
+              <a:t>n*) </a:t>
+            </a:r>
+            <a:r>
+              <a:rPr lang="de-DE" sz="1200" dirty="0" smtClean="0"/>
+              <a:t>Normale</a:t>
+            </a:r>
+          </a:p>
+          <a:p>
+            <a:r>
+              <a:rPr lang="de-DE" sz="1200" dirty="0" smtClean="0"/>
+              <a:t>(</a:t>
+            </a:r>
+            <a:r>
+              <a:rPr lang="de-DE" sz="1200" dirty="0"/>
+              <a:t>t1, t2 und t3) Materialien </a:t>
+            </a:r>
+            <a:r>
+              <a:rPr lang="de-DE" sz="1200" dirty="0" smtClean="0"/>
+              <a:t>der drei Richtungen</a:t>
+            </a:r>
+            <a:endParaRPr lang="de-DE" sz="1200" dirty="0"/>
+          </a:p>
+          <a:p>
+            <a:r>
+              <a:rPr lang="de-DE" sz="1200" dirty="0" smtClean="0"/>
+              <a:t>(</a:t>
+            </a:r>
+            <a:r>
+              <a:rPr lang="de-DE" sz="1200" dirty="0" err="1" smtClean="0"/>
+              <a:t>vw</a:t>
+            </a:r>
+            <a:r>
+              <a:rPr lang="de-DE" sz="1200" dirty="0"/>
+              <a:t>*) Gewicht der Materialien am Vertex</a:t>
+            </a:r>
+            <a:endParaRPr lang="de-DE" sz="1200" dirty="0"/>
+          </a:p>
+        </p:txBody>
+      </p:sp>
     </p:spTree>
     <p:extLst>
       <p:ext uri="{BB962C8B-B14F-4D97-AF65-F5344CB8AC3E}">
-        <p14:creationId xmlns:p14="http://schemas.microsoft.com/office/powerpoint/2010/main" xmlns="" val="781730605"/>
+        <p14:creationId xmlns:p14="http://schemas.microsoft.com/office/powerpoint/2010/main" val="2363255493"/>
       </p:ext>
     </p:extLst>
   </p:cSld>
@@ -8777,41 +11453,70 @@
       </p:grpSpPr>
       <p:sp>
         <p:nvSpPr>
-          <p:cNvPr id="2" name="Titel 1"/>
-          <p:cNvSpPr>
-            <a:spLocks noGrp="1"/>
-          </p:cNvSpPr>
-          <p:nvPr>
-            <p:ph type="title"/>
-          </p:nvPr>
-        </p:nvSpPr>
-        <p:spPr/>
-        <p:txBody>
-          <a:bodyPr/>
-          <a:lstStyle/>
-          <a:p>
-            <a:r>
-              <a:rPr lang="de-DE" dirty="0" smtClean="0"/>
-              <a:t>Fazit</a:t>
-            </a:r>
-            <a:endParaRPr lang="de-DE" dirty="0"/>
-          </a:p>
-        </p:txBody>
-      </p:sp>
-      <p:sp>
-        <p:nvSpPr>
-          <p:cNvPr id="3" name="Inhaltsplatzhalter 2"/>
-          <p:cNvSpPr>
-            <a:spLocks noGrp="1"/>
-          </p:cNvSpPr>
-          <p:nvPr>
-            <p:ph idx="1"/>
-          </p:nvPr>
+          <p:cNvPr id="7" name="Rechteck 6"/>
+          <p:cNvSpPr/>
+          <p:nvPr/>
         </p:nvSpPr>
         <p:spPr>
           <a:xfrm>
-            <a:off x="464681" y="2636912"/>
-            <a:ext cx="8229600" cy="3273227"/>
+            <a:off x="611561" y="2852936"/>
+            <a:ext cx="5040560" cy="648072"/>
+          </a:xfrm>
+          <a:prstGeom prst="rect">
+            <a:avLst/>
+          </a:prstGeom>
+          <a:solidFill>
+            <a:schemeClr val="bg1"/>
+          </a:solidFill>
+          <a:ln>
+            <a:solidFill>
+              <a:schemeClr val="bg1"/>
+            </a:solidFill>
+          </a:ln>
+        </p:spPr>
+        <p:style>
+          <a:lnRef idx="2">
+            <a:schemeClr val="accent1">
+              <a:shade val="50000"/>
+            </a:schemeClr>
+          </a:lnRef>
+          <a:fillRef idx="1">
+            <a:schemeClr val="accent1"/>
+          </a:fillRef>
+          <a:effectRef idx="0">
+            <a:schemeClr val="accent1"/>
+          </a:effectRef>
+          <a:fontRef idx="minor">
+            <a:schemeClr val="lt1"/>
+          </a:fontRef>
+        </p:style>
+        <p:txBody>
+          <a:bodyPr rtlCol="0" anchor="ctr"/>
+          <a:lstStyle/>
+          <a:p>
+            <a:pPr algn="ctr"/>
+            <a:endParaRPr lang="de-DE">
+              <a:solidFill>
+                <a:schemeClr val="bg1"/>
+              </a:solidFill>
+            </a:endParaRPr>
+          </a:p>
+        </p:txBody>
+      </p:sp>
+      <p:sp>
+        <p:nvSpPr>
+          <p:cNvPr id="2" name="Titel 1"/>
+          <p:cNvSpPr>
+            <a:spLocks noGrp="1"/>
+          </p:cNvSpPr>
+          <p:nvPr>
+            <p:ph type="title"/>
+          </p:nvPr>
+        </p:nvSpPr>
+        <p:spPr>
+          <a:xfrm>
+            <a:off x="323528" y="1052736"/>
+            <a:ext cx="8301608" cy="720080"/>
           </a:xfrm>
         </p:spPr>
         <p:txBody>
@@ -8820,14 +11525,9 @@
           <a:p>
             <a:r>
               <a:rPr lang="de-DE" dirty="0" smtClean="0"/>
-              <a:t>Keine Methode als eindeutig Beste</a:t>
-            </a:r>
-          </a:p>
-          <a:p>
-            <a:r>
-              <a:rPr lang="de-DE" dirty="0" smtClean="0"/>
-              <a:t>Abhängig von Projekt und gewünschtem Effekt</a:t>
-            </a:r>
+              <a:t>Grundlagen (Texturierung)</a:t>
+            </a:r>
+            <a:endParaRPr lang="de-DE" dirty="0"/>
           </a:p>
         </p:txBody>
       </p:sp>
@@ -8901,10 +11601,185 @@
           </a:p>
         </p:txBody>
       </p:sp>
+      <p:sp>
+        <p:nvSpPr>
+          <p:cNvPr id="3" name="Inhaltsplatzhalter 2"/>
+          <p:cNvSpPr>
+            <a:spLocks noGrp="1"/>
+          </p:cNvSpPr>
+          <p:nvPr>
+            <p:ph idx="1"/>
+          </p:nvPr>
+        </p:nvSpPr>
+        <p:spPr>
+          <a:xfrm>
+            <a:off x="251520" y="1897966"/>
+            <a:ext cx="4104456" cy="792088"/>
+          </a:xfrm>
+        </p:spPr>
+        <p:txBody>
+          <a:bodyPr>
+            <a:noAutofit/>
+          </a:bodyPr>
+          <a:lstStyle/>
+          <a:p>
+            <a:pPr marL="0" indent="0">
+              <a:buNone/>
+            </a:pPr>
+            <a:r>
+              <a:rPr lang="de-DE" sz="2000" dirty="0" smtClean="0"/>
+              <a:t>Triplanares Mapping  zur Darstellung von Texturen:</a:t>
+            </a:r>
+            <a:endParaRPr lang="de-DE" sz="2000" dirty="0" smtClean="0"/>
+          </a:p>
+        </p:txBody>
+      </p:sp>
+      <p:sp>
+        <p:nvSpPr>
+          <p:cNvPr id="9" name="Textfeld 8"/>
+          <p:cNvSpPr txBox="1"/>
+          <p:nvPr/>
+        </p:nvSpPr>
+        <p:spPr>
+          <a:xfrm>
+            <a:off x="3965769" y="5608442"/>
+            <a:ext cx="360040" cy="276999"/>
+          </a:xfrm>
+          <a:prstGeom prst="rect">
+            <a:avLst/>
+          </a:prstGeom>
+          <a:noFill/>
+        </p:spPr>
+        <p:txBody>
+          <a:bodyPr wrap="square" rtlCol="0">
+            <a:spAutoFit/>
+          </a:bodyPr>
+          <a:lstStyle/>
+          <a:p>
+            <a:r>
+              <a:rPr lang="de-DE" sz="1200" dirty="0" smtClean="0"/>
+              <a:t>[8]</a:t>
+            </a:r>
+            <a:endParaRPr lang="de-DE" sz="1200" dirty="0"/>
+          </a:p>
+        </p:txBody>
+      </p:sp>
+      <p:sp>
+        <p:nvSpPr>
+          <p:cNvPr id="12" name="Textfeld 11"/>
+          <p:cNvSpPr txBox="1"/>
+          <p:nvPr/>
+        </p:nvSpPr>
+        <p:spPr>
+          <a:xfrm>
+            <a:off x="8256234" y="5331443"/>
+            <a:ext cx="360040" cy="276999"/>
+          </a:xfrm>
+          <a:prstGeom prst="rect">
+            <a:avLst/>
+          </a:prstGeom>
+          <a:noFill/>
+        </p:spPr>
+        <p:txBody>
+          <a:bodyPr wrap="square" rtlCol="0">
+            <a:spAutoFit/>
+          </a:bodyPr>
+          <a:lstStyle/>
+          <a:p>
+            <a:r>
+              <a:rPr lang="de-DE" sz="1200" dirty="0" smtClean="0"/>
+              <a:t>[9]</a:t>
+            </a:r>
+            <a:endParaRPr lang="de-DE" sz="1200" dirty="0"/>
+          </a:p>
+        </p:txBody>
+      </p:sp>
+      <p:pic>
+        <p:nvPicPr>
+          <p:cNvPr id="5122" name="Picture 2" descr="C:\Users\Matze\Documents\Git\MC_Paper\Bilder\3PlanarMaps-680x456.jpg"/>
+          <p:cNvPicPr>
+            <a:picLocks noChangeAspect="1" noChangeArrowheads="1"/>
+          </p:cNvPicPr>
+          <p:nvPr/>
+        </p:nvPicPr>
+        <p:blipFill>
+          <a:blip r:embed="rId2">
+            <a:extLst>
+              <a:ext uri="{28A0092B-C50C-407E-A947-70E740481C1C}">
+                <a14:useLocalDpi xmlns:a14="http://schemas.microsoft.com/office/drawing/2010/main" val="0"/>
+              </a:ext>
+            </a:extLst>
+          </a:blip>
+          <a:srcRect/>
+          <a:stretch>
+            <a:fillRect/>
+          </a:stretch>
+        </p:blipFill>
+        <p:spPr bwMode="auto">
+          <a:xfrm>
+            <a:off x="482050" y="2976214"/>
+            <a:ext cx="3843759" cy="2577579"/>
+          </a:xfrm>
+          <a:prstGeom prst="rect">
+            <a:avLst/>
+          </a:prstGeom>
+          <a:noFill/>
+          <a:extLst>
+            <a:ext uri="{909E8E84-426E-40DD-AFC4-6F175D3DCCD1}">
+              <a14:hiddenFill xmlns:a14="http://schemas.microsoft.com/office/drawing/2010/main">
+                <a:solidFill>
+                  <a:srgbClr val="FFFFFF"/>
+                </a:solidFill>
+              </a14:hiddenFill>
+            </a:ext>
+          </a:extLst>
+        </p:spPr>
+      </p:pic>
+      <p:pic>
+        <p:nvPicPr>
+          <p:cNvPr id="5123" name="Picture 3" descr="C:\Users\Matze\Documents\Git\MC_Paper\Bilder\TriplanarMapped-680x325.jpg"/>
+          <p:cNvPicPr>
+            <a:picLocks noChangeAspect="1" noChangeArrowheads="1"/>
+          </p:cNvPicPr>
+          <p:nvPr/>
+        </p:nvPicPr>
+        <p:blipFill>
+          <a:blip r:embed="rId3">
+            <a:extLst>
+              <a:ext uri="{28A0092B-C50C-407E-A947-70E740481C1C}">
+                <a14:useLocalDpi xmlns:a14="http://schemas.microsoft.com/office/drawing/2010/main" val="0"/>
+              </a:ext>
+            </a:extLst>
+          </a:blip>
+          <a:srcRect/>
+          <a:stretch>
+            <a:fillRect/>
+          </a:stretch>
+        </p:blipFill>
+        <p:spPr bwMode="auto">
+          <a:xfrm>
+            <a:off x="4427984" y="3260739"/>
+            <a:ext cx="4202459" cy="2008528"/>
+          </a:xfrm>
+          <a:prstGeom prst="rect">
+            <a:avLst/>
+          </a:prstGeom>
+          <a:noFill/>
+          <a:extLst>
+            <a:ext uri="{909E8E84-426E-40DD-AFC4-6F175D3DCCD1}">
+              <a14:hiddenFill xmlns:a14="http://schemas.microsoft.com/office/drawing/2010/main">
+                <a:solidFill>
+                  <a:srgbClr val="FFFFFF"/>
+                </a:solidFill>
+              </a14:hiddenFill>
+            </a:ext>
+          </a:extLst>
+        </p:spPr>
+      </p:pic>
     </p:spTree>
     <p:extLst>
       <p:ext uri="{BB962C8B-B14F-4D97-AF65-F5344CB8AC3E}">
-        <p14:creationId xmlns:p14="http://schemas.microsoft.com/office/powerpoint/2010/main" xmlns="" val="3088485612"/>
+        <p14:creationId xmlns:p14="http://schemas.microsoft.com/office/powerpoint/2010/main" val="1382903378"/>
       </p:ext>
     </p:extLst>
   </p:cSld>
@@ -8940,50 +11815,307 @@
       </p:grpSpPr>
       <p:sp>
         <p:nvSpPr>
-          <p:cNvPr id="3" name="Inhaltsplatzhalter 2"/>
-          <p:cNvSpPr>
-            <a:spLocks noGrp="1"/>
-          </p:cNvSpPr>
-          <p:nvPr>
-            <p:ph idx="1"/>
+          <p:cNvPr id="2" name="Titel 1"/>
+          <p:cNvSpPr>
+            <a:spLocks noGrp="1"/>
+          </p:cNvSpPr>
+          <p:nvPr>
+            <p:ph type="title"/>
           </p:nvPr>
         </p:nvSpPr>
         <p:spPr>
           <a:xfrm>
-            <a:off x="1457831" y="2276872"/>
-            <a:ext cx="6210513" cy="3273227"/>
+            <a:off x="323528" y="1052736"/>
+            <a:ext cx="8301608" cy="720080"/>
           </a:xfrm>
         </p:spPr>
         <p:txBody>
           <a:bodyPr/>
           <a:lstStyle/>
           <a:p>
-            <a:pPr marL="0" indent="0" algn="ctr">
-              <a:buNone/>
+            <a:r>
+              <a:rPr lang="de-DE" dirty="0" smtClean="0"/>
+              <a:t>Zielsetzung</a:t>
+            </a:r>
+            <a:endParaRPr lang="de-DE" dirty="0"/>
+          </a:p>
+        </p:txBody>
+      </p:sp>
+      <p:sp>
+        <p:nvSpPr>
+          <p:cNvPr id="3" name="Inhaltsplatzhalter 2"/>
+          <p:cNvSpPr>
+            <a:spLocks noGrp="1"/>
+          </p:cNvSpPr>
+          <p:nvPr>
+            <p:ph idx="1"/>
+          </p:nvPr>
+        </p:nvSpPr>
+        <p:spPr>
+          <a:xfrm>
+            <a:off x="464681" y="2348880"/>
+            <a:ext cx="8229600" cy="3489251"/>
+          </a:xfrm>
+        </p:spPr>
+        <p:txBody>
+          <a:bodyPr>
+            <a:normAutofit fontScale="32500" lnSpcReduction="20000"/>
+          </a:bodyPr>
+          <a:lstStyle/>
+          <a:p>
+            <a:pPr>
+              <a:lnSpc>
+                <a:spcPct val="120000"/>
+              </a:lnSpc>
             </a:pPr>
             <a:r>
-              <a:rPr lang="de-DE" sz="4000" dirty="0" smtClean="0"/>
-              <a:t>Vielen Dank für die Aufmerksamkeit!</a:t>
-            </a:r>
-            <a:r>
-              <a:rPr lang="de-DE" dirty="0" smtClean="0"/>
-              <a:t/>
-            </a:r>
-            <a:br>
-              <a:rPr lang="de-DE" dirty="0" smtClean="0"/>
-            </a:br>
-            <a:r>
-              <a:rPr lang="de-DE" dirty="0" smtClean="0"/>
-              <a:t/>
-            </a:r>
-            <a:br>
-              <a:rPr lang="de-DE" dirty="0" smtClean="0"/>
-            </a:br>
-            <a:r>
-              <a:rPr lang="de-DE" sz="4000" dirty="0" smtClean="0"/>
-              <a:t>Noch Fragen?</a:t>
-            </a:r>
-            <a:endParaRPr lang="de-DE" sz="4000" dirty="0"/>
+              <a:rPr lang="de-DE" sz="4800" dirty="0"/>
+              <a:t>Jedem Voxel werden ein Material und eine </a:t>
+            </a:r>
+            <a:r>
+              <a:rPr lang="de-DE" sz="4800" dirty="0" smtClean="0"/>
+              <a:t>kontinuierliche Füllmenge </a:t>
+            </a:r>
+            <a:r>
+              <a:rPr lang="de-DE" sz="4800" dirty="0"/>
+              <a:t> </a:t>
+            </a:r>
+            <a:r>
+              <a:rPr lang="de-DE" sz="4800" dirty="0"/>
+              <a:t>∈ </a:t>
+            </a:r>
+            <a:r>
+              <a:rPr lang="de-DE" sz="4800" dirty="0"/>
+              <a:t>[1; 0] zugewiesen.</a:t>
+            </a:r>
+          </a:p>
+          <a:p>
+            <a:pPr>
+              <a:lnSpc>
+                <a:spcPct val="120000"/>
+              </a:lnSpc>
+            </a:pPr>
+            <a:r>
+              <a:rPr lang="de-DE" sz="4800" dirty="0" smtClean="0"/>
+              <a:t>Es </a:t>
+            </a:r>
+            <a:r>
+              <a:rPr lang="de-DE" sz="4800" dirty="0"/>
+              <a:t>wird pro Achter-Tupel </a:t>
+            </a:r>
+            <a:r>
+              <a:rPr lang="de-DE" sz="4800" dirty="0" smtClean="0"/>
+              <a:t>ein </a:t>
+            </a:r>
+            <a:r>
+              <a:rPr lang="de-DE" sz="4800" dirty="0" err="1" smtClean="0"/>
+              <a:t>Mesh</a:t>
+            </a:r>
+            <a:r>
+              <a:rPr lang="de-DE" sz="4800" dirty="0"/>
+              <a:t> </a:t>
+            </a:r>
+            <a:r>
+              <a:rPr lang="de-DE" sz="4800" dirty="0" smtClean="0"/>
+              <a:t>erzeugt</a:t>
+            </a:r>
+            <a:r>
+              <a:rPr lang="de-DE" sz="4800" dirty="0"/>
+              <a:t>. Hierbei haben die einzelnen Voxel </a:t>
+            </a:r>
+            <a:r>
+              <a:rPr lang="de-DE" sz="4800" dirty="0" smtClean="0"/>
+              <a:t>nur Zugriff </a:t>
+            </a:r>
+            <a:r>
+              <a:rPr lang="de-DE" sz="4800" dirty="0"/>
+              <a:t>auf die ihnen zugewiesenen </a:t>
+            </a:r>
+            <a:r>
+              <a:rPr lang="de-DE" sz="4800" dirty="0" smtClean="0"/>
+              <a:t>Informationen und </a:t>
+            </a:r>
+            <a:r>
+              <a:rPr lang="de-DE" sz="4800" dirty="0"/>
+              <a:t>keine Referenzen oder Zugriffe </a:t>
+            </a:r>
+            <a:r>
+              <a:rPr lang="de-DE" sz="4800" dirty="0" smtClean="0"/>
+              <a:t>auf andere </a:t>
+            </a:r>
+            <a:r>
+              <a:rPr lang="de-DE" sz="4800" dirty="0"/>
+              <a:t>Voxel, wie beispielsweise ihre </a:t>
+            </a:r>
+            <a:r>
+              <a:rPr lang="de-DE" sz="4800" dirty="0" smtClean="0"/>
+              <a:t>sechs direkten </a:t>
+            </a:r>
+            <a:r>
+              <a:rPr lang="de-DE" sz="4800" dirty="0"/>
+              <a:t>Nachbarn.</a:t>
+            </a:r>
+          </a:p>
+          <a:p>
+            <a:pPr>
+              <a:lnSpc>
+                <a:spcPct val="120000"/>
+              </a:lnSpc>
+            </a:pPr>
+            <a:r>
+              <a:rPr lang="de-DE" sz="4800" dirty="0" smtClean="0"/>
+              <a:t>Die </a:t>
+            </a:r>
+            <a:r>
+              <a:rPr lang="de-DE" sz="4800" dirty="0" err="1" smtClean="0"/>
+              <a:t>Göße</a:t>
+            </a:r>
+            <a:r>
+              <a:rPr lang="de-DE" sz="4800" dirty="0" smtClean="0"/>
+              <a:t> </a:t>
+            </a:r>
+            <a:r>
+              <a:rPr lang="de-DE" sz="4800" dirty="0"/>
+              <a:t>der Meshes wird sich anhand </a:t>
+            </a:r>
+            <a:r>
+              <a:rPr lang="de-DE" sz="4800" dirty="0" smtClean="0"/>
+              <a:t>der Füllmenge </a:t>
+            </a:r>
+            <a:r>
+              <a:rPr lang="de-DE" sz="4800" dirty="0"/>
+              <a:t>innerhalb eines Voxels </a:t>
+            </a:r>
+            <a:r>
+              <a:rPr lang="de-DE" sz="4800" dirty="0" smtClean="0"/>
+              <a:t>verändern</a:t>
+            </a:r>
+            <a:r>
+              <a:rPr lang="de-DE" sz="4800" dirty="0"/>
+              <a:t> </a:t>
+            </a:r>
+            <a:r>
+              <a:rPr lang="de-DE" sz="4800" dirty="0" smtClean="0"/>
+              <a:t>und </a:t>
+            </a:r>
+            <a:r>
+              <a:rPr lang="de-DE" sz="4800" dirty="0"/>
+              <a:t>nachvollziehbar sein. Nachvollziehbar </a:t>
+            </a:r>
+            <a:r>
+              <a:rPr lang="de-DE" sz="4800" dirty="0" smtClean="0"/>
+              <a:t>bedeutet in </a:t>
+            </a:r>
+            <a:r>
+              <a:rPr lang="de-DE" sz="4800" dirty="0"/>
+              <a:t>diesem Zusammenhang, dass </a:t>
+            </a:r>
+            <a:r>
+              <a:rPr lang="de-DE" sz="4800" dirty="0" smtClean="0"/>
+              <a:t>bei mehr Füllmenge </a:t>
+            </a:r>
+            <a:r>
+              <a:rPr lang="de-DE" sz="4800" dirty="0"/>
+              <a:t>ein </a:t>
+            </a:r>
+            <a:r>
+              <a:rPr lang="de-DE" sz="4800" dirty="0" smtClean="0"/>
+              <a:t>größerer </a:t>
+            </a:r>
+            <a:r>
+              <a:rPr lang="de-DE" sz="4800" dirty="0" err="1"/>
+              <a:t>Mesh</a:t>
+            </a:r>
+            <a:r>
+              <a:rPr lang="de-DE" sz="4800" dirty="0"/>
+              <a:t> </a:t>
+            </a:r>
+            <a:r>
+              <a:rPr lang="de-DE" sz="4800" dirty="0" smtClean="0"/>
+              <a:t>entsteht und </a:t>
+            </a:r>
+            <a:r>
+              <a:rPr lang="de-DE" sz="4800" dirty="0"/>
+              <a:t>umgekehrt. Es ist in diesem Fall keine </a:t>
+            </a:r>
+            <a:r>
+              <a:rPr lang="de-DE" sz="4800" dirty="0" smtClean="0"/>
+              <a:t>Anforderung, dass </a:t>
+            </a:r>
+            <a:r>
+              <a:rPr lang="de-DE" sz="4800" dirty="0"/>
+              <a:t>die Ausdehnung </a:t>
+            </a:r>
+            <a:r>
+              <a:rPr lang="de-DE" sz="4800" dirty="0" smtClean="0"/>
+              <a:t>volumetrisch korrekt </a:t>
+            </a:r>
+            <a:r>
+              <a:rPr lang="de-DE" sz="4800" dirty="0"/>
+              <a:t>ist</a:t>
+            </a:r>
+            <a:r>
+              <a:rPr lang="de-DE" sz="4800" dirty="0" smtClean="0"/>
+              <a:t>.</a:t>
+            </a:r>
+          </a:p>
+          <a:p>
+            <a:pPr>
+              <a:lnSpc>
+                <a:spcPct val="120000"/>
+              </a:lnSpc>
+            </a:pPr>
+            <a:r>
+              <a:rPr lang="de-DE" sz="4800" dirty="0" smtClean="0"/>
+              <a:t>Es </a:t>
+            </a:r>
+            <a:r>
+              <a:rPr lang="de-DE" sz="4800" dirty="0"/>
+              <a:t>ist </a:t>
+            </a:r>
+            <a:r>
+              <a:rPr lang="de-DE" sz="4800" dirty="0" smtClean="0"/>
+              <a:t>möglich </a:t>
+            </a:r>
+            <a:r>
+              <a:rPr lang="de-DE" sz="4800" dirty="0"/>
+              <a:t>ein Objekt zu erzeugen, </a:t>
+            </a:r>
+            <a:r>
+              <a:rPr lang="de-DE" sz="4800" dirty="0" smtClean="0"/>
+              <a:t>das nur </a:t>
+            </a:r>
+            <a:r>
+              <a:rPr lang="de-DE" sz="4800" dirty="0"/>
+              <a:t>aus waagerechten und senkrechten </a:t>
+            </a:r>
+            <a:r>
+              <a:rPr lang="de-DE" sz="4800" dirty="0" smtClean="0"/>
+              <a:t>Flächen besteht</a:t>
+            </a:r>
+            <a:r>
+              <a:rPr lang="de-DE" sz="4800" dirty="0"/>
+              <a:t>. Daraus geht hervor, dass es </a:t>
+            </a:r>
+            <a:r>
+              <a:rPr lang="de-DE" sz="4800" dirty="0" smtClean="0"/>
+              <a:t>möglich ist 90° </a:t>
+            </a:r>
+            <a:r>
+              <a:rPr lang="de-DE" sz="4800" dirty="0"/>
+              <a:t>Außenwinkel aus senkrechten und </a:t>
+            </a:r>
+            <a:r>
+              <a:rPr lang="de-DE" sz="4800" dirty="0" smtClean="0"/>
+              <a:t>waagerechten Flächen </a:t>
+            </a:r>
+            <a:r>
+              <a:rPr lang="de-DE" sz="4800" dirty="0"/>
+              <a:t>zu erzeugen.</a:t>
+            </a:r>
+          </a:p>
+          <a:p>
+            <a:endParaRPr lang="de-DE" dirty="0"/>
           </a:p>
         </p:txBody>
       </p:sp>
@@ -9060,7 +12192,7 @@
     </p:spTree>
     <p:extLst>
       <p:ext uri="{BB962C8B-B14F-4D97-AF65-F5344CB8AC3E}">
-        <p14:creationId xmlns:p14="http://schemas.microsoft.com/office/powerpoint/2010/main" xmlns="" val="2633248971"/>
+        <p14:creationId xmlns:p14="http://schemas.microsoft.com/office/powerpoint/2010/main" val="1579986687"/>
       </p:ext>
     </p:extLst>
   </p:cSld>

--- a/Vortrag - Eine konstruktive Methode zum Rendern von Marching Cubes Voxeln mit unterschiedlichen Füllmengen und Materialien.pptx
+++ b/Vortrag - Eine konstruktive Methode zum Rendern von Marching Cubes Voxeln mit unterschiedlichen Füllmengen und Materialien.pptx
@@ -5214,6 +5214,62 @@
           </a:p>
         </p:txBody>
       </p:sp>
+      <p:sp>
+        <p:nvSpPr>
+          <p:cNvPr id="4" name="Textfeld 3"/>
+          <p:cNvSpPr txBox="1"/>
+          <p:nvPr/>
+        </p:nvSpPr>
+        <p:spPr>
+          <a:xfrm>
+            <a:off x="2227327" y="5517232"/>
+            <a:ext cx="4608512" cy="646331"/>
+          </a:xfrm>
+          <a:prstGeom prst="rect">
+            <a:avLst/>
+          </a:prstGeom>
+          <a:noFill/>
+        </p:spPr>
+        <p:txBody>
+          <a:bodyPr wrap="square" rtlCol="0">
+            <a:spAutoFit/>
+          </a:bodyPr>
+          <a:lstStyle/>
+          <a:p>
+            <a:pPr algn="ctr"/>
+            <a:r>
+              <a:rPr lang="de-DE" dirty="0" smtClean="0">
+                <a:solidFill>
+                  <a:schemeClr val="bg1">
+                    <a:lumMod val="65000"/>
+                  </a:schemeClr>
+                </a:solidFill>
+              </a:rPr>
+              <a:t>Betreut durch</a:t>
+            </a:r>
+          </a:p>
+          <a:p>
+            <a:pPr algn="ctr"/>
+            <a:r>
+              <a:rPr lang="de-DE" dirty="0" smtClean="0">
+                <a:solidFill>
+                  <a:schemeClr val="bg1">
+                    <a:lumMod val="65000"/>
+                  </a:schemeClr>
+                </a:solidFill>
+              </a:rPr>
+              <a:t>Prof. Dr. Daniel Scherzer</a:t>
+            </a:r>
+            <a:endParaRPr lang="de-DE" dirty="0">
+              <a:solidFill>
+                <a:schemeClr val="bg1">
+                  <a:lumMod val="65000"/>
+                </a:schemeClr>
+              </a:solidFill>
+            </a:endParaRPr>
+          </a:p>
+        </p:txBody>
+      </p:sp>
     </p:spTree>
     <p:extLst>
       <p:ext uri="{BB962C8B-B14F-4D97-AF65-F5344CB8AC3E}">
@@ -5483,18 +5539,14 @@
           <a:p>
             <a:r>
               <a:rPr lang="de-DE" dirty="0" smtClean="0"/>
-              <a:t>Umsetzung der </a:t>
-            </a:r>
-            <a:r>
-              <a:rPr lang="de-DE" dirty="0" smtClean="0"/>
-              <a:t>Oberflächengenerierung</a:t>
+              <a:t>Umsetzung der Oberflächengenerierung</a:t>
             </a:r>
             <a:endParaRPr lang="de-DE" dirty="0"/>
           </a:p>
         </p:txBody>
       </p:sp>
-      <mc:AlternateContent xmlns:mc="http://schemas.openxmlformats.org/markup-compatibility/2006">
-        <mc:Choice xmlns:a14="http://schemas.microsoft.com/office/drawing/2010/main" Requires="a14">
+      <mc:AlternateContent xmlns:mc="http://schemas.openxmlformats.org/markup-compatibility/2006" xmlns:a14="http://schemas.microsoft.com/office/drawing/2010/main">
+        <mc:Choice Requires="a14">
           <p:sp>
             <p:nvSpPr>
               <p:cNvPr id="3" name="Inhaltsplatzhalter 2"/>
@@ -6830,7 +6882,7 @@
             </p:txBody>
           </p:sp>
         </mc:Choice>
-        <mc:Fallback>
+        <mc:Fallback xmlns="">
           <p:sp>
             <p:nvSpPr>
               <p:cNvPr id="3" name="Inhaltsplatzhalter 2"/>
@@ -6997,18 +7049,14 @@
           <a:p>
             <a:r>
               <a:rPr lang="de-DE" dirty="0" smtClean="0"/>
-              <a:t>Umsetzung der </a:t>
-            </a:r>
-            <a:r>
-              <a:rPr lang="de-DE" dirty="0" smtClean="0"/>
-              <a:t>Texturierung</a:t>
+              <a:t>Umsetzung der Texturierung</a:t>
             </a:r>
             <a:endParaRPr lang="de-DE" dirty="0"/>
           </a:p>
         </p:txBody>
       </p:sp>
-      <mc:AlternateContent xmlns:mc="http://schemas.openxmlformats.org/markup-compatibility/2006">
-        <mc:Choice xmlns:a14="http://schemas.microsoft.com/office/drawing/2010/main" Requires="a14">
+      <mc:AlternateContent xmlns:mc="http://schemas.openxmlformats.org/markup-compatibility/2006" xmlns:a14="http://schemas.microsoft.com/office/drawing/2010/main">
+        <mc:Choice Requires="a14">
           <p:sp>
             <p:nvSpPr>
               <p:cNvPr id="3" name="Inhaltsplatzhalter 2"/>
@@ -7159,7 +7207,7 @@
                     <m:d>
                       <m:dPr>
                         <m:ctrlPr>
-                          <a:rPr lang="de-DE" sz="2000" b="0" i="0" smtClean="0">
+                          <a:rPr lang="de-DE" sz="2000" b="0" i="1" smtClean="0">
                             <a:latin typeface="Cambria Math"/>
                           </a:rPr>
                         </m:ctrlPr>
@@ -8307,7 +8355,7 @@
             </p:txBody>
           </p:sp>
         </mc:Choice>
-        <mc:Fallback>
+        <mc:Fallback xmlns="">
           <p:sp>
             <p:nvSpPr>
               <p:cNvPr id="3" name="Inhaltsplatzhalter 2"/>
@@ -8501,14 +8549,12 @@
               <a:rPr lang="de-DE" sz="2400" dirty="0" smtClean="0"/>
               <a:t>Die entwickelte Methode ermöglicht unterschiedlich große und komplexe Oberflächen über den Marching Cubes Algorithmus aus konstruierten Voxeldaten zu rendern.</a:t>
             </a:r>
-            <a:endParaRPr lang="de-DE" sz="2400" dirty="0" smtClean="0"/>
           </a:p>
           <a:p>
             <a:r>
               <a:rPr lang="de-DE" sz="2400" dirty="0" smtClean="0"/>
               <a:t>Optimierungen und Änderungen wären denkbar</a:t>
             </a:r>
-            <a:endParaRPr lang="de-DE" sz="2400" dirty="0" smtClean="0"/>
           </a:p>
         </p:txBody>
       </p:sp>
@@ -8642,7 +8688,6 @@
               <a:rPr lang="de-DE" dirty="0"/>
               <a:t>k</a:t>
             </a:r>
-            <a:endParaRPr lang="de-DE" dirty="0"/>
           </a:p>
         </p:txBody>
       </p:sp>
@@ -8694,11 +8739,7 @@
             </a:r>
             <a:r>
               <a:rPr lang="de-DE" sz="1600" dirty="0"/>
-              <a:t>Voxeln </a:t>
-            </a:r>
-            <a:r>
-              <a:rPr lang="de-DE" sz="1600" dirty="0"/>
-              <a:t>ü</a:t>
+              <a:t>Voxeln ü</a:t>
             </a:r>
             <a:r>
               <a:rPr lang="de-DE" sz="1600" dirty="0" smtClean="0"/>
@@ -9000,7 +9041,6 @@
               <a:rPr lang="de-DE" dirty="0"/>
               <a:t>k</a:t>
             </a:r>
-            <a:endParaRPr lang="de-DE" dirty="0"/>
           </a:p>
         </p:txBody>
       </p:sp>
@@ -9398,9 +9438,6 @@
               </a:rPr>
               <a:t>http://www.cs.carleton.edu/cs_comps/0405/shape/images/2Dintersected.jpg</a:t>
             </a:r>
-            <a:endParaRPr lang="de-DE" dirty="0" smtClean="0">
-              <a:hlinkClick r:id="rId4"/>
-            </a:endParaRPr>
           </a:p>
           <a:p>
             <a:pPr marL="514350" indent="-514350">
@@ -9713,7 +9750,6 @@
               <a:rPr lang="de-DE" sz="3000" dirty="0" smtClean="0"/>
               <a:t>Ausblick</a:t>
             </a:r>
-            <a:endParaRPr lang="de-DE" sz="3000" dirty="0" smtClean="0"/>
           </a:p>
           <a:p>
             <a:endParaRPr lang="de-DE" dirty="0"/>
@@ -9882,15 +9918,7 @@
             </a:pPr>
             <a:r>
               <a:rPr lang="de-DE" sz="2400" dirty="0" smtClean="0"/>
-              <a:t>Existierende Marching Cubes </a:t>
-            </a:r>
-            <a:r>
-              <a:rPr lang="de-DE" sz="2400" dirty="0" smtClean="0"/>
-              <a:t>G</a:t>
-            </a:r>
-            <a:r>
-              <a:rPr lang="de-DE" sz="2400" dirty="0" smtClean="0"/>
-              <a:t>rößen-Anpassungen in medizinischen Bereichen anhand gemessener Eintrittspunkte in Objekte.</a:t>
+              <a:t>Existierende Marching Cubes Größen-Anpassungen in medizinischen Bereichen anhand gemessener Eintrittspunkte in Objekte.</a:t>
             </a:r>
             <a:br>
               <a:rPr lang="de-DE" sz="2400" dirty="0" smtClean="0"/>
@@ -9906,7 +9934,6 @@
               <a:rPr lang="de-DE" sz="2400" dirty="0" smtClean="0"/>
               <a:t>Konzept: Größenanpassung mit konstruierten Werten</a:t>
             </a:r>
-            <a:endParaRPr lang="de-DE" sz="2400" dirty="0" smtClean="0"/>
           </a:p>
           <a:p>
             <a:pPr marL="0" indent="0">
@@ -10210,7 +10237,6 @@
               <a:rPr lang="de-DE" sz="2000" dirty="0" smtClean="0"/>
               <a:t> anhand einer Lookup Table zwischen 8 kubisch angeordneten Voxeln generieren:</a:t>
             </a:r>
-            <a:endParaRPr lang="de-DE" sz="2000" dirty="0" smtClean="0"/>
           </a:p>
         </p:txBody>
       </p:sp>
@@ -10350,7 +10376,6 @@
               <a:rPr lang="de-DE" dirty="0"/>
               <a:t>(Marching Cubes)</a:t>
             </a:r>
-            <a:endParaRPr lang="de-DE" dirty="0"/>
           </a:p>
         </p:txBody>
       </p:sp>
@@ -10461,7 +10486,6 @@
               <a:rPr lang="de-DE" sz="2000" dirty="0" smtClean="0"/>
               <a:t> Bereich Verschiebung der Vertices zu den gemessenen Eintrittspunkten in das Objekt:</a:t>
             </a:r>
-            <a:endParaRPr lang="de-DE" sz="2000" dirty="0" smtClean="0"/>
           </a:p>
         </p:txBody>
       </p:sp>
@@ -10724,7 +10748,6 @@
               <a:rPr lang="de-DE" dirty="0"/>
               <a:t>(Marching Cubes)</a:t>
             </a:r>
-            <a:endParaRPr lang="de-DE" dirty="0"/>
           </a:p>
         </p:txBody>
       </p:sp>
@@ -10827,7 +10850,6 @@
               <a:rPr lang="de-DE" sz="2000" dirty="0" smtClean="0"/>
               <a:t>Beispiel aus dem Medizinischen Bereich:</a:t>
             </a:r>
-            <a:endParaRPr lang="de-DE" sz="2000" dirty="0" smtClean="0"/>
           </a:p>
         </p:txBody>
       </p:sp>
@@ -11189,7 +11211,6 @@
               <a:rPr lang="de-DE" sz="2000" dirty="0" smtClean="0"/>
               <a:t>Eine Möglichkeit zur Interpolation von Texturen/Farben in Marching Cubes:</a:t>
             </a:r>
-            <a:endParaRPr lang="de-DE" sz="2000" dirty="0" smtClean="0"/>
           </a:p>
         </p:txBody>
       </p:sp>
@@ -11410,7 +11431,6 @@
               <a:rPr lang="de-DE" sz="1200" dirty="0"/>
               <a:t>*) Gewicht der Materialien am Vertex</a:t>
             </a:r>
-            <a:endParaRPr lang="de-DE" sz="1200" dirty="0"/>
           </a:p>
         </p:txBody>
       </p:sp>
@@ -11630,7 +11650,6 @@
               <a:rPr lang="de-DE" sz="2000" dirty="0" smtClean="0"/>
               <a:t>Triplanares Mapping  zur Darstellung von Texturen:</a:t>
             </a:r>
-            <a:endParaRPr lang="de-DE" sz="2000" dirty="0" smtClean="0"/>
           </a:p>
         </p:txBody>
       </p:sp>
@@ -11878,15 +11897,7 @@
             </a:r>
             <a:r>
               <a:rPr lang="de-DE" sz="4800" dirty="0"/>
-              <a:t> </a:t>
-            </a:r>
-            <a:r>
-              <a:rPr lang="de-DE" sz="4800" dirty="0"/>
-              <a:t>∈ </a:t>
-            </a:r>
-            <a:r>
-              <a:rPr lang="de-DE" sz="4800" dirty="0"/>
-              <a:t>[1; 0] zugewiesen.</a:t>
+              <a:t> ∈ [1; 0] zugewiesen.</a:t>
             </a:r>
           </a:p>
           <a:p>
